--- a/新米社長に送るWebサイトの重要性と運用の仕方.pptx
+++ b/新米社長に送るWebサイトの重要性と運用の仕方.pptx
@@ -104,6 +104,11 @@
       </a:defRPr>
     </a:lvl9pPr>
   </p:defaultTextStyle>
+  <p:extLst>
+    <p:ext uri="{EFAFB233-063F-42B5-8137-9DF3F51BA10A}">
+      <p15:sldGuideLst xmlns:p15="http://schemas.microsoft.com/office/powerpoint/2012/main"/>
+    </p:ext>
+  </p:extLst>
 </p:presentation>
 </file>
 
@@ -254,7 +259,7 @@
           <a:p>
             <a:fld id="{BE173A8C-9030-4E44-8A2D-FFAF2D8309F2}" type="datetimeFigureOut">
               <a:rPr kumimoji="1" lang="ja-JP" altLang="en-US" smtClean="0"/>
-              <a:t>2018/2/9</a:t>
+              <a:t>2018/2/13</a:t>
             </a:fld>
             <a:endParaRPr kumimoji="1" lang="ja-JP" altLang="en-US"/>
           </a:p>
@@ -484,7 +489,7 @@
           <a:p>
             <a:fld id="{BE173A8C-9030-4E44-8A2D-FFAF2D8309F2}" type="datetimeFigureOut">
               <a:rPr kumimoji="1" lang="ja-JP" altLang="en-US" smtClean="0"/>
-              <a:t>2018/2/9</a:t>
+              <a:t>2018/2/13</a:t>
             </a:fld>
             <a:endParaRPr kumimoji="1" lang="ja-JP" altLang="en-US"/>
           </a:p>
@@ -724,7 +729,7 @@
           <a:p>
             <a:fld id="{BE173A8C-9030-4E44-8A2D-FFAF2D8309F2}" type="datetimeFigureOut">
               <a:rPr kumimoji="1" lang="ja-JP" altLang="en-US" smtClean="0"/>
-              <a:t>2018/2/9</a:t>
+              <a:t>2018/2/13</a:t>
             </a:fld>
             <a:endParaRPr kumimoji="1" lang="ja-JP" altLang="en-US"/>
           </a:p>
@@ -954,7 +959,7 @@
           <a:p>
             <a:fld id="{BE173A8C-9030-4E44-8A2D-FFAF2D8309F2}" type="datetimeFigureOut">
               <a:rPr kumimoji="1" lang="ja-JP" altLang="en-US" smtClean="0"/>
-              <a:t>2018/2/9</a:t>
+              <a:t>2018/2/13</a:t>
             </a:fld>
             <a:endParaRPr kumimoji="1" lang="ja-JP" altLang="en-US"/>
           </a:p>
@@ -1229,7 +1234,7 @@
           <a:p>
             <a:fld id="{BE173A8C-9030-4E44-8A2D-FFAF2D8309F2}" type="datetimeFigureOut">
               <a:rPr kumimoji="1" lang="ja-JP" altLang="en-US" smtClean="0"/>
-              <a:t>2018/2/9</a:t>
+              <a:t>2018/2/13</a:t>
             </a:fld>
             <a:endParaRPr kumimoji="1" lang="ja-JP" altLang="en-US"/>
           </a:p>
@@ -1558,7 +1563,7 @@
           <a:p>
             <a:fld id="{BE173A8C-9030-4E44-8A2D-FFAF2D8309F2}" type="datetimeFigureOut">
               <a:rPr kumimoji="1" lang="ja-JP" altLang="en-US" smtClean="0"/>
-              <a:t>2018/2/9</a:t>
+              <a:t>2018/2/13</a:t>
             </a:fld>
             <a:endParaRPr kumimoji="1" lang="ja-JP" altLang="en-US"/>
           </a:p>
@@ -2034,7 +2039,7 @@
           <a:p>
             <a:fld id="{BE173A8C-9030-4E44-8A2D-FFAF2D8309F2}" type="datetimeFigureOut">
               <a:rPr kumimoji="1" lang="ja-JP" altLang="en-US" smtClean="0"/>
-              <a:t>2018/2/9</a:t>
+              <a:t>2018/2/13</a:t>
             </a:fld>
             <a:endParaRPr kumimoji="1" lang="ja-JP" altLang="en-US"/>
           </a:p>
@@ -2175,7 +2180,7 @@
           <a:p>
             <a:fld id="{BE173A8C-9030-4E44-8A2D-FFAF2D8309F2}" type="datetimeFigureOut">
               <a:rPr kumimoji="1" lang="ja-JP" altLang="en-US" smtClean="0"/>
-              <a:t>2018/2/9</a:t>
+              <a:t>2018/2/13</a:t>
             </a:fld>
             <a:endParaRPr kumimoji="1" lang="ja-JP" altLang="en-US"/>
           </a:p>
@@ -2288,7 +2293,7 @@
           <a:p>
             <a:fld id="{BE173A8C-9030-4E44-8A2D-FFAF2D8309F2}" type="datetimeFigureOut">
               <a:rPr kumimoji="1" lang="ja-JP" altLang="en-US" smtClean="0"/>
-              <a:t>2018/2/9</a:t>
+              <a:t>2018/2/13</a:t>
             </a:fld>
             <a:endParaRPr kumimoji="1" lang="ja-JP" altLang="en-US"/>
           </a:p>
@@ -2631,7 +2636,7 @@
           <a:p>
             <a:fld id="{BE173A8C-9030-4E44-8A2D-FFAF2D8309F2}" type="datetimeFigureOut">
               <a:rPr kumimoji="1" lang="ja-JP" altLang="en-US" smtClean="0"/>
-              <a:t>2018/2/9</a:t>
+              <a:t>2018/2/13</a:t>
             </a:fld>
             <a:endParaRPr kumimoji="1" lang="ja-JP" altLang="en-US"/>
           </a:p>
@@ -2919,7 +2924,7 @@
           <a:p>
             <a:fld id="{BE173A8C-9030-4E44-8A2D-FFAF2D8309F2}" type="datetimeFigureOut">
               <a:rPr kumimoji="1" lang="ja-JP" altLang="en-US" smtClean="0"/>
-              <a:t>2018/2/9</a:t>
+              <a:t>2018/2/13</a:t>
             </a:fld>
             <a:endParaRPr kumimoji="1" lang="ja-JP" altLang="en-US"/>
           </a:p>
@@ -3192,7 +3197,7 @@
           <a:p>
             <a:fld id="{BE173A8C-9030-4E44-8A2D-FFAF2D8309F2}" type="datetimeFigureOut">
               <a:rPr kumimoji="1" lang="ja-JP" altLang="en-US" smtClean="0"/>
-              <a:t>2018/2/9</a:t>
+              <a:t>2018/2/13</a:t>
             </a:fld>
             <a:endParaRPr kumimoji="1" lang="ja-JP" altLang="en-US"/>
           </a:p>
@@ -3625,12 +3630,40 @@
             <p:ph type="ctrTitle"/>
           </p:nvPr>
         </p:nvSpPr>
-        <p:spPr/>
-        <p:txBody>
-          <a:bodyPr/>
-          <a:lstStyle/>
-          <a:p>
-            <a:endParaRPr kumimoji="1" lang="ja-JP" altLang="en-US"/>
+        <p:spPr>
+          <a:xfrm>
+            <a:off x="0" y="0"/>
+            <a:ext cx="12192000" cy="4373217"/>
+          </a:xfrm>
+        </p:spPr>
+        <p:txBody>
+          <a:bodyPr>
+            <a:normAutofit/>
+          </a:bodyPr>
+          <a:lstStyle/>
+          <a:p>
+            <a:r>
+              <a:rPr kumimoji="1" lang="ja-JP" altLang="en-US" sz="8800" dirty="0"/>
+              <a:t>新米社長に送る</a:t>
+            </a:r>
+            <a:br>
+              <a:rPr kumimoji="1" lang="en-US" altLang="ja-JP" sz="8800" dirty="0"/>
+            </a:br>
+            <a:r>
+              <a:rPr kumimoji="1" lang="en-US" altLang="ja-JP" sz="8800" dirty="0"/>
+              <a:t>Web</a:t>
+            </a:r>
+            <a:r>
+              <a:rPr kumimoji="1" lang="ja-JP" altLang="en-US" sz="8800" dirty="0"/>
+              <a:t>サイトの重要性と</a:t>
+            </a:r>
+            <a:br>
+              <a:rPr kumimoji="1" lang="en-US" altLang="ja-JP" sz="8800" dirty="0"/>
+            </a:br>
+            <a:r>
+              <a:rPr kumimoji="1" lang="ja-JP" altLang="en-US" sz="8800" dirty="0"/>
+              <a:t>運用の仕方</a:t>
+            </a:r>
           </a:p>
         </p:txBody>
       </p:sp>
@@ -3650,12 +3683,23 @@
             <p:ph type="subTitle" idx="1"/>
           </p:nvPr>
         </p:nvSpPr>
-        <p:spPr/>
-        <p:txBody>
-          <a:bodyPr/>
-          <a:lstStyle/>
-          <a:p>
-            <a:endParaRPr kumimoji="1" lang="ja-JP" altLang="en-US"/>
+        <p:spPr>
+          <a:xfrm>
+            <a:off x="1524000" y="5735637"/>
+            <a:ext cx="9144000" cy="622094"/>
+          </a:xfrm>
+        </p:spPr>
+        <p:txBody>
+          <a:bodyPr>
+            <a:normAutofit/>
+          </a:bodyPr>
+          <a:lstStyle/>
+          <a:p>
+            <a:r>
+              <a:rPr lang="ja-JP" altLang="en-US" sz="3200" dirty="0"/>
+              <a:t>吹越　弘崇</a:t>
+            </a:r>
+            <a:endParaRPr kumimoji="1" lang="ja-JP" altLang="en-US" sz="3200" dirty="0"/>
           </a:p>
         </p:txBody>
       </p:sp>

--- a/新米社長に送るWebサイトの重要性と運用の仕方.pptx
+++ b/新米社長に送るWebサイトの重要性と運用の仕方.pptx
@@ -6,6 +6,10 @@
   </p:sldMasterIdLst>
   <p:sldIdLst>
     <p:sldId id="256" r:id="rId2"/>
+    <p:sldId id="257" r:id="rId3"/>
+    <p:sldId id="258" r:id="rId4"/>
+    <p:sldId id="259" r:id="rId5"/>
+    <p:sldId id="260" r:id="rId6"/>
   </p:sldIdLst>
   <p:sldSz cx="12192000" cy="6858000"/>
   <p:notesSz cx="6858000" cy="9144000"/>
@@ -3643,25 +3647,43 @@
           <a:lstStyle/>
           <a:p>
             <a:r>
-              <a:rPr kumimoji="1" lang="ja-JP" altLang="en-US" sz="8800" dirty="0"/>
+              <a:rPr kumimoji="1" lang="ja-JP" altLang="en-US" sz="8800" dirty="0">
+                <a:latin typeface="IPA Pゴシック" panose="020B0500000000000000" pitchFamily="50" charset="-128"/>
+                <a:ea typeface="IPA Pゴシック" panose="020B0500000000000000" pitchFamily="50" charset="-128"/>
+              </a:rPr>
               <a:t>新米社長に送る</a:t>
             </a:r>
             <a:br>
-              <a:rPr kumimoji="1" lang="en-US" altLang="ja-JP" sz="8800" dirty="0"/>
+              <a:rPr kumimoji="1" lang="en-US" altLang="ja-JP" sz="8800" dirty="0">
+                <a:latin typeface="IPA Pゴシック" panose="020B0500000000000000" pitchFamily="50" charset="-128"/>
+                <a:ea typeface="IPA Pゴシック" panose="020B0500000000000000" pitchFamily="50" charset="-128"/>
+              </a:rPr>
             </a:br>
             <a:r>
-              <a:rPr kumimoji="1" lang="en-US" altLang="ja-JP" sz="8800" dirty="0"/>
+              <a:rPr kumimoji="1" lang="en-US" altLang="ja-JP" sz="8800" dirty="0">
+                <a:latin typeface="IPA Pゴシック" panose="020B0500000000000000" pitchFamily="50" charset="-128"/>
+                <a:ea typeface="IPA Pゴシック" panose="020B0500000000000000" pitchFamily="50" charset="-128"/>
+              </a:rPr>
               <a:t>Web</a:t>
             </a:r>
             <a:r>
-              <a:rPr kumimoji="1" lang="ja-JP" altLang="en-US" sz="8800" dirty="0"/>
+              <a:rPr kumimoji="1" lang="ja-JP" altLang="en-US" sz="8800" dirty="0">
+                <a:latin typeface="IPA Pゴシック" panose="020B0500000000000000" pitchFamily="50" charset="-128"/>
+                <a:ea typeface="IPA Pゴシック" panose="020B0500000000000000" pitchFamily="50" charset="-128"/>
+              </a:rPr>
               <a:t>サイトの重要性と</a:t>
             </a:r>
             <a:br>
-              <a:rPr kumimoji="1" lang="en-US" altLang="ja-JP" sz="8800" dirty="0"/>
+              <a:rPr kumimoji="1" lang="en-US" altLang="ja-JP" sz="8800" dirty="0">
+                <a:latin typeface="IPA Pゴシック" panose="020B0500000000000000" pitchFamily="50" charset="-128"/>
+                <a:ea typeface="IPA Pゴシック" panose="020B0500000000000000" pitchFamily="50" charset="-128"/>
+              </a:rPr>
             </a:br>
             <a:r>
-              <a:rPr kumimoji="1" lang="ja-JP" altLang="en-US" sz="8800" dirty="0"/>
+              <a:rPr kumimoji="1" lang="ja-JP" altLang="en-US" sz="8800" dirty="0">
+                <a:latin typeface="IPA Pゴシック" panose="020B0500000000000000" pitchFamily="50" charset="-128"/>
+                <a:ea typeface="IPA Pゴシック" panose="020B0500000000000000" pitchFamily="50" charset="-128"/>
+              </a:rPr>
               <a:t>運用の仕方</a:t>
             </a:r>
           </a:p>
@@ -3696,10 +3718,16 @@
           <a:lstStyle/>
           <a:p>
             <a:r>
-              <a:rPr lang="ja-JP" altLang="en-US" sz="3200" dirty="0"/>
+              <a:rPr lang="ja-JP" altLang="en-US" sz="3200" dirty="0">
+                <a:latin typeface="IPA Pゴシック" panose="020B0500000000000000" pitchFamily="50" charset="-128"/>
+                <a:ea typeface="IPA Pゴシック" panose="020B0500000000000000" pitchFamily="50" charset="-128"/>
+              </a:rPr>
               <a:t>吹越　弘崇</a:t>
             </a:r>
-            <a:endParaRPr kumimoji="1" lang="ja-JP" altLang="en-US" sz="3200" dirty="0"/>
+            <a:endParaRPr kumimoji="1" lang="ja-JP" altLang="en-US" sz="3200" dirty="0">
+              <a:latin typeface="IPA Pゴシック" panose="020B0500000000000000" pitchFamily="50" charset="-128"/>
+              <a:ea typeface="IPA Pゴシック" panose="020B0500000000000000" pitchFamily="50" charset="-128"/>
+            </a:endParaRPr>
           </a:p>
         </p:txBody>
       </p:sp>
@@ -3707,6 +3735,338 @@
     <p:extLst>
       <p:ext uri="{BB962C8B-B14F-4D97-AF65-F5344CB8AC3E}">
         <p14:creationId xmlns:p14="http://schemas.microsoft.com/office/powerpoint/2010/main" val="2763621481"/>
+      </p:ext>
+    </p:extLst>
+  </p:cSld>
+  <p:clrMapOvr>
+    <a:masterClrMapping/>
+  </p:clrMapOvr>
+</p:sld>
+</file>
+
+<file path=ppt/slides/slide2.xml><?xml version="1.0" encoding="utf-8"?>
+<p:sld xmlns:a="http://schemas.openxmlformats.org/drawingml/2006/main" xmlns:r="http://schemas.openxmlformats.org/officeDocument/2006/relationships" xmlns:p="http://schemas.openxmlformats.org/presentationml/2006/main">
+  <p:cSld>
+    <p:spTree>
+      <p:nvGrpSpPr>
+        <p:cNvPr id="1" name=""/>
+        <p:cNvGrpSpPr/>
+        <p:nvPr/>
+      </p:nvGrpSpPr>
+      <p:grpSpPr>
+        <a:xfrm>
+          <a:off x="0" y="0"/>
+          <a:ext cx="0" cy="0"/>
+          <a:chOff x="0" y="0"/>
+          <a:chExt cx="0" cy="0"/>
+        </a:xfrm>
+      </p:grpSpPr>
+      <p:sp>
+        <p:nvSpPr>
+          <p:cNvPr id="3" name="コンテンツ プレースホルダー 2">
+            <a:extLst>
+              <a:ext uri="{FF2B5EF4-FFF2-40B4-BE49-F238E27FC236}">
+                <a16:creationId xmlns:a16="http://schemas.microsoft.com/office/drawing/2014/main" id="{C2114DFB-0173-46EA-B6AC-D191047C1DEA}"/>
+              </a:ext>
+            </a:extLst>
+          </p:cNvPr>
+          <p:cNvSpPr>
+            <a:spLocks noGrp="1"/>
+          </p:cNvSpPr>
+          <p:nvPr>
+            <p:ph idx="1"/>
+          </p:nvPr>
+        </p:nvSpPr>
+        <p:spPr>
+          <a:xfrm>
+            <a:off x="0" y="1119116"/>
+            <a:ext cx="12192000" cy="5738883"/>
+          </a:xfrm>
+        </p:spPr>
+        <p:txBody>
+          <a:bodyPr>
+            <a:normAutofit fontScale="92500" lnSpcReduction="10000"/>
+          </a:bodyPr>
+          <a:lstStyle/>
+          <a:p>
+            <a:pPr marL="0" indent="0" algn="ctr">
+              <a:buNone/>
+            </a:pPr>
+            <a:r>
+              <a:rPr kumimoji="1" lang="en-US" altLang="ja-JP" sz="23900" dirty="0">
+                <a:latin typeface="IPA Pゴシック" panose="020B0500000000000000" pitchFamily="50" charset="-128"/>
+                <a:ea typeface="IPA Pゴシック" panose="020B0500000000000000" pitchFamily="50" charset="-128"/>
+              </a:rPr>
+              <a:t>Web</a:t>
+            </a:r>
+          </a:p>
+          <a:p>
+            <a:pPr marL="0" indent="0" algn="ctr">
+              <a:buNone/>
+            </a:pPr>
+            <a:r>
+              <a:rPr kumimoji="1" lang="ja-JP" altLang="en-US" sz="23900" dirty="0">
+                <a:latin typeface="IPA Pゴシック" panose="020B0500000000000000" pitchFamily="50" charset="-128"/>
+                <a:ea typeface="IPA Pゴシック" panose="020B0500000000000000" pitchFamily="50" charset="-128"/>
+              </a:rPr>
+              <a:t>サイト</a:t>
+            </a:r>
+          </a:p>
+        </p:txBody>
+      </p:sp>
+    </p:spTree>
+    <p:extLst>
+      <p:ext uri="{BB962C8B-B14F-4D97-AF65-F5344CB8AC3E}">
+        <p14:creationId xmlns:p14="http://schemas.microsoft.com/office/powerpoint/2010/main" val="2080072222"/>
+      </p:ext>
+    </p:extLst>
+  </p:cSld>
+  <p:clrMapOvr>
+    <a:masterClrMapping/>
+  </p:clrMapOvr>
+</p:sld>
+</file>
+
+<file path=ppt/slides/slide3.xml><?xml version="1.0" encoding="utf-8"?>
+<p:sld xmlns:a="http://schemas.openxmlformats.org/drawingml/2006/main" xmlns:r="http://schemas.openxmlformats.org/officeDocument/2006/relationships" xmlns:p="http://schemas.openxmlformats.org/presentationml/2006/main">
+  <p:cSld>
+    <p:spTree>
+      <p:nvGrpSpPr>
+        <p:cNvPr id="1" name=""/>
+        <p:cNvGrpSpPr/>
+        <p:nvPr/>
+      </p:nvGrpSpPr>
+      <p:grpSpPr>
+        <a:xfrm>
+          <a:off x="0" y="0"/>
+          <a:ext cx="0" cy="0"/>
+          <a:chOff x="0" y="0"/>
+          <a:chExt cx="0" cy="0"/>
+        </a:xfrm>
+      </p:grpSpPr>
+      <p:sp>
+        <p:nvSpPr>
+          <p:cNvPr id="3" name="コンテンツ プレースホルダー 2">
+            <a:extLst>
+              <a:ext uri="{FF2B5EF4-FFF2-40B4-BE49-F238E27FC236}">
+                <a16:creationId xmlns:a16="http://schemas.microsoft.com/office/drawing/2014/main" id="{C2114DFB-0173-46EA-B6AC-D191047C1DEA}"/>
+              </a:ext>
+            </a:extLst>
+          </p:cNvPr>
+          <p:cNvSpPr>
+            <a:spLocks noGrp="1"/>
+          </p:cNvSpPr>
+          <p:nvPr>
+            <p:ph idx="1"/>
+          </p:nvPr>
+        </p:nvSpPr>
+        <p:spPr>
+          <a:xfrm>
+            <a:off x="0" y="1119116"/>
+            <a:ext cx="12192000" cy="5738883"/>
+          </a:xfrm>
+        </p:spPr>
+        <p:txBody>
+          <a:bodyPr>
+            <a:normAutofit fontScale="92500" lnSpcReduction="10000"/>
+          </a:bodyPr>
+          <a:lstStyle/>
+          <a:p>
+            <a:pPr marL="0" indent="0" algn="ctr">
+              <a:buNone/>
+            </a:pPr>
+            <a:r>
+              <a:rPr kumimoji="1" lang="en-US" altLang="ja-JP" sz="23900" dirty="0">
+                <a:latin typeface="IPA Pゴシック" panose="020B0500000000000000" pitchFamily="50" charset="-128"/>
+                <a:ea typeface="IPA Pゴシック" panose="020B0500000000000000" pitchFamily="50" charset="-128"/>
+              </a:rPr>
+              <a:t>Web</a:t>
+            </a:r>
+          </a:p>
+          <a:p>
+            <a:pPr marL="0" indent="0" algn="ctr">
+              <a:buNone/>
+            </a:pPr>
+            <a:r>
+              <a:rPr kumimoji="1" lang="ja-JP" altLang="en-US" sz="23900" dirty="0">
+                <a:latin typeface="IPA Pゴシック" panose="020B0500000000000000" pitchFamily="50" charset="-128"/>
+                <a:ea typeface="IPA Pゴシック" panose="020B0500000000000000" pitchFamily="50" charset="-128"/>
+              </a:rPr>
+              <a:t>サイト</a:t>
+            </a:r>
+          </a:p>
+        </p:txBody>
+      </p:sp>
+    </p:spTree>
+    <p:extLst>
+      <p:ext uri="{BB962C8B-B14F-4D97-AF65-F5344CB8AC3E}">
+        <p14:creationId xmlns:p14="http://schemas.microsoft.com/office/powerpoint/2010/main" val="1483802331"/>
+      </p:ext>
+    </p:extLst>
+  </p:cSld>
+  <p:clrMapOvr>
+    <a:masterClrMapping/>
+  </p:clrMapOvr>
+</p:sld>
+</file>
+
+<file path=ppt/slides/slide4.xml><?xml version="1.0" encoding="utf-8"?>
+<p:sld xmlns:a="http://schemas.openxmlformats.org/drawingml/2006/main" xmlns:r="http://schemas.openxmlformats.org/officeDocument/2006/relationships" xmlns:p="http://schemas.openxmlformats.org/presentationml/2006/main">
+  <p:cSld>
+    <p:spTree>
+      <p:nvGrpSpPr>
+        <p:cNvPr id="1" name=""/>
+        <p:cNvGrpSpPr/>
+        <p:nvPr/>
+      </p:nvGrpSpPr>
+      <p:grpSpPr>
+        <a:xfrm>
+          <a:off x="0" y="0"/>
+          <a:ext cx="0" cy="0"/>
+          <a:chOff x="0" y="0"/>
+          <a:chExt cx="0" cy="0"/>
+        </a:xfrm>
+      </p:grpSpPr>
+      <p:sp>
+        <p:nvSpPr>
+          <p:cNvPr id="3" name="コンテンツ プレースホルダー 2">
+            <a:extLst>
+              <a:ext uri="{FF2B5EF4-FFF2-40B4-BE49-F238E27FC236}">
+                <a16:creationId xmlns:a16="http://schemas.microsoft.com/office/drawing/2014/main" id="{C2114DFB-0173-46EA-B6AC-D191047C1DEA}"/>
+              </a:ext>
+            </a:extLst>
+          </p:cNvPr>
+          <p:cNvSpPr>
+            <a:spLocks noGrp="1"/>
+          </p:cNvSpPr>
+          <p:nvPr>
+            <p:ph idx="1"/>
+          </p:nvPr>
+        </p:nvSpPr>
+        <p:spPr>
+          <a:xfrm>
+            <a:off x="0" y="1119116"/>
+            <a:ext cx="12192000" cy="5738883"/>
+          </a:xfrm>
+        </p:spPr>
+        <p:txBody>
+          <a:bodyPr>
+            <a:normAutofit fontScale="92500" lnSpcReduction="10000"/>
+          </a:bodyPr>
+          <a:lstStyle/>
+          <a:p>
+            <a:pPr marL="0" indent="0" algn="ctr">
+              <a:buNone/>
+            </a:pPr>
+            <a:r>
+              <a:rPr kumimoji="1" lang="en-US" altLang="ja-JP" sz="23900" dirty="0">
+                <a:latin typeface="IPA Pゴシック" panose="020B0500000000000000" pitchFamily="50" charset="-128"/>
+                <a:ea typeface="IPA Pゴシック" panose="020B0500000000000000" pitchFamily="50" charset="-128"/>
+              </a:rPr>
+              <a:t>Web</a:t>
+            </a:r>
+          </a:p>
+          <a:p>
+            <a:pPr marL="0" indent="0" algn="ctr">
+              <a:buNone/>
+            </a:pPr>
+            <a:r>
+              <a:rPr kumimoji="1" lang="ja-JP" altLang="en-US" sz="23900" dirty="0">
+                <a:latin typeface="IPA Pゴシック" panose="020B0500000000000000" pitchFamily="50" charset="-128"/>
+                <a:ea typeface="IPA Pゴシック" panose="020B0500000000000000" pitchFamily="50" charset="-128"/>
+              </a:rPr>
+              <a:t>サイト</a:t>
+            </a:r>
+          </a:p>
+        </p:txBody>
+      </p:sp>
+    </p:spTree>
+    <p:extLst>
+      <p:ext uri="{BB962C8B-B14F-4D97-AF65-F5344CB8AC3E}">
+        <p14:creationId xmlns:p14="http://schemas.microsoft.com/office/powerpoint/2010/main" val="1900762451"/>
+      </p:ext>
+    </p:extLst>
+  </p:cSld>
+  <p:clrMapOvr>
+    <a:masterClrMapping/>
+  </p:clrMapOvr>
+</p:sld>
+</file>
+
+<file path=ppt/slides/slide5.xml><?xml version="1.0" encoding="utf-8"?>
+<p:sld xmlns:a="http://schemas.openxmlformats.org/drawingml/2006/main" xmlns:r="http://schemas.openxmlformats.org/officeDocument/2006/relationships" xmlns:p="http://schemas.openxmlformats.org/presentationml/2006/main">
+  <p:cSld>
+    <p:spTree>
+      <p:nvGrpSpPr>
+        <p:cNvPr id="1" name=""/>
+        <p:cNvGrpSpPr/>
+        <p:nvPr/>
+      </p:nvGrpSpPr>
+      <p:grpSpPr>
+        <a:xfrm>
+          <a:off x="0" y="0"/>
+          <a:ext cx="0" cy="0"/>
+          <a:chOff x="0" y="0"/>
+          <a:chExt cx="0" cy="0"/>
+        </a:xfrm>
+      </p:grpSpPr>
+      <p:sp>
+        <p:nvSpPr>
+          <p:cNvPr id="3" name="コンテンツ プレースホルダー 2">
+            <a:extLst>
+              <a:ext uri="{FF2B5EF4-FFF2-40B4-BE49-F238E27FC236}">
+                <a16:creationId xmlns:a16="http://schemas.microsoft.com/office/drawing/2014/main" id="{C2114DFB-0173-46EA-B6AC-D191047C1DEA}"/>
+              </a:ext>
+            </a:extLst>
+          </p:cNvPr>
+          <p:cNvSpPr>
+            <a:spLocks noGrp="1"/>
+          </p:cNvSpPr>
+          <p:nvPr>
+            <p:ph idx="1"/>
+          </p:nvPr>
+        </p:nvSpPr>
+        <p:spPr>
+          <a:xfrm>
+            <a:off x="0" y="1119116"/>
+            <a:ext cx="12192000" cy="5738883"/>
+          </a:xfrm>
+        </p:spPr>
+        <p:txBody>
+          <a:bodyPr>
+            <a:normAutofit fontScale="92500" lnSpcReduction="10000"/>
+          </a:bodyPr>
+          <a:lstStyle/>
+          <a:p>
+            <a:pPr marL="0" indent="0" algn="ctr">
+              <a:buNone/>
+            </a:pPr>
+            <a:r>
+              <a:rPr kumimoji="1" lang="en-US" altLang="ja-JP" sz="23900" dirty="0">
+                <a:latin typeface="IPA Pゴシック" panose="020B0500000000000000" pitchFamily="50" charset="-128"/>
+                <a:ea typeface="IPA Pゴシック" panose="020B0500000000000000" pitchFamily="50" charset="-128"/>
+              </a:rPr>
+              <a:t>Web</a:t>
+            </a:r>
+          </a:p>
+          <a:p>
+            <a:pPr marL="0" indent="0" algn="ctr">
+              <a:buNone/>
+            </a:pPr>
+            <a:r>
+              <a:rPr kumimoji="1" lang="ja-JP" altLang="en-US" sz="23900" dirty="0">
+                <a:latin typeface="IPA Pゴシック" panose="020B0500000000000000" pitchFamily="50" charset="-128"/>
+                <a:ea typeface="IPA Pゴシック" panose="020B0500000000000000" pitchFamily="50" charset="-128"/>
+              </a:rPr>
+              <a:t>サイト</a:t>
+            </a:r>
+          </a:p>
+        </p:txBody>
+      </p:sp>
+    </p:spTree>
+    <p:extLst>
+      <p:ext uri="{BB962C8B-B14F-4D97-AF65-F5344CB8AC3E}">
+        <p14:creationId xmlns:p14="http://schemas.microsoft.com/office/powerpoint/2010/main" val="618338217"/>
       </p:ext>
     </p:extLst>
   </p:cSld>

--- a/新米社長に送るWebサイトの重要性と運用の仕方.pptx
+++ b/新米社長に送るWebサイトの重要性と運用の仕方.pptx
@@ -10,6 +10,26 @@
     <p:sldId id="258" r:id="rId4"/>
     <p:sldId id="259" r:id="rId5"/>
     <p:sldId id="260" r:id="rId6"/>
+    <p:sldId id="261" r:id="rId7"/>
+    <p:sldId id="262" r:id="rId8"/>
+    <p:sldId id="263" r:id="rId9"/>
+    <p:sldId id="264" r:id="rId10"/>
+    <p:sldId id="265" r:id="rId11"/>
+    <p:sldId id="266" r:id="rId12"/>
+    <p:sldId id="267" r:id="rId13"/>
+    <p:sldId id="268" r:id="rId14"/>
+    <p:sldId id="269" r:id="rId15"/>
+    <p:sldId id="270" r:id="rId16"/>
+    <p:sldId id="271" r:id="rId17"/>
+    <p:sldId id="272" r:id="rId18"/>
+    <p:sldId id="273" r:id="rId19"/>
+    <p:sldId id="274" r:id="rId20"/>
+    <p:sldId id="275" r:id="rId21"/>
+    <p:sldId id="276" r:id="rId22"/>
+    <p:sldId id="277" r:id="rId23"/>
+    <p:sldId id="278" r:id="rId24"/>
+    <p:sldId id="279" r:id="rId25"/>
+    <p:sldId id="280" r:id="rId26"/>
   </p:sldIdLst>
   <p:sldSz cx="12192000" cy="6858000"/>
   <p:notesSz cx="6858000" cy="9144000"/>
@@ -263,7 +283,7 @@
           <a:p>
             <a:fld id="{BE173A8C-9030-4E44-8A2D-FFAF2D8309F2}" type="datetimeFigureOut">
               <a:rPr kumimoji="1" lang="ja-JP" altLang="en-US" smtClean="0"/>
-              <a:t>2018/2/13</a:t>
+              <a:t>2018/2/16</a:t>
             </a:fld>
             <a:endParaRPr kumimoji="1" lang="ja-JP" altLang="en-US"/>
           </a:p>
@@ -493,7 +513,7 @@
           <a:p>
             <a:fld id="{BE173A8C-9030-4E44-8A2D-FFAF2D8309F2}" type="datetimeFigureOut">
               <a:rPr kumimoji="1" lang="ja-JP" altLang="en-US" smtClean="0"/>
-              <a:t>2018/2/13</a:t>
+              <a:t>2018/2/16</a:t>
             </a:fld>
             <a:endParaRPr kumimoji="1" lang="ja-JP" altLang="en-US"/>
           </a:p>
@@ -733,7 +753,7 @@
           <a:p>
             <a:fld id="{BE173A8C-9030-4E44-8A2D-FFAF2D8309F2}" type="datetimeFigureOut">
               <a:rPr kumimoji="1" lang="ja-JP" altLang="en-US" smtClean="0"/>
-              <a:t>2018/2/13</a:t>
+              <a:t>2018/2/16</a:t>
             </a:fld>
             <a:endParaRPr kumimoji="1" lang="ja-JP" altLang="en-US"/>
           </a:p>
@@ -963,7 +983,7 @@
           <a:p>
             <a:fld id="{BE173A8C-9030-4E44-8A2D-FFAF2D8309F2}" type="datetimeFigureOut">
               <a:rPr kumimoji="1" lang="ja-JP" altLang="en-US" smtClean="0"/>
-              <a:t>2018/2/13</a:t>
+              <a:t>2018/2/16</a:t>
             </a:fld>
             <a:endParaRPr kumimoji="1" lang="ja-JP" altLang="en-US"/>
           </a:p>
@@ -1238,7 +1258,7 @@
           <a:p>
             <a:fld id="{BE173A8C-9030-4E44-8A2D-FFAF2D8309F2}" type="datetimeFigureOut">
               <a:rPr kumimoji="1" lang="ja-JP" altLang="en-US" smtClean="0"/>
-              <a:t>2018/2/13</a:t>
+              <a:t>2018/2/16</a:t>
             </a:fld>
             <a:endParaRPr kumimoji="1" lang="ja-JP" altLang="en-US"/>
           </a:p>
@@ -1567,7 +1587,7 @@
           <a:p>
             <a:fld id="{BE173A8C-9030-4E44-8A2D-FFAF2D8309F2}" type="datetimeFigureOut">
               <a:rPr kumimoji="1" lang="ja-JP" altLang="en-US" smtClean="0"/>
-              <a:t>2018/2/13</a:t>
+              <a:t>2018/2/16</a:t>
             </a:fld>
             <a:endParaRPr kumimoji="1" lang="ja-JP" altLang="en-US"/>
           </a:p>
@@ -2043,7 +2063,7 @@
           <a:p>
             <a:fld id="{BE173A8C-9030-4E44-8A2D-FFAF2D8309F2}" type="datetimeFigureOut">
               <a:rPr kumimoji="1" lang="ja-JP" altLang="en-US" smtClean="0"/>
-              <a:t>2018/2/13</a:t>
+              <a:t>2018/2/16</a:t>
             </a:fld>
             <a:endParaRPr kumimoji="1" lang="ja-JP" altLang="en-US"/>
           </a:p>
@@ -2184,7 +2204,7 @@
           <a:p>
             <a:fld id="{BE173A8C-9030-4E44-8A2D-FFAF2D8309F2}" type="datetimeFigureOut">
               <a:rPr kumimoji="1" lang="ja-JP" altLang="en-US" smtClean="0"/>
-              <a:t>2018/2/13</a:t>
+              <a:t>2018/2/16</a:t>
             </a:fld>
             <a:endParaRPr kumimoji="1" lang="ja-JP" altLang="en-US"/>
           </a:p>
@@ -2297,7 +2317,7 @@
           <a:p>
             <a:fld id="{BE173A8C-9030-4E44-8A2D-FFAF2D8309F2}" type="datetimeFigureOut">
               <a:rPr kumimoji="1" lang="ja-JP" altLang="en-US" smtClean="0"/>
-              <a:t>2018/2/13</a:t>
+              <a:t>2018/2/16</a:t>
             </a:fld>
             <a:endParaRPr kumimoji="1" lang="ja-JP" altLang="en-US"/>
           </a:p>
@@ -2640,7 +2660,7 @@
           <a:p>
             <a:fld id="{BE173A8C-9030-4E44-8A2D-FFAF2D8309F2}" type="datetimeFigureOut">
               <a:rPr kumimoji="1" lang="ja-JP" altLang="en-US" smtClean="0"/>
-              <a:t>2018/2/13</a:t>
+              <a:t>2018/2/16</a:t>
             </a:fld>
             <a:endParaRPr kumimoji="1" lang="ja-JP" altLang="en-US"/>
           </a:p>
@@ -2928,7 +2948,7 @@
           <a:p>
             <a:fld id="{BE173A8C-9030-4E44-8A2D-FFAF2D8309F2}" type="datetimeFigureOut">
               <a:rPr kumimoji="1" lang="ja-JP" altLang="en-US" smtClean="0"/>
-              <a:t>2018/2/13</a:t>
+              <a:t>2018/2/16</a:t>
             </a:fld>
             <a:endParaRPr kumimoji="1" lang="ja-JP" altLang="en-US"/>
           </a:p>
@@ -3201,7 +3221,7 @@
           <a:p>
             <a:fld id="{BE173A8C-9030-4E44-8A2D-FFAF2D8309F2}" type="datetimeFigureOut">
               <a:rPr kumimoji="1" lang="ja-JP" altLang="en-US" smtClean="0"/>
-              <a:t>2018/2/13</a:t>
+              <a:t>2018/2/16</a:t>
             </a:fld>
             <a:endParaRPr kumimoji="1" lang="ja-JP" altLang="en-US"/>
           </a:p>
@@ -3744,6 +3764,836 @@
 </p:sld>
 </file>
 
+<file path=ppt/slides/slide10.xml><?xml version="1.0" encoding="utf-8"?>
+<p:sld xmlns:a="http://schemas.openxmlformats.org/drawingml/2006/main" xmlns:r="http://schemas.openxmlformats.org/officeDocument/2006/relationships" xmlns:p="http://schemas.openxmlformats.org/presentationml/2006/main">
+  <p:cSld>
+    <p:spTree>
+      <p:nvGrpSpPr>
+        <p:cNvPr id="1" name=""/>
+        <p:cNvGrpSpPr/>
+        <p:nvPr/>
+      </p:nvGrpSpPr>
+      <p:grpSpPr>
+        <a:xfrm>
+          <a:off x="0" y="0"/>
+          <a:ext cx="0" cy="0"/>
+          <a:chOff x="0" y="0"/>
+          <a:chExt cx="0" cy="0"/>
+        </a:xfrm>
+      </p:grpSpPr>
+      <p:sp>
+        <p:nvSpPr>
+          <p:cNvPr id="3" name="コンテンツ プレースホルダー 2">
+            <a:extLst>
+              <a:ext uri="{FF2B5EF4-FFF2-40B4-BE49-F238E27FC236}">
+                <a16:creationId xmlns:a16="http://schemas.microsoft.com/office/drawing/2014/main" id="{C2114DFB-0173-46EA-B6AC-D191047C1DEA}"/>
+              </a:ext>
+            </a:extLst>
+          </p:cNvPr>
+          <p:cNvSpPr>
+            <a:spLocks noGrp="1"/>
+          </p:cNvSpPr>
+          <p:nvPr>
+            <p:ph idx="1"/>
+          </p:nvPr>
+        </p:nvSpPr>
+        <p:spPr>
+          <a:xfrm>
+            <a:off x="0" y="1119116"/>
+            <a:ext cx="12192000" cy="5738883"/>
+          </a:xfrm>
+        </p:spPr>
+        <p:txBody>
+          <a:bodyPr>
+            <a:normAutofit fontScale="92500" lnSpcReduction="10000"/>
+          </a:bodyPr>
+          <a:lstStyle/>
+          <a:p>
+            <a:pPr marL="0" indent="0" algn="ctr">
+              <a:buNone/>
+            </a:pPr>
+            <a:r>
+              <a:rPr kumimoji="1" lang="en-US" altLang="ja-JP" sz="23900" dirty="0">
+                <a:latin typeface="IPA Pゴシック" panose="020B0500000000000000" pitchFamily="50" charset="-128"/>
+                <a:ea typeface="IPA Pゴシック" panose="020B0500000000000000" pitchFamily="50" charset="-128"/>
+              </a:rPr>
+              <a:t>Web</a:t>
+            </a:r>
+          </a:p>
+          <a:p>
+            <a:pPr marL="0" indent="0" algn="ctr">
+              <a:buNone/>
+            </a:pPr>
+            <a:r>
+              <a:rPr kumimoji="1" lang="ja-JP" altLang="en-US" sz="23900" dirty="0">
+                <a:latin typeface="IPA Pゴシック" panose="020B0500000000000000" pitchFamily="50" charset="-128"/>
+                <a:ea typeface="IPA Pゴシック" panose="020B0500000000000000" pitchFamily="50" charset="-128"/>
+              </a:rPr>
+              <a:t>サイト</a:t>
+            </a:r>
+          </a:p>
+        </p:txBody>
+      </p:sp>
+    </p:spTree>
+    <p:extLst>
+      <p:ext uri="{BB962C8B-B14F-4D97-AF65-F5344CB8AC3E}">
+        <p14:creationId xmlns:p14="http://schemas.microsoft.com/office/powerpoint/2010/main" val="2325531544"/>
+      </p:ext>
+    </p:extLst>
+  </p:cSld>
+  <p:clrMapOvr>
+    <a:masterClrMapping/>
+  </p:clrMapOvr>
+</p:sld>
+</file>
+
+<file path=ppt/slides/slide11.xml><?xml version="1.0" encoding="utf-8"?>
+<p:sld xmlns:a="http://schemas.openxmlformats.org/drawingml/2006/main" xmlns:r="http://schemas.openxmlformats.org/officeDocument/2006/relationships" xmlns:p="http://schemas.openxmlformats.org/presentationml/2006/main">
+  <p:cSld>
+    <p:spTree>
+      <p:nvGrpSpPr>
+        <p:cNvPr id="1" name=""/>
+        <p:cNvGrpSpPr/>
+        <p:nvPr/>
+      </p:nvGrpSpPr>
+      <p:grpSpPr>
+        <a:xfrm>
+          <a:off x="0" y="0"/>
+          <a:ext cx="0" cy="0"/>
+          <a:chOff x="0" y="0"/>
+          <a:chExt cx="0" cy="0"/>
+        </a:xfrm>
+      </p:grpSpPr>
+      <p:sp>
+        <p:nvSpPr>
+          <p:cNvPr id="3" name="コンテンツ プレースホルダー 2">
+            <a:extLst>
+              <a:ext uri="{FF2B5EF4-FFF2-40B4-BE49-F238E27FC236}">
+                <a16:creationId xmlns:a16="http://schemas.microsoft.com/office/drawing/2014/main" id="{C2114DFB-0173-46EA-B6AC-D191047C1DEA}"/>
+              </a:ext>
+            </a:extLst>
+          </p:cNvPr>
+          <p:cNvSpPr>
+            <a:spLocks noGrp="1"/>
+          </p:cNvSpPr>
+          <p:nvPr>
+            <p:ph idx="1"/>
+          </p:nvPr>
+        </p:nvSpPr>
+        <p:spPr>
+          <a:xfrm>
+            <a:off x="0" y="1119116"/>
+            <a:ext cx="12192000" cy="5738883"/>
+          </a:xfrm>
+        </p:spPr>
+        <p:txBody>
+          <a:bodyPr>
+            <a:normAutofit fontScale="92500" lnSpcReduction="10000"/>
+          </a:bodyPr>
+          <a:lstStyle/>
+          <a:p>
+            <a:pPr marL="0" indent="0" algn="ctr">
+              <a:buNone/>
+            </a:pPr>
+            <a:r>
+              <a:rPr kumimoji="1" lang="en-US" altLang="ja-JP" sz="23900" dirty="0">
+                <a:latin typeface="IPA Pゴシック" panose="020B0500000000000000" pitchFamily="50" charset="-128"/>
+                <a:ea typeface="IPA Pゴシック" panose="020B0500000000000000" pitchFamily="50" charset="-128"/>
+              </a:rPr>
+              <a:t>Web</a:t>
+            </a:r>
+          </a:p>
+          <a:p>
+            <a:pPr marL="0" indent="0" algn="ctr">
+              <a:buNone/>
+            </a:pPr>
+            <a:r>
+              <a:rPr kumimoji="1" lang="ja-JP" altLang="en-US" sz="23900" dirty="0">
+                <a:latin typeface="IPA Pゴシック" panose="020B0500000000000000" pitchFamily="50" charset="-128"/>
+                <a:ea typeface="IPA Pゴシック" panose="020B0500000000000000" pitchFamily="50" charset="-128"/>
+              </a:rPr>
+              <a:t>サイト</a:t>
+            </a:r>
+          </a:p>
+        </p:txBody>
+      </p:sp>
+    </p:spTree>
+    <p:extLst>
+      <p:ext uri="{BB962C8B-B14F-4D97-AF65-F5344CB8AC3E}">
+        <p14:creationId xmlns:p14="http://schemas.microsoft.com/office/powerpoint/2010/main" val="1601442209"/>
+      </p:ext>
+    </p:extLst>
+  </p:cSld>
+  <p:clrMapOvr>
+    <a:masterClrMapping/>
+  </p:clrMapOvr>
+</p:sld>
+</file>
+
+<file path=ppt/slides/slide12.xml><?xml version="1.0" encoding="utf-8"?>
+<p:sld xmlns:a="http://schemas.openxmlformats.org/drawingml/2006/main" xmlns:r="http://schemas.openxmlformats.org/officeDocument/2006/relationships" xmlns:p="http://schemas.openxmlformats.org/presentationml/2006/main">
+  <p:cSld>
+    <p:spTree>
+      <p:nvGrpSpPr>
+        <p:cNvPr id="1" name=""/>
+        <p:cNvGrpSpPr/>
+        <p:nvPr/>
+      </p:nvGrpSpPr>
+      <p:grpSpPr>
+        <a:xfrm>
+          <a:off x="0" y="0"/>
+          <a:ext cx="0" cy="0"/>
+          <a:chOff x="0" y="0"/>
+          <a:chExt cx="0" cy="0"/>
+        </a:xfrm>
+      </p:grpSpPr>
+      <p:sp>
+        <p:nvSpPr>
+          <p:cNvPr id="3" name="コンテンツ プレースホルダー 2">
+            <a:extLst>
+              <a:ext uri="{FF2B5EF4-FFF2-40B4-BE49-F238E27FC236}">
+                <a16:creationId xmlns:a16="http://schemas.microsoft.com/office/drawing/2014/main" id="{C2114DFB-0173-46EA-B6AC-D191047C1DEA}"/>
+              </a:ext>
+            </a:extLst>
+          </p:cNvPr>
+          <p:cNvSpPr>
+            <a:spLocks noGrp="1"/>
+          </p:cNvSpPr>
+          <p:nvPr>
+            <p:ph idx="1"/>
+          </p:nvPr>
+        </p:nvSpPr>
+        <p:spPr>
+          <a:xfrm>
+            <a:off x="0" y="1119116"/>
+            <a:ext cx="12192000" cy="5738883"/>
+          </a:xfrm>
+        </p:spPr>
+        <p:txBody>
+          <a:bodyPr>
+            <a:normAutofit fontScale="92500" lnSpcReduction="10000"/>
+          </a:bodyPr>
+          <a:lstStyle/>
+          <a:p>
+            <a:pPr marL="0" indent="0" algn="ctr">
+              <a:buNone/>
+            </a:pPr>
+            <a:r>
+              <a:rPr kumimoji="1" lang="en-US" altLang="ja-JP" sz="23900" dirty="0">
+                <a:latin typeface="IPA Pゴシック" panose="020B0500000000000000" pitchFamily="50" charset="-128"/>
+                <a:ea typeface="IPA Pゴシック" panose="020B0500000000000000" pitchFamily="50" charset="-128"/>
+              </a:rPr>
+              <a:t>Web</a:t>
+            </a:r>
+          </a:p>
+          <a:p>
+            <a:pPr marL="0" indent="0" algn="ctr">
+              <a:buNone/>
+            </a:pPr>
+            <a:r>
+              <a:rPr kumimoji="1" lang="ja-JP" altLang="en-US" sz="23900" dirty="0">
+                <a:latin typeface="IPA Pゴシック" panose="020B0500000000000000" pitchFamily="50" charset="-128"/>
+                <a:ea typeface="IPA Pゴシック" panose="020B0500000000000000" pitchFamily="50" charset="-128"/>
+              </a:rPr>
+              <a:t>サイト</a:t>
+            </a:r>
+          </a:p>
+        </p:txBody>
+      </p:sp>
+    </p:spTree>
+    <p:extLst>
+      <p:ext uri="{BB962C8B-B14F-4D97-AF65-F5344CB8AC3E}">
+        <p14:creationId xmlns:p14="http://schemas.microsoft.com/office/powerpoint/2010/main" val="1064991001"/>
+      </p:ext>
+    </p:extLst>
+  </p:cSld>
+  <p:clrMapOvr>
+    <a:masterClrMapping/>
+  </p:clrMapOvr>
+</p:sld>
+</file>
+
+<file path=ppt/slides/slide13.xml><?xml version="1.0" encoding="utf-8"?>
+<p:sld xmlns:a="http://schemas.openxmlformats.org/drawingml/2006/main" xmlns:r="http://schemas.openxmlformats.org/officeDocument/2006/relationships" xmlns:p="http://schemas.openxmlformats.org/presentationml/2006/main">
+  <p:cSld>
+    <p:spTree>
+      <p:nvGrpSpPr>
+        <p:cNvPr id="1" name=""/>
+        <p:cNvGrpSpPr/>
+        <p:nvPr/>
+      </p:nvGrpSpPr>
+      <p:grpSpPr>
+        <a:xfrm>
+          <a:off x="0" y="0"/>
+          <a:ext cx="0" cy="0"/>
+          <a:chOff x="0" y="0"/>
+          <a:chExt cx="0" cy="0"/>
+        </a:xfrm>
+      </p:grpSpPr>
+      <p:sp>
+        <p:nvSpPr>
+          <p:cNvPr id="3" name="コンテンツ プレースホルダー 2">
+            <a:extLst>
+              <a:ext uri="{FF2B5EF4-FFF2-40B4-BE49-F238E27FC236}">
+                <a16:creationId xmlns:a16="http://schemas.microsoft.com/office/drawing/2014/main" id="{C2114DFB-0173-46EA-B6AC-D191047C1DEA}"/>
+              </a:ext>
+            </a:extLst>
+          </p:cNvPr>
+          <p:cNvSpPr>
+            <a:spLocks noGrp="1"/>
+          </p:cNvSpPr>
+          <p:nvPr>
+            <p:ph idx="1"/>
+          </p:nvPr>
+        </p:nvSpPr>
+        <p:spPr>
+          <a:xfrm>
+            <a:off x="0" y="1119116"/>
+            <a:ext cx="12192000" cy="5738883"/>
+          </a:xfrm>
+        </p:spPr>
+        <p:txBody>
+          <a:bodyPr>
+            <a:normAutofit fontScale="92500" lnSpcReduction="10000"/>
+          </a:bodyPr>
+          <a:lstStyle/>
+          <a:p>
+            <a:pPr marL="0" indent="0" algn="ctr">
+              <a:buNone/>
+            </a:pPr>
+            <a:r>
+              <a:rPr kumimoji="1" lang="en-US" altLang="ja-JP" sz="23900" dirty="0">
+                <a:latin typeface="IPA Pゴシック" panose="020B0500000000000000" pitchFamily="50" charset="-128"/>
+                <a:ea typeface="IPA Pゴシック" panose="020B0500000000000000" pitchFamily="50" charset="-128"/>
+              </a:rPr>
+              <a:t>Web</a:t>
+            </a:r>
+          </a:p>
+          <a:p>
+            <a:pPr marL="0" indent="0" algn="ctr">
+              <a:buNone/>
+            </a:pPr>
+            <a:r>
+              <a:rPr kumimoji="1" lang="ja-JP" altLang="en-US" sz="23900" dirty="0">
+                <a:latin typeface="IPA Pゴシック" panose="020B0500000000000000" pitchFamily="50" charset="-128"/>
+                <a:ea typeface="IPA Pゴシック" panose="020B0500000000000000" pitchFamily="50" charset="-128"/>
+              </a:rPr>
+              <a:t>サイト</a:t>
+            </a:r>
+          </a:p>
+        </p:txBody>
+      </p:sp>
+    </p:spTree>
+    <p:extLst>
+      <p:ext uri="{BB962C8B-B14F-4D97-AF65-F5344CB8AC3E}">
+        <p14:creationId xmlns:p14="http://schemas.microsoft.com/office/powerpoint/2010/main" val="1633873813"/>
+      </p:ext>
+    </p:extLst>
+  </p:cSld>
+  <p:clrMapOvr>
+    <a:masterClrMapping/>
+  </p:clrMapOvr>
+</p:sld>
+</file>
+
+<file path=ppt/slides/slide14.xml><?xml version="1.0" encoding="utf-8"?>
+<p:sld xmlns:a="http://schemas.openxmlformats.org/drawingml/2006/main" xmlns:r="http://schemas.openxmlformats.org/officeDocument/2006/relationships" xmlns:p="http://schemas.openxmlformats.org/presentationml/2006/main">
+  <p:cSld>
+    <p:spTree>
+      <p:nvGrpSpPr>
+        <p:cNvPr id="1" name=""/>
+        <p:cNvGrpSpPr/>
+        <p:nvPr/>
+      </p:nvGrpSpPr>
+      <p:grpSpPr>
+        <a:xfrm>
+          <a:off x="0" y="0"/>
+          <a:ext cx="0" cy="0"/>
+          <a:chOff x="0" y="0"/>
+          <a:chExt cx="0" cy="0"/>
+        </a:xfrm>
+      </p:grpSpPr>
+      <p:sp>
+        <p:nvSpPr>
+          <p:cNvPr id="3" name="コンテンツ プレースホルダー 2">
+            <a:extLst>
+              <a:ext uri="{FF2B5EF4-FFF2-40B4-BE49-F238E27FC236}">
+                <a16:creationId xmlns:a16="http://schemas.microsoft.com/office/drawing/2014/main" id="{C2114DFB-0173-46EA-B6AC-D191047C1DEA}"/>
+              </a:ext>
+            </a:extLst>
+          </p:cNvPr>
+          <p:cNvSpPr>
+            <a:spLocks noGrp="1"/>
+          </p:cNvSpPr>
+          <p:nvPr>
+            <p:ph idx="1"/>
+          </p:nvPr>
+        </p:nvSpPr>
+        <p:spPr>
+          <a:xfrm>
+            <a:off x="0" y="1119116"/>
+            <a:ext cx="12192000" cy="5738883"/>
+          </a:xfrm>
+        </p:spPr>
+        <p:txBody>
+          <a:bodyPr>
+            <a:normAutofit fontScale="92500" lnSpcReduction="10000"/>
+          </a:bodyPr>
+          <a:lstStyle/>
+          <a:p>
+            <a:pPr marL="0" indent="0" algn="ctr">
+              <a:buNone/>
+            </a:pPr>
+            <a:r>
+              <a:rPr kumimoji="1" lang="en-US" altLang="ja-JP" sz="23900" dirty="0">
+                <a:latin typeface="IPA Pゴシック" panose="020B0500000000000000" pitchFamily="50" charset="-128"/>
+                <a:ea typeface="IPA Pゴシック" panose="020B0500000000000000" pitchFamily="50" charset="-128"/>
+              </a:rPr>
+              <a:t>Web</a:t>
+            </a:r>
+          </a:p>
+          <a:p>
+            <a:pPr marL="0" indent="0" algn="ctr">
+              <a:buNone/>
+            </a:pPr>
+            <a:r>
+              <a:rPr kumimoji="1" lang="ja-JP" altLang="en-US" sz="23900" dirty="0">
+                <a:latin typeface="IPA Pゴシック" panose="020B0500000000000000" pitchFamily="50" charset="-128"/>
+                <a:ea typeface="IPA Pゴシック" panose="020B0500000000000000" pitchFamily="50" charset="-128"/>
+              </a:rPr>
+              <a:t>サイト</a:t>
+            </a:r>
+          </a:p>
+        </p:txBody>
+      </p:sp>
+    </p:spTree>
+    <p:extLst>
+      <p:ext uri="{BB962C8B-B14F-4D97-AF65-F5344CB8AC3E}">
+        <p14:creationId xmlns:p14="http://schemas.microsoft.com/office/powerpoint/2010/main" val="1095943962"/>
+      </p:ext>
+    </p:extLst>
+  </p:cSld>
+  <p:clrMapOvr>
+    <a:masterClrMapping/>
+  </p:clrMapOvr>
+</p:sld>
+</file>
+
+<file path=ppt/slides/slide15.xml><?xml version="1.0" encoding="utf-8"?>
+<p:sld xmlns:a="http://schemas.openxmlformats.org/drawingml/2006/main" xmlns:r="http://schemas.openxmlformats.org/officeDocument/2006/relationships" xmlns:p="http://schemas.openxmlformats.org/presentationml/2006/main">
+  <p:cSld>
+    <p:spTree>
+      <p:nvGrpSpPr>
+        <p:cNvPr id="1" name=""/>
+        <p:cNvGrpSpPr/>
+        <p:nvPr/>
+      </p:nvGrpSpPr>
+      <p:grpSpPr>
+        <a:xfrm>
+          <a:off x="0" y="0"/>
+          <a:ext cx="0" cy="0"/>
+          <a:chOff x="0" y="0"/>
+          <a:chExt cx="0" cy="0"/>
+        </a:xfrm>
+      </p:grpSpPr>
+      <p:sp>
+        <p:nvSpPr>
+          <p:cNvPr id="3" name="コンテンツ プレースホルダー 2">
+            <a:extLst>
+              <a:ext uri="{FF2B5EF4-FFF2-40B4-BE49-F238E27FC236}">
+                <a16:creationId xmlns:a16="http://schemas.microsoft.com/office/drawing/2014/main" id="{C2114DFB-0173-46EA-B6AC-D191047C1DEA}"/>
+              </a:ext>
+            </a:extLst>
+          </p:cNvPr>
+          <p:cNvSpPr>
+            <a:spLocks noGrp="1"/>
+          </p:cNvSpPr>
+          <p:nvPr>
+            <p:ph idx="1"/>
+          </p:nvPr>
+        </p:nvSpPr>
+        <p:spPr>
+          <a:xfrm>
+            <a:off x="0" y="1119116"/>
+            <a:ext cx="12192000" cy="5738883"/>
+          </a:xfrm>
+        </p:spPr>
+        <p:txBody>
+          <a:bodyPr>
+            <a:normAutofit fontScale="92500" lnSpcReduction="10000"/>
+          </a:bodyPr>
+          <a:lstStyle/>
+          <a:p>
+            <a:pPr marL="0" indent="0" algn="ctr">
+              <a:buNone/>
+            </a:pPr>
+            <a:r>
+              <a:rPr kumimoji="1" lang="en-US" altLang="ja-JP" sz="23900" dirty="0">
+                <a:latin typeface="IPA Pゴシック" panose="020B0500000000000000" pitchFamily="50" charset="-128"/>
+                <a:ea typeface="IPA Pゴシック" panose="020B0500000000000000" pitchFamily="50" charset="-128"/>
+              </a:rPr>
+              <a:t>Web</a:t>
+            </a:r>
+          </a:p>
+          <a:p>
+            <a:pPr marL="0" indent="0" algn="ctr">
+              <a:buNone/>
+            </a:pPr>
+            <a:r>
+              <a:rPr kumimoji="1" lang="ja-JP" altLang="en-US" sz="23900" dirty="0">
+                <a:latin typeface="IPA Pゴシック" panose="020B0500000000000000" pitchFamily="50" charset="-128"/>
+                <a:ea typeface="IPA Pゴシック" panose="020B0500000000000000" pitchFamily="50" charset="-128"/>
+              </a:rPr>
+              <a:t>サイト</a:t>
+            </a:r>
+          </a:p>
+        </p:txBody>
+      </p:sp>
+    </p:spTree>
+    <p:extLst>
+      <p:ext uri="{BB962C8B-B14F-4D97-AF65-F5344CB8AC3E}">
+        <p14:creationId xmlns:p14="http://schemas.microsoft.com/office/powerpoint/2010/main" val="3049206379"/>
+      </p:ext>
+    </p:extLst>
+  </p:cSld>
+  <p:clrMapOvr>
+    <a:masterClrMapping/>
+  </p:clrMapOvr>
+</p:sld>
+</file>
+
+<file path=ppt/slides/slide16.xml><?xml version="1.0" encoding="utf-8"?>
+<p:sld xmlns:a="http://schemas.openxmlformats.org/drawingml/2006/main" xmlns:r="http://schemas.openxmlformats.org/officeDocument/2006/relationships" xmlns:p="http://schemas.openxmlformats.org/presentationml/2006/main">
+  <p:cSld>
+    <p:spTree>
+      <p:nvGrpSpPr>
+        <p:cNvPr id="1" name=""/>
+        <p:cNvGrpSpPr/>
+        <p:nvPr/>
+      </p:nvGrpSpPr>
+      <p:grpSpPr>
+        <a:xfrm>
+          <a:off x="0" y="0"/>
+          <a:ext cx="0" cy="0"/>
+          <a:chOff x="0" y="0"/>
+          <a:chExt cx="0" cy="0"/>
+        </a:xfrm>
+      </p:grpSpPr>
+      <p:sp>
+        <p:nvSpPr>
+          <p:cNvPr id="3" name="コンテンツ プレースホルダー 2">
+            <a:extLst>
+              <a:ext uri="{FF2B5EF4-FFF2-40B4-BE49-F238E27FC236}">
+                <a16:creationId xmlns:a16="http://schemas.microsoft.com/office/drawing/2014/main" id="{C2114DFB-0173-46EA-B6AC-D191047C1DEA}"/>
+              </a:ext>
+            </a:extLst>
+          </p:cNvPr>
+          <p:cNvSpPr>
+            <a:spLocks noGrp="1"/>
+          </p:cNvSpPr>
+          <p:nvPr>
+            <p:ph idx="1"/>
+          </p:nvPr>
+        </p:nvSpPr>
+        <p:spPr>
+          <a:xfrm>
+            <a:off x="0" y="1119116"/>
+            <a:ext cx="12192000" cy="5738883"/>
+          </a:xfrm>
+        </p:spPr>
+        <p:txBody>
+          <a:bodyPr>
+            <a:normAutofit fontScale="92500" lnSpcReduction="10000"/>
+          </a:bodyPr>
+          <a:lstStyle/>
+          <a:p>
+            <a:pPr marL="0" indent="0" algn="ctr">
+              <a:buNone/>
+            </a:pPr>
+            <a:r>
+              <a:rPr kumimoji="1" lang="en-US" altLang="ja-JP" sz="23900" dirty="0">
+                <a:latin typeface="IPA Pゴシック" panose="020B0500000000000000" pitchFamily="50" charset="-128"/>
+                <a:ea typeface="IPA Pゴシック" panose="020B0500000000000000" pitchFamily="50" charset="-128"/>
+              </a:rPr>
+              <a:t>Web</a:t>
+            </a:r>
+          </a:p>
+          <a:p>
+            <a:pPr marL="0" indent="0" algn="ctr">
+              <a:buNone/>
+            </a:pPr>
+            <a:r>
+              <a:rPr kumimoji="1" lang="ja-JP" altLang="en-US" sz="23900" dirty="0">
+                <a:latin typeface="IPA Pゴシック" panose="020B0500000000000000" pitchFamily="50" charset="-128"/>
+                <a:ea typeface="IPA Pゴシック" panose="020B0500000000000000" pitchFamily="50" charset="-128"/>
+              </a:rPr>
+              <a:t>サイト</a:t>
+            </a:r>
+          </a:p>
+        </p:txBody>
+      </p:sp>
+    </p:spTree>
+    <p:extLst>
+      <p:ext uri="{BB962C8B-B14F-4D97-AF65-F5344CB8AC3E}">
+        <p14:creationId xmlns:p14="http://schemas.microsoft.com/office/powerpoint/2010/main" val="3012112942"/>
+      </p:ext>
+    </p:extLst>
+  </p:cSld>
+  <p:clrMapOvr>
+    <a:masterClrMapping/>
+  </p:clrMapOvr>
+</p:sld>
+</file>
+
+<file path=ppt/slides/slide17.xml><?xml version="1.0" encoding="utf-8"?>
+<p:sld xmlns:a="http://schemas.openxmlformats.org/drawingml/2006/main" xmlns:r="http://schemas.openxmlformats.org/officeDocument/2006/relationships" xmlns:p="http://schemas.openxmlformats.org/presentationml/2006/main">
+  <p:cSld>
+    <p:spTree>
+      <p:nvGrpSpPr>
+        <p:cNvPr id="1" name=""/>
+        <p:cNvGrpSpPr/>
+        <p:nvPr/>
+      </p:nvGrpSpPr>
+      <p:grpSpPr>
+        <a:xfrm>
+          <a:off x="0" y="0"/>
+          <a:ext cx="0" cy="0"/>
+          <a:chOff x="0" y="0"/>
+          <a:chExt cx="0" cy="0"/>
+        </a:xfrm>
+      </p:grpSpPr>
+      <p:sp>
+        <p:nvSpPr>
+          <p:cNvPr id="3" name="コンテンツ プレースホルダー 2">
+            <a:extLst>
+              <a:ext uri="{FF2B5EF4-FFF2-40B4-BE49-F238E27FC236}">
+                <a16:creationId xmlns:a16="http://schemas.microsoft.com/office/drawing/2014/main" id="{C2114DFB-0173-46EA-B6AC-D191047C1DEA}"/>
+              </a:ext>
+            </a:extLst>
+          </p:cNvPr>
+          <p:cNvSpPr>
+            <a:spLocks noGrp="1"/>
+          </p:cNvSpPr>
+          <p:nvPr>
+            <p:ph idx="1"/>
+          </p:nvPr>
+        </p:nvSpPr>
+        <p:spPr>
+          <a:xfrm>
+            <a:off x="0" y="1119116"/>
+            <a:ext cx="12192000" cy="5738883"/>
+          </a:xfrm>
+        </p:spPr>
+        <p:txBody>
+          <a:bodyPr>
+            <a:normAutofit fontScale="92500" lnSpcReduction="10000"/>
+          </a:bodyPr>
+          <a:lstStyle/>
+          <a:p>
+            <a:pPr marL="0" indent="0" algn="ctr">
+              <a:buNone/>
+            </a:pPr>
+            <a:r>
+              <a:rPr kumimoji="1" lang="en-US" altLang="ja-JP" sz="23900" dirty="0">
+                <a:latin typeface="IPA Pゴシック" panose="020B0500000000000000" pitchFamily="50" charset="-128"/>
+                <a:ea typeface="IPA Pゴシック" panose="020B0500000000000000" pitchFamily="50" charset="-128"/>
+              </a:rPr>
+              <a:t>Web</a:t>
+            </a:r>
+          </a:p>
+          <a:p>
+            <a:pPr marL="0" indent="0" algn="ctr">
+              <a:buNone/>
+            </a:pPr>
+            <a:r>
+              <a:rPr kumimoji="1" lang="ja-JP" altLang="en-US" sz="23900" dirty="0">
+                <a:latin typeface="IPA Pゴシック" panose="020B0500000000000000" pitchFamily="50" charset="-128"/>
+                <a:ea typeface="IPA Pゴシック" panose="020B0500000000000000" pitchFamily="50" charset="-128"/>
+              </a:rPr>
+              <a:t>サイト</a:t>
+            </a:r>
+          </a:p>
+        </p:txBody>
+      </p:sp>
+    </p:spTree>
+    <p:extLst>
+      <p:ext uri="{BB962C8B-B14F-4D97-AF65-F5344CB8AC3E}">
+        <p14:creationId xmlns:p14="http://schemas.microsoft.com/office/powerpoint/2010/main" val="84417691"/>
+      </p:ext>
+    </p:extLst>
+  </p:cSld>
+  <p:clrMapOvr>
+    <a:masterClrMapping/>
+  </p:clrMapOvr>
+</p:sld>
+</file>
+
+<file path=ppt/slides/slide18.xml><?xml version="1.0" encoding="utf-8"?>
+<p:sld xmlns:a="http://schemas.openxmlformats.org/drawingml/2006/main" xmlns:r="http://schemas.openxmlformats.org/officeDocument/2006/relationships" xmlns:p="http://schemas.openxmlformats.org/presentationml/2006/main">
+  <p:cSld>
+    <p:spTree>
+      <p:nvGrpSpPr>
+        <p:cNvPr id="1" name=""/>
+        <p:cNvGrpSpPr/>
+        <p:nvPr/>
+      </p:nvGrpSpPr>
+      <p:grpSpPr>
+        <a:xfrm>
+          <a:off x="0" y="0"/>
+          <a:ext cx="0" cy="0"/>
+          <a:chOff x="0" y="0"/>
+          <a:chExt cx="0" cy="0"/>
+        </a:xfrm>
+      </p:grpSpPr>
+      <p:sp>
+        <p:nvSpPr>
+          <p:cNvPr id="3" name="コンテンツ プレースホルダー 2">
+            <a:extLst>
+              <a:ext uri="{FF2B5EF4-FFF2-40B4-BE49-F238E27FC236}">
+                <a16:creationId xmlns:a16="http://schemas.microsoft.com/office/drawing/2014/main" id="{C2114DFB-0173-46EA-B6AC-D191047C1DEA}"/>
+              </a:ext>
+            </a:extLst>
+          </p:cNvPr>
+          <p:cNvSpPr>
+            <a:spLocks noGrp="1"/>
+          </p:cNvSpPr>
+          <p:nvPr>
+            <p:ph idx="1"/>
+          </p:nvPr>
+        </p:nvSpPr>
+        <p:spPr>
+          <a:xfrm>
+            <a:off x="0" y="1119116"/>
+            <a:ext cx="12192000" cy="5738883"/>
+          </a:xfrm>
+        </p:spPr>
+        <p:txBody>
+          <a:bodyPr>
+            <a:normAutofit fontScale="92500" lnSpcReduction="10000"/>
+          </a:bodyPr>
+          <a:lstStyle/>
+          <a:p>
+            <a:pPr marL="0" indent="0" algn="ctr">
+              <a:buNone/>
+            </a:pPr>
+            <a:r>
+              <a:rPr kumimoji="1" lang="en-US" altLang="ja-JP" sz="23900" dirty="0">
+                <a:latin typeface="IPA Pゴシック" panose="020B0500000000000000" pitchFamily="50" charset="-128"/>
+                <a:ea typeface="IPA Pゴシック" panose="020B0500000000000000" pitchFamily="50" charset="-128"/>
+              </a:rPr>
+              <a:t>Web</a:t>
+            </a:r>
+          </a:p>
+          <a:p>
+            <a:pPr marL="0" indent="0" algn="ctr">
+              <a:buNone/>
+            </a:pPr>
+            <a:r>
+              <a:rPr kumimoji="1" lang="ja-JP" altLang="en-US" sz="23900" dirty="0">
+                <a:latin typeface="IPA Pゴシック" panose="020B0500000000000000" pitchFamily="50" charset="-128"/>
+                <a:ea typeface="IPA Pゴシック" panose="020B0500000000000000" pitchFamily="50" charset="-128"/>
+              </a:rPr>
+              <a:t>サイト</a:t>
+            </a:r>
+          </a:p>
+        </p:txBody>
+      </p:sp>
+    </p:spTree>
+    <p:extLst>
+      <p:ext uri="{BB962C8B-B14F-4D97-AF65-F5344CB8AC3E}">
+        <p14:creationId xmlns:p14="http://schemas.microsoft.com/office/powerpoint/2010/main" val="3238447670"/>
+      </p:ext>
+    </p:extLst>
+  </p:cSld>
+  <p:clrMapOvr>
+    <a:masterClrMapping/>
+  </p:clrMapOvr>
+</p:sld>
+</file>
+
+<file path=ppt/slides/slide19.xml><?xml version="1.0" encoding="utf-8"?>
+<p:sld xmlns:a="http://schemas.openxmlformats.org/drawingml/2006/main" xmlns:r="http://schemas.openxmlformats.org/officeDocument/2006/relationships" xmlns:p="http://schemas.openxmlformats.org/presentationml/2006/main">
+  <p:cSld>
+    <p:spTree>
+      <p:nvGrpSpPr>
+        <p:cNvPr id="1" name=""/>
+        <p:cNvGrpSpPr/>
+        <p:nvPr/>
+      </p:nvGrpSpPr>
+      <p:grpSpPr>
+        <a:xfrm>
+          <a:off x="0" y="0"/>
+          <a:ext cx="0" cy="0"/>
+          <a:chOff x="0" y="0"/>
+          <a:chExt cx="0" cy="0"/>
+        </a:xfrm>
+      </p:grpSpPr>
+      <p:sp>
+        <p:nvSpPr>
+          <p:cNvPr id="3" name="コンテンツ プレースホルダー 2">
+            <a:extLst>
+              <a:ext uri="{FF2B5EF4-FFF2-40B4-BE49-F238E27FC236}">
+                <a16:creationId xmlns:a16="http://schemas.microsoft.com/office/drawing/2014/main" id="{C2114DFB-0173-46EA-B6AC-D191047C1DEA}"/>
+              </a:ext>
+            </a:extLst>
+          </p:cNvPr>
+          <p:cNvSpPr>
+            <a:spLocks noGrp="1"/>
+          </p:cNvSpPr>
+          <p:nvPr>
+            <p:ph idx="1"/>
+          </p:nvPr>
+        </p:nvSpPr>
+        <p:spPr>
+          <a:xfrm>
+            <a:off x="0" y="1119116"/>
+            <a:ext cx="12192000" cy="5738883"/>
+          </a:xfrm>
+        </p:spPr>
+        <p:txBody>
+          <a:bodyPr>
+            <a:normAutofit fontScale="92500" lnSpcReduction="10000"/>
+          </a:bodyPr>
+          <a:lstStyle/>
+          <a:p>
+            <a:pPr marL="0" indent="0" algn="ctr">
+              <a:buNone/>
+            </a:pPr>
+            <a:r>
+              <a:rPr kumimoji="1" lang="en-US" altLang="ja-JP" sz="23900" dirty="0">
+                <a:latin typeface="IPA Pゴシック" panose="020B0500000000000000" pitchFamily="50" charset="-128"/>
+                <a:ea typeface="IPA Pゴシック" panose="020B0500000000000000" pitchFamily="50" charset="-128"/>
+              </a:rPr>
+              <a:t>Web</a:t>
+            </a:r>
+          </a:p>
+          <a:p>
+            <a:pPr marL="0" indent="0" algn="ctr">
+              <a:buNone/>
+            </a:pPr>
+            <a:r>
+              <a:rPr kumimoji="1" lang="ja-JP" altLang="en-US" sz="23900" dirty="0">
+                <a:latin typeface="IPA Pゴシック" panose="020B0500000000000000" pitchFamily="50" charset="-128"/>
+                <a:ea typeface="IPA Pゴシック" panose="020B0500000000000000" pitchFamily="50" charset="-128"/>
+              </a:rPr>
+              <a:t>サイト</a:t>
+            </a:r>
+          </a:p>
+        </p:txBody>
+      </p:sp>
+    </p:spTree>
+    <p:extLst>
+      <p:ext uri="{BB962C8B-B14F-4D97-AF65-F5344CB8AC3E}">
+        <p14:creationId xmlns:p14="http://schemas.microsoft.com/office/powerpoint/2010/main" val="3477026297"/>
+      </p:ext>
+    </p:extLst>
+  </p:cSld>
+  <p:clrMapOvr>
+    <a:masterClrMapping/>
+  </p:clrMapOvr>
+</p:sld>
+</file>
+
 <file path=ppt/slides/slide2.xml><?xml version="1.0" encoding="utf-8"?>
 <p:sld xmlns:a="http://schemas.openxmlformats.org/drawingml/2006/main" xmlns:r="http://schemas.openxmlformats.org/officeDocument/2006/relationships" xmlns:p="http://schemas.openxmlformats.org/presentationml/2006/main">
   <p:cSld>
@@ -3818,6 +4668,504 @@
     <p:extLst>
       <p:ext uri="{BB962C8B-B14F-4D97-AF65-F5344CB8AC3E}">
         <p14:creationId xmlns:p14="http://schemas.microsoft.com/office/powerpoint/2010/main" val="2080072222"/>
+      </p:ext>
+    </p:extLst>
+  </p:cSld>
+  <p:clrMapOvr>
+    <a:masterClrMapping/>
+  </p:clrMapOvr>
+</p:sld>
+</file>
+
+<file path=ppt/slides/slide20.xml><?xml version="1.0" encoding="utf-8"?>
+<p:sld xmlns:a="http://schemas.openxmlformats.org/drawingml/2006/main" xmlns:r="http://schemas.openxmlformats.org/officeDocument/2006/relationships" xmlns:p="http://schemas.openxmlformats.org/presentationml/2006/main">
+  <p:cSld>
+    <p:spTree>
+      <p:nvGrpSpPr>
+        <p:cNvPr id="1" name=""/>
+        <p:cNvGrpSpPr/>
+        <p:nvPr/>
+      </p:nvGrpSpPr>
+      <p:grpSpPr>
+        <a:xfrm>
+          <a:off x="0" y="0"/>
+          <a:ext cx="0" cy="0"/>
+          <a:chOff x="0" y="0"/>
+          <a:chExt cx="0" cy="0"/>
+        </a:xfrm>
+      </p:grpSpPr>
+      <p:sp>
+        <p:nvSpPr>
+          <p:cNvPr id="3" name="コンテンツ プレースホルダー 2">
+            <a:extLst>
+              <a:ext uri="{FF2B5EF4-FFF2-40B4-BE49-F238E27FC236}">
+                <a16:creationId xmlns:a16="http://schemas.microsoft.com/office/drawing/2014/main" id="{C2114DFB-0173-46EA-B6AC-D191047C1DEA}"/>
+              </a:ext>
+            </a:extLst>
+          </p:cNvPr>
+          <p:cNvSpPr>
+            <a:spLocks noGrp="1"/>
+          </p:cNvSpPr>
+          <p:nvPr>
+            <p:ph idx="1"/>
+          </p:nvPr>
+        </p:nvSpPr>
+        <p:spPr>
+          <a:xfrm>
+            <a:off x="0" y="1119116"/>
+            <a:ext cx="12192000" cy="5738883"/>
+          </a:xfrm>
+        </p:spPr>
+        <p:txBody>
+          <a:bodyPr>
+            <a:normAutofit fontScale="92500" lnSpcReduction="10000"/>
+          </a:bodyPr>
+          <a:lstStyle/>
+          <a:p>
+            <a:pPr marL="0" indent="0" algn="ctr">
+              <a:buNone/>
+            </a:pPr>
+            <a:r>
+              <a:rPr kumimoji="1" lang="en-US" altLang="ja-JP" sz="23900" dirty="0">
+                <a:latin typeface="IPA Pゴシック" panose="020B0500000000000000" pitchFamily="50" charset="-128"/>
+                <a:ea typeface="IPA Pゴシック" panose="020B0500000000000000" pitchFamily="50" charset="-128"/>
+              </a:rPr>
+              <a:t>Web</a:t>
+            </a:r>
+          </a:p>
+          <a:p>
+            <a:pPr marL="0" indent="0" algn="ctr">
+              <a:buNone/>
+            </a:pPr>
+            <a:r>
+              <a:rPr kumimoji="1" lang="ja-JP" altLang="en-US" sz="23900" dirty="0">
+                <a:latin typeface="IPA Pゴシック" panose="020B0500000000000000" pitchFamily="50" charset="-128"/>
+                <a:ea typeface="IPA Pゴシック" panose="020B0500000000000000" pitchFamily="50" charset="-128"/>
+              </a:rPr>
+              <a:t>サイト</a:t>
+            </a:r>
+          </a:p>
+        </p:txBody>
+      </p:sp>
+    </p:spTree>
+    <p:extLst>
+      <p:ext uri="{BB962C8B-B14F-4D97-AF65-F5344CB8AC3E}">
+        <p14:creationId xmlns:p14="http://schemas.microsoft.com/office/powerpoint/2010/main" val="1938324681"/>
+      </p:ext>
+    </p:extLst>
+  </p:cSld>
+  <p:clrMapOvr>
+    <a:masterClrMapping/>
+  </p:clrMapOvr>
+</p:sld>
+</file>
+
+<file path=ppt/slides/slide21.xml><?xml version="1.0" encoding="utf-8"?>
+<p:sld xmlns:a="http://schemas.openxmlformats.org/drawingml/2006/main" xmlns:r="http://schemas.openxmlformats.org/officeDocument/2006/relationships" xmlns:p="http://schemas.openxmlformats.org/presentationml/2006/main">
+  <p:cSld>
+    <p:spTree>
+      <p:nvGrpSpPr>
+        <p:cNvPr id="1" name=""/>
+        <p:cNvGrpSpPr/>
+        <p:nvPr/>
+      </p:nvGrpSpPr>
+      <p:grpSpPr>
+        <a:xfrm>
+          <a:off x="0" y="0"/>
+          <a:ext cx="0" cy="0"/>
+          <a:chOff x="0" y="0"/>
+          <a:chExt cx="0" cy="0"/>
+        </a:xfrm>
+      </p:grpSpPr>
+      <p:sp>
+        <p:nvSpPr>
+          <p:cNvPr id="3" name="コンテンツ プレースホルダー 2">
+            <a:extLst>
+              <a:ext uri="{FF2B5EF4-FFF2-40B4-BE49-F238E27FC236}">
+                <a16:creationId xmlns:a16="http://schemas.microsoft.com/office/drawing/2014/main" id="{C2114DFB-0173-46EA-B6AC-D191047C1DEA}"/>
+              </a:ext>
+            </a:extLst>
+          </p:cNvPr>
+          <p:cNvSpPr>
+            <a:spLocks noGrp="1"/>
+          </p:cNvSpPr>
+          <p:nvPr>
+            <p:ph idx="1"/>
+          </p:nvPr>
+        </p:nvSpPr>
+        <p:spPr>
+          <a:xfrm>
+            <a:off x="0" y="1119116"/>
+            <a:ext cx="12192000" cy="5738883"/>
+          </a:xfrm>
+        </p:spPr>
+        <p:txBody>
+          <a:bodyPr>
+            <a:normAutofit fontScale="92500" lnSpcReduction="10000"/>
+          </a:bodyPr>
+          <a:lstStyle/>
+          <a:p>
+            <a:pPr marL="0" indent="0" algn="ctr">
+              <a:buNone/>
+            </a:pPr>
+            <a:r>
+              <a:rPr kumimoji="1" lang="en-US" altLang="ja-JP" sz="23900" dirty="0">
+                <a:latin typeface="IPA Pゴシック" panose="020B0500000000000000" pitchFamily="50" charset="-128"/>
+                <a:ea typeface="IPA Pゴシック" panose="020B0500000000000000" pitchFamily="50" charset="-128"/>
+              </a:rPr>
+              <a:t>Web</a:t>
+            </a:r>
+          </a:p>
+          <a:p>
+            <a:pPr marL="0" indent="0" algn="ctr">
+              <a:buNone/>
+            </a:pPr>
+            <a:r>
+              <a:rPr kumimoji="1" lang="ja-JP" altLang="en-US" sz="23900" dirty="0">
+                <a:latin typeface="IPA Pゴシック" panose="020B0500000000000000" pitchFamily="50" charset="-128"/>
+                <a:ea typeface="IPA Pゴシック" panose="020B0500000000000000" pitchFamily="50" charset="-128"/>
+              </a:rPr>
+              <a:t>サイト</a:t>
+            </a:r>
+          </a:p>
+        </p:txBody>
+      </p:sp>
+    </p:spTree>
+    <p:extLst>
+      <p:ext uri="{BB962C8B-B14F-4D97-AF65-F5344CB8AC3E}">
+        <p14:creationId xmlns:p14="http://schemas.microsoft.com/office/powerpoint/2010/main" val="2599799899"/>
+      </p:ext>
+    </p:extLst>
+  </p:cSld>
+  <p:clrMapOvr>
+    <a:masterClrMapping/>
+  </p:clrMapOvr>
+</p:sld>
+</file>
+
+<file path=ppt/slides/slide22.xml><?xml version="1.0" encoding="utf-8"?>
+<p:sld xmlns:a="http://schemas.openxmlformats.org/drawingml/2006/main" xmlns:r="http://schemas.openxmlformats.org/officeDocument/2006/relationships" xmlns:p="http://schemas.openxmlformats.org/presentationml/2006/main">
+  <p:cSld>
+    <p:spTree>
+      <p:nvGrpSpPr>
+        <p:cNvPr id="1" name=""/>
+        <p:cNvGrpSpPr/>
+        <p:nvPr/>
+      </p:nvGrpSpPr>
+      <p:grpSpPr>
+        <a:xfrm>
+          <a:off x="0" y="0"/>
+          <a:ext cx="0" cy="0"/>
+          <a:chOff x="0" y="0"/>
+          <a:chExt cx="0" cy="0"/>
+        </a:xfrm>
+      </p:grpSpPr>
+      <p:sp>
+        <p:nvSpPr>
+          <p:cNvPr id="3" name="コンテンツ プレースホルダー 2">
+            <a:extLst>
+              <a:ext uri="{FF2B5EF4-FFF2-40B4-BE49-F238E27FC236}">
+                <a16:creationId xmlns:a16="http://schemas.microsoft.com/office/drawing/2014/main" id="{C2114DFB-0173-46EA-B6AC-D191047C1DEA}"/>
+              </a:ext>
+            </a:extLst>
+          </p:cNvPr>
+          <p:cNvSpPr>
+            <a:spLocks noGrp="1"/>
+          </p:cNvSpPr>
+          <p:nvPr>
+            <p:ph idx="1"/>
+          </p:nvPr>
+        </p:nvSpPr>
+        <p:spPr>
+          <a:xfrm>
+            <a:off x="0" y="1119116"/>
+            <a:ext cx="12192000" cy="5738883"/>
+          </a:xfrm>
+        </p:spPr>
+        <p:txBody>
+          <a:bodyPr>
+            <a:normAutofit fontScale="92500" lnSpcReduction="10000"/>
+          </a:bodyPr>
+          <a:lstStyle/>
+          <a:p>
+            <a:pPr marL="0" indent="0" algn="ctr">
+              <a:buNone/>
+            </a:pPr>
+            <a:r>
+              <a:rPr kumimoji="1" lang="en-US" altLang="ja-JP" sz="23900" dirty="0">
+                <a:latin typeface="IPA Pゴシック" panose="020B0500000000000000" pitchFamily="50" charset="-128"/>
+                <a:ea typeface="IPA Pゴシック" panose="020B0500000000000000" pitchFamily="50" charset="-128"/>
+              </a:rPr>
+              <a:t>Web</a:t>
+            </a:r>
+          </a:p>
+          <a:p>
+            <a:pPr marL="0" indent="0" algn="ctr">
+              <a:buNone/>
+            </a:pPr>
+            <a:r>
+              <a:rPr kumimoji="1" lang="ja-JP" altLang="en-US" sz="23900" dirty="0">
+                <a:latin typeface="IPA Pゴシック" panose="020B0500000000000000" pitchFamily="50" charset="-128"/>
+                <a:ea typeface="IPA Pゴシック" panose="020B0500000000000000" pitchFamily="50" charset="-128"/>
+              </a:rPr>
+              <a:t>サイト</a:t>
+            </a:r>
+          </a:p>
+        </p:txBody>
+      </p:sp>
+    </p:spTree>
+    <p:extLst>
+      <p:ext uri="{BB962C8B-B14F-4D97-AF65-F5344CB8AC3E}">
+        <p14:creationId xmlns:p14="http://schemas.microsoft.com/office/powerpoint/2010/main" val="488091782"/>
+      </p:ext>
+    </p:extLst>
+  </p:cSld>
+  <p:clrMapOvr>
+    <a:masterClrMapping/>
+  </p:clrMapOvr>
+</p:sld>
+</file>
+
+<file path=ppt/slides/slide23.xml><?xml version="1.0" encoding="utf-8"?>
+<p:sld xmlns:a="http://schemas.openxmlformats.org/drawingml/2006/main" xmlns:r="http://schemas.openxmlformats.org/officeDocument/2006/relationships" xmlns:p="http://schemas.openxmlformats.org/presentationml/2006/main">
+  <p:cSld>
+    <p:spTree>
+      <p:nvGrpSpPr>
+        <p:cNvPr id="1" name=""/>
+        <p:cNvGrpSpPr/>
+        <p:nvPr/>
+      </p:nvGrpSpPr>
+      <p:grpSpPr>
+        <a:xfrm>
+          <a:off x="0" y="0"/>
+          <a:ext cx="0" cy="0"/>
+          <a:chOff x="0" y="0"/>
+          <a:chExt cx="0" cy="0"/>
+        </a:xfrm>
+      </p:grpSpPr>
+      <p:sp>
+        <p:nvSpPr>
+          <p:cNvPr id="3" name="コンテンツ プレースホルダー 2">
+            <a:extLst>
+              <a:ext uri="{FF2B5EF4-FFF2-40B4-BE49-F238E27FC236}">
+                <a16:creationId xmlns:a16="http://schemas.microsoft.com/office/drawing/2014/main" id="{C2114DFB-0173-46EA-B6AC-D191047C1DEA}"/>
+              </a:ext>
+            </a:extLst>
+          </p:cNvPr>
+          <p:cNvSpPr>
+            <a:spLocks noGrp="1"/>
+          </p:cNvSpPr>
+          <p:nvPr>
+            <p:ph idx="1"/>
+          </p:nvPr>
+        </p:nvSpPr>
+        <p:spPr>
+          <a:xfrm>
+            <a:off x="0" y="1119116"/>
+            <a:ext cx="12192000" cy="5738883"/>
+          </a:xfrm>
+        </p:spPr>
+        <p:txBody>
+          <a:bodyPr>
+            <a:normAutofit fontScale="92500" lnSpcReduction="10000"/>
+          </a:bodyPr>
+          <a:lstStyle/>
+          <a:p>
+            <a:pPr marL="0" indent="0" algn="ctr">
+              <a:buNone/>
+            </a:pPr>
+            <a:r>
+              <a:rPr kumimoji="1" lang="en-US" altLang="ja-JP" sz="23900" dirty="0">
+                <a:latin typeface="IPA Pゴシック" panose="020B0500000000000000" pitchFamily="50" charset="-128"/>
+                <a:ea typeface="IPA Pゴシック" panose="020B0500000000000000" pitchFamily="50" charset="-128"/>
+              </a:rPr>
+              <a:t>Web</a:t>
+            </a:r>
+          </a:p>
+          <a:p>
+            <a:pPr marL="0" indent="0" algn="ctr">
+              <a:buNone/>
+            </a:pPr>
+            <a:r>
+              <a:rPr kumimoji="1" lang="ja-JP" altLang="en-US" sz="23900" dirty="0">
+                <a:latin typeface="IPA Pゴシック" panose="020B0500000000000000" pitchFamily="50" charset="-128"/>
+                <a:ea typeface="IPA Pゴシック" panose="020B0500000000000000" pitchFamily="50" charset="-128"/>
+              </a:rPr>
+              <a:t>サイト</a:t>
+            </a:r>
+          </a:p>
+        </p:txBody>
+      </p:sp>
+    </p:spTree>
+    <p:extLst>
+      <p:ext uri="{BB962C8B-B14F-4D97-AF65-F5344CB8AC3E}">
+        <p14:creationId xmlns:p14="http://schemas.microsoft.com/office/powerpoint/2010/main" val="2984774353"/>
+      </p:ext>
+    </p:extLst>
+  </p:cSld>
+  <p:clrMapOvr>
+    <a:masterClrMapping/>
+  </p:clrMapOvr>
+</p:sld>
+</file>
+
+<file path=ppt/slides/slide24.xml><?xml version="1.0" encoding="utf-8"?>
+<p:sld xmlns:a="http://schemas.openxmlformats.org/drawingml/2006/main" xmlns:r="http://schemas.openxmlformats.org/officeDocument/2006/relationships" xmlns:p="http://schemas.openxmlformats.org/presentationml/2006/main">
+  <p:cSld>
+    <p:spTree>
+      <p:nvGrpSpPr>
+        <p:cNvPr id="1" name=""/>
+        <p:cNvGrpSpPr/>
+        <p:nvPr/>
+      </p:nvGrpSpPr>
+      <p:grpSpPr>
+        <a:xfrm>
+          <a:off x="0" y="0"/>
+          <a:ext cx="0" cy="0"/>
+          <a:chOff x="0" y="0"/>
+          <a:chExt cx="0" cy="0"/>
+        </a:xfrm>
+      </p:grpSpPr>
+      <p:sp>
+        <p:nvSpPr>
+          <p:cNvPr id="3" name="コンテンツ プレースホルダー 2">
+            <a:extLst>
+              <a:ext uri="{FF2B5EF4-FFF2-40B4-BE49-F238E27FC236}">
+                <a16:creationId xmlns:a16="http://schemas.microsoft.com/office/drawing/2014/main" id="{C2114DFB-0173-46EA-B6AC-D191047C1DEA}"/>
+              </a:ext>
+            </a:extLst>
+          </p:cNvPr>
+          <p:cNvSpPr>
+            <a:spLocks noGrp="1"/>
+          </p:cNvSpPr>
+          <p:nvPr>
+            <p:ph idx="1"/>
+          </p:nvPr>
+        </p:nvSpPr>
+        <p:spPr>
+          <a:xfrm>
+            <a:off x="0" y="1119116"/>
+            <a:ext cx="12192000" cy="5738883"/>
+          </a:xfrm>
+        </p:spPr>
+        <p:txBody>
+          <a:bodyPr>
+            <a:normAutofit fontScale="92500" lnSpcReduction="10000"/>
+          </a:bodyPr>
+          <a:lstStyle/>
+          <a:p>
+            <a:pPr marL="0" indent="0" algn="ctr">
+              <a:buNone/>
+            </a:pPr>
+            <a:r>
+              <a:rPr kumimoji="1" lang="en-US" altLang="ja-JP" sz="23900" dirty="0">
+                <a:latin typeface="IPA Pゴシック" panose="020B0500000000000000" pitchFamily="50" charset="-128"/>
+                <a:ea typeface="IPA Pゴシック" panose="020B0500000000000000" pitchFamily="50" charset="-128"/>
+              </a:rPr>
+              <a:t>Web</a:t>
+            </a:r>
+          </a:p>
+          <a:p>
+            <a:pPr marL="0" indent="0" algn="ctr">
+              <a:buNone/>
+            </a:pPr>
+            <a:r>
+              <a:rPr kumimoji="1" lang="ja-JP" altLang="en-US" sz="23900" dirty="0">
+                <a:latin typeface="IPA Pゴシック" panose="020B0500000000000000" pitchFamily="50" charset="-128"/>
+                <a:ea typeface="IPA Pゴシック" panose="020B0500000000000000" pitchFamily="50" charset="-128"/>
+              </a:rPr>
+              <a:t>サイト</a:t>
+            </a:r>
+          </a:p>
+        </p:txBody>
+      </p:sp>
+    </p:spTree>
+    <p:extLst>
+      <p:ext uri="{BB962C8B-B14F-4D97-AF65-F5344CB8AC3E}">
+        <p14:creationId xmlns:p14="http://schemas.microsoft.com/office/powerpoint/2010/main" val="2171546847"/>
+      </p:ext>
+    </p:extLst>
+  </p:cSld>
+  <p:clrMapOvr>
+    <a:masterClrMapping/>
+  </p:clrMapOvr>
+</p:sld>
+</file>
+
+<file path=ppt/slides/slide25.xml><?xml version="1.0" encoding="utf-8"?>
+<p:sld xmlns:a="http://schemas.openxmlformats.org/drawingml/2006/main" xmlns:r="http://schemas.openxmlformats.org/officeDocument/2006/relationships" xmlns:p="http://schemas.openxmlformats.org/presentationml/2006/main">
+  <p:cSld>
+    <p:spTree>
+      <p:nvGrpSpPr>
+        <p:cNvPr id="1" name=""/>
+        <p:cNvGrpSpPr/>
+        <p:nvPr/>
+      </p:nvGrpSpPr>
+      <p:grpSpPr>
+        <a:xfrm>
+          <a:off x="0" y="0"/>
+          <a:ext cx="0" cy="0"/>
+          <a:chOff x="0" y="0"/>
+          <a:chExt cx="0" cy="0"/>
+        </a:xfrm>
+      </p:grpSpPr>
+      <p:sp>
+        <p:nvSpPr>
+          <p:cNvPr id="3" name="コンテンツ プレースホルダー 2">
+            <a:extLst>
+              <a:ext uri="{FF2B5EF4-FFF2-40B4-BE49-F238E27FC236}">
+                <a16:creationId xmlns:a16="http://schemas.microsoft.com/office/drawing/2014/main" id="{C2114DFB-0173-46EA-B6AC-D191047C1DEA}"/>
+              </a:ext>
+            </a:extLst>
+          </p:cNvPr>
+          <p:cNvSpPr>
+            <a:spLocks noGrp="1"/>
+          </p:cNvSpPr>
+          <p:nvPr>
+            <p:ph idx="1"/>
+          </p:nvPr>
+        </p:nvSpPr>
+        <p:spPr>
+          <a:xfrm>
+            <a:off x="0" y="1119116"/>
+            <a:ext cx="12192000" cy="5738883"/>
+          </a:xfrm>
+        </p:spPr>
+        <p:txBody>
+          <a:bodyPr>
+            <a:normAutofit fontScale="92500" lnSpcReduction="10000"/>
+          </a:bodyPr>
+          <a:lstStyle/>
+          <a:p>
+            <a:pPr marL="0" indent="0" algn="ctr">
+              <a:buNone/>
+            </a:pPr>
+            <a:r>
+              <a:rPr kumimoji="1" lang="en-US" altLang="ja-JP" sz="23900" dirty="0">
+                <a:latin typeface="IPA Pゴシック" panose="020B0500000000000000" pitchFamily="50" charset="-128"/>
+                <a:ea typeface="IPA Pゴシック" panose="020B0500000000000000" pitchFamily="50" charset="-128"/>
+              </a:rPr>
+              <a:t>Web</a:t>
+            </a:r>
+          </a:p>
+          <a:p>
+            <a:pPr marL="0" indent="0" algn="ctr">
+              <a:buNone/>
+            </a:pPr>
+            <a:r>
+              <a:rPr kumimoji="1" lang="ja-JP" altLang="en-US" sz="23900" dirty="0">
+                <a:latin typeface="IPA Pゴシック" panose="020B0500000000000000" pitchFamily="50" charset="-128"/>
+                <a:ea typeface="IPA Pゴシック" panose="020B0500000000000000" pitchFamily="50" charset="-128"/>
+              </a:rPr>
+              <a:t>サイト</a:t>
+            </a:r>
+          </a:p>
+        </p:txBody>
+      </p:sp>
+    </p:spTree>
+    <p:extLst>
+      <p:ext uri="{BB962C8B-B14F-4D97-AF65-F5344CB8AC3E}">
+        <p14:creationId xmlns:p14="http://schemas.microsoft.com/office/powerpoint/2010/main" val="3294324544"/>
       </p:ext>
     </p:extLst>
   </p:cSld>
@@ -3868,7 +5216,7 @@
         </p:spPr>
         <p:txBody>
           <a:bodyPr>
-            <a:normAutofit fontScale="92500" lnSpcReduction="10000"/>
+            <a:normAutofit fontScale="70000" lnSpcReduction="20000"/>
           </a:bodyPr>
           <a:lstStyle/>
           <a:p>
@@ -3892,7 +5240,7 @@
                 <a:latin typeface="IPA Pゴシック" panose="020B0500000000000000" pitchFamily="50" charset="-128"/>
                 <a:ea typeface="IPA Pゴシック" panose="020B0500000000000000" pitchFamily="50" charset="-128"/>
               </a:rPr>
-              <a:t>サイト</a:t>
+              <a:t>サイトって何？</a:t>
             </a:r>
           </a:p>
         </p:txBody>
@@ -3959,24 +5307,16 @@
               <a:buNone/>
             </a:pPr>
             <a:r>
-              <a:rPr kumimoji="1" lang="en-US" altLang="ja-JP" sz="23900" dirty="0">
+              <a:rPr lang="ja-JP" altLang="en-US" sz="23900" dirty="0">
                 <a:latin typeface="IPA Pゴシック" panose="020B0500000000000000" pitchFamily="50" charset="-128"/>
                 <a:ea typeface="IPA Pゴシック" panose="020B0500000000000000" pitchFamily="50" charset="-128"/>
               </a:rPr>
-              <a:t>Web</a:t>
-            </a:r>
-          </a:p>
-          <a:p>
-            <a:pPr marL="0" indent="0" algn="ctr">
-              <a:buNone/>
-            </a:pPr>
-            <a:r>
-              <a:rPr kumimoji="1" lang="ja-JP" altLang="en-US" sz="23900" dirty="0">
-                <a:latin typeface="IPA Pゴシック" panose="020B0500000000000000" pitchFamily="50" charset="-128"/>
-                <a:ea typeface="IPA Pゴシック" panose="020B0500000000000000" pitchFamily="50" charset="-128"/>
-              </a:rPr>
-              <a:t>サイト</a:t>
-            </a:r>
+              <a:t>ホームページ</a:t>
+            </a:r>
+            <a:endParaRPr kumimoji="1" lang="en-US" altLang="ja-JP" sz="23900" dirty="0">
+              <a:latin typeface="IPA Pゴシック" panose="020B0500000000000000" pitchFamily="50" charset="-128"/>
+              <a:ea typeface="IPA Pゴシック" panose="020B0500000000000000" pitchFamily="50" charset="-128"/>
+            </a:endParaRPr>
           </a:p>
         </p:txBody>
       </p:sp>
@@ -4067,6 +5407,338 @@
     <p:extLst>
       <p:ext uri="{BB962C8B-B14F-4D97-AF65-F5344CB8AC3E}">
         <p14:creationId xmlns:p14="http://schemas.microsoft.com/office/powerpoint/2010/main" val="618338217"/>
+      </p:ext>
+    </p:extLst>
+  </p:cSld>
+  <p:clrMapOvr>
+    <a:masterClrMapping/>
+  </p:clrMapOvr>
+</p:sld>
+</file>
+
+<file path=ppt/slides/slide6.xml><?xml version="1.0" encoding="utf-8"?>
+<p:sld xmlns:a="http://schemas.openxmlformats.org/drawingml/2006/main" xmlns:r="http://schemas.openxmlformats.org/officeDocument/2006/relationships" xmlns:p="http://schemas.openxmlformats.org/presentationml/2006/main">
+  <p:cSld>
+    <p:spTree>
+      <p:nvGrpSpPr>
+        <p:cNvPr id="1" name=""/>
+        <p:cNvGrpSpPr/>
+        <p:nvPr/>
+      </p:nvGrpSpPr>
+      <p:grpSpPr>
+        <a:xfrm>
+          <a:off x="0" y="0"/>
+          <a:ext cx="0" cy="0"/>
+          <a:chOff x="0" y="0"/>
+          <a:chExt cx="0" cy="0"/>
+        </a:xfrm>
+      </p:grpSpPr>
+      <p:sp>
+        <p:nvSpPr>
+          <p:cNvPr id="3" name="コンテンツ プレースホルダー 2">
+            <a:extLst>
+              <a:ext uri="{FF2B5EF4-FFF2-40B4-BE49-F238E27FC236}">
+                <a16:creationId xmlns:a16="http://schemas.microsoft.com/office/drawing/2014/main" id="{C2114DFB-0173-46EA-B6AC-D191047C1DEA}"/>
+              </a:ext>
+            </a:extLst>
+          </p:cNvPr>
+          <p:cNvSpPr>
+            <a:spLocks noGrp="1"/>
+          </p:cNvSpPr>
+          <p:nvPr>
+            <p:ph idx="1"/>
+          </p:nvPr>
+        </p:nvSpPr>
+        <p:spPr>
+          <a:xfrm>
+            <a:off x="0" y="1119116"/>
+            <a:ext cx="12192000" cy="5738883"/>
+          </a:xfrm>
+        </p:spPr>
+        <p:txBody>
+          <a:bodyPr>
+            <a:normAutofit fontScale="92500" lnSpcReduction="10000"/>
+          </a:bodyPr>
+          <a:lstStyle/>
+          <a:p>
+            <a:pPr marL="0" indent="0" algn="ctr">
+              <a:buNone/>
+            </a:pPr>
+            <a:r>
+              <a:rPr kumimoji="1" lang="en-US" altLang="ja-JP" sz="23900" dirty="0">
+                <a:latin typeface="IPA Pゴシック" panose="020B0500000000000000" pitchFamily="50" charset="-128"/>
+                <a:ea typeface="IPA Pゴシック" panose="020B0500000000000000" pitchFamily="50" charset="-128"/>
+              </a:rPr>
+              <a:t>Web</a:t>
+            </a:r>
+          </a:p>
+          <a:p>
+            <a:pPr marL="0" indent="0" algn="ctr">
+              <a:buNone/>
+            </a:pPr>
+            <a:r>
+              <a:rPr kumimoji="1" lang="ja-JP" altLang="en-US" sz="23900" dirty="0">
+                <a:latin typeface="IPA Pゴシック" panose="020B0500000000000000" pitchFamily="50" charset="-128"/>
+                <a:ea typeface="IPA Pゴシック" panose="020B0500000000000000" pitchFamily="50" charset="-128"/>
+              </a:rPr>
+              <a:t>サイト</a:t>
+            </a:r>
+          </a:p>
+        </p:txBody>
+      </p:sp>
+    </p:spTree>
+    <p:extLst>
+      <p:ext uri="{BB962C8B-B14F-4D97-AF65-F5344CB8AC3E}">
+        <p14:creationId xmlns:p14="http://schemas.microsoft.com/office/powerpoint/2010/main" val="3491963441"/>
+      </p:ext>
+    </p:extLst>
+  </p:cSld>
+  <p:clrMapOvr>
+    <a:masterClrMapping/>
+  </p:clrMapOvr>
+</p:sld>
+</file>
+
+<file path=ppt/slides/slide7.xml><?xml version="1.0" encoding="utf-8"?>
+<p:sld xmlns:a="http://schemas.openxmlformats.org/drawingml/2006/main" xmlns:r="http://schemas.openxmlformats.org/officeDocument/2006/relationships" xmlns:p="http://schemas.openxmlformats.org/presentationml/2006/main">
+  <p:cSld>
+    <p:spTree>
+      <p:nvGrpSpPr>
+        <p:cNvPr id="1" name=""/>
+        <p:cNvGrpSpPr/>
+        <p:nvPr/>
+      </p:nvGrpSpPr>
+      <p:grpSpPr>
+        <a:xfrm>
+          <a:off x="0" y="0"/>
+          <a:ext cx="0" cy="0"/>
+          <a:chOff x="0" y="0"/>
+          <a:chExt cx="0" cy="0"/>
+        </a:xfrm>
+      </p:grpSpPr>
+      <p:sp>
+        <p:nvSpPr>
+          <p:cNvPr id="3" name="コンテンツ プレースホルダー 2">
+            <a:extLst>
+              <a:ext uri="{FF2B5EF4-FFF2-40B4-BE49-F238E27FC236}">
+                <a16:creationId xmlns:a16="http://schemas.microsoft.com/office/drawing/2014/main" id="{C2114DFB-0173-46EA-B6AC-D191047C1DEA}"/>
+              </a:ext>
+            </a:extLst>
+          </p:cNvPr>
+          <p:cNvSpPr>
+            <a:spLocks noGrp="1"/>
+          </p:cNvSpPr>
+          <p:nvPr>
+            <p:ph idx="1"/>
+          </p:nvPr>
+        </p:nvSpPr>
+        <p:spPr>
+          <a:xfrm>
+            <a:off x="0" y="1119116"/>
+            <a:ext cx="12192000" cy="5738883"/>
+          </a:xfrm>
+        </p:spPr>
+        <p:txBody>
+          <a:bodyPr>
+            <a:normAutofit fontScale="92500" lnSpcReduction="10000"/>
+          </a:bodyPr>
+          <a:lstStyle/>
+          <a:p>
+            <a:pPr marL="0" indent="0" algn="ctr">
+              <a:buNone/>
+            </a:pPr>
+            <a:r>
+              <a:rPr kumimoji="1" lang="en-US" altLang="ja-JP" sz="23900" dirty="0">
+                <a:latin typeface="IPA Pゴシック" panose="020B0500000000000000" pitchFamily="50" charset="-128"/>
+                <a:ea typeface="IPA Pゴシック" panose="020B0500000000000000" pitchFamily="50" charset="-128"/>
+              </a:rPr>
+              <a:t>Web</a:t>
+            </a:r>
+          </a:p>
+          <a:p>
+            <a:pPr marL="0" indent="0" algn="ctr">
+              <a:buNone/>
+            </a:pPr>
+            <a:r>
+              <a:rPr kumimoji="1" lang="ja-JP" altLang="en-US" sz="23900" dirty="0">
+                <a:latin typeface="IPA Pゴシック" panose="020B0500000000000000" pitchFamily="50" charset="-128"/>
+                <a:ea typeface="IPA Pゴシック" panose="020B0500000000000000" pitchFamily="50" charset="-128"/>
+              </a:rPr>
+              <a:t>サイト</a:t>
+            </a:r>
+          </a:p>
+        </p:txBody>
+      </p:sp>
+    </p:spTree>
+    <p:extLst>
+      <p:ext uri="{BB962C8B-B14F-4D97-AF65-F5344CB8AC3E}">
+        <p14:creationId xmlns:p14="http://schemas.microsoft.com/office/powerpoint/2010/main" val="3846895184"/>
+      </p:ext>
+    </p:extLst>
+  </p:cSld>
+  <p:clrMapOvr>
+    <a:masterClrMapping/>
+  </p:clrMapOvr>
+</p:sld>
+</file>
+
+<file path=ppt/slides/slide8.xml><?xml version="1.0" encoding="utf-8"?>
+<p:sld xmlns:a="http://schemas.openxmlformats.org/drawingml/2006/main" xmlns:r="http://schemas.openxmlformats.org/officeDocument/2006/relationships" xmlns:p="http://schemas.openxmlformats.org/presentationml/2006/main">
+  <p:cSld>
+    <p:spTree>
+      <p:nvGrpSpPr>
+        <p:cNvPr id="1" name=""/>
+        <p:cNvGrpSpPr/>
+        <p:nvPr/>
+      </p:nvGrpSpPr>
+      <p:grpSpPr>
+        <a:xfrm>
+          <a:off x="0" y="0"/>
+          <a:ext cx="0" cy="0"/>
+          <a:chOff x="0" y="0"/>
+          <a:chExt cx="0" cy="0"/>
+        </a:xfrm>
+      </p:grpSpPr>
+      <p:sp>
+        <p:nvSpPr>
+          <p:cNvPr id="3" name="コンテンツ プレースホルダー 2">
+            <a:extLst>
+              <a:ext uri="{FF2B5EF4-FFF2-40B4-BE49-F238E27FC236}">
+                <a16:creationId xmlns:a16="http://schemas.microsoft.com/office/drawing/2014/main" id="{C2114DFB-0173-46EA-B6AC-D191047C1DEA}"/>
+              </a:ext>
+            </a:extLst>
+          </p:cNvPr>
+          <p:cNvSpPr>
+            <a:spLocks noGrp="1"/>
+          </p:cNvSpPr>
+          <p:nvPr>
+            <p:ph idx="1"/>
+          </p:nvPr>
+        </p:nvSpPr>
+        <p:spPr>
+          <a:xfrm>
+            <a:off x="0" y="1119116"/>
+            <a:ext cx="12192000" cy="5738883"/>
+          </a:xfrm>
+        </p:spPr>
+        <p:txBody>
+          <a:bodyPr>
+            <a:normAutofit fontScale="92500" lnSpcReduction="10000"/>
+          </a:bodyPr>
+          <a:lstStyle/>
+          <a:p>
+            <a:pPr marL="0" indent="0" algn="ctr">
+              <a:buNone/>
+            </a:pPr>
+            <a:r>
+              <a:rPr kumimoji="1" lang="en-US" altLang="ja-JP" sz="23900" dirty="0">
+                <a:latin typeface="IPA Pゴシック" panose="020B0500000000000000" pitchFamily="50" charset="-128"/>
+                <a:ea typeface="IPA Pゴシック" panose="020B0500000000000000" pitchFamily="50" charset="-128"/>
+              </a:rPr>
+              <a:t>Web</a:t>
+            </a:r>
+          </a:p>
+          <a:p>
+            <a:pPr marL="0" indent="0" algn="ctr">
+              <a:buNone/>
+            </a:pPr>
+            <a:r>
+              <a:rPr kumimoji="1" lang="ja-JP" altLang="en-US" sz="23900" dirty="0">
+                <a:latin typeface="IPA Pゴシック" panose="020B0500000000000000" pitchFamily="50" charset="-128"/>
+                <a:ea typeface="IPA Pゴシック" panose="020B0500000000000000" pitchFamily="50" charset="-128"/>
+              </a:rPr>
+              <a:t>サイト</a:t>
+            </a:r>
+          </a:p>
+        </p:txBody>
+      </p:sp>
+    </p:spTree>
+    <p:extLst>
+      <p:ext uri="{BB962C8B-B14F-4D97-AF65-F5344CB8AC3E}">
+        <p14:creationId xmlns:p14="http://schemas.microsoft.com/office/powerpoint/2010/main" val="4014829373"/>
+      </p:ext>
+    </p:extLst>
+  </p:cSld>
+  <p:clrMapOvr>
+    <a:masterClrMapping/>
+  </p:clrMapOvr>
+</p:sld>
+</file>
+
+<file path=ppt/slides/slide9.xml><?xml version="1.0" encoding="utf-8"?>
+<p:sld xmlns:a="http://schemas.openxmlformats.org/drawingml/2006/main" xmlns:r="http://schemas.openxmlformats.org/officeDocument/2006/relationships" xmlns:p="http://schemas.openxmlformats.org/presentationml/2006/main">
+  <p:cSld>
+    <p:spTree>
+      <p:nvGrpSpPr>
+        <p:cNvPr id="1" name=""/>
+        <p:cNvGrpSpPr/>
+        <p:nvPr/>
+      </p:nvGrpSpPr>
+      <p:grpSpPr>
+        <a:xfrm>
+          <a:off x="0" y="0"/>
+          <a:ext cx="0" cy="0"/>
+          <a:chOff x="0" y="0"/>
+          <a:chExt cx="0" cy="0"/>
+        </a:xfrm>
+      </p:grpSpPr>
+      <p:sp>
+        <p:nvSpPr>
+          <p:cNvPr id="3" name="コンテンツ プレースホルダー 2">
+            <a:extLst>
+              <a:ext uri="{FF2B5EF4-FFF2-40B4-BE49-F238E27FC236}">
+                <a16:creationId xmlns:a16="http://schemas.microsoft.com/office/drawing/2014/main" id="{C2114DFB-0173-46EA-B6AC-D191047C1DEA}"/>
+              </a:ext>
+            </a:extLst>
+          </p:cNvPr>
+          <p:cNvSpPr>
+            <a:spLocks noGrp="1"/>
+          </p:cNvSpPr>
+          <p:nvPr>
+            <p:ph idx="1"/>
+          </p:nvPr>
+        </p:nvSpPr>
+        <p:spPr>
+          <a:xfrm>
+            <a:off x="0" y="1119116"/>
+            <a:ext cx="12192000" cy="5738883"/>
+          </a:xfrm>
+        </p:spPr>
+        <p:txBody>
+          <a:bodyPr>
+            <a:normAutofit fontScale="92500" lnSpcReduction="10000"/>
+          </a:bodyPr>
+          <a:lstStyle/>
+          <a:p>
+            <a:pPr marL="0" indent="0" algn="ctr">
+              <a:buNone/>
+            </a:pPr>
+            <a:r>
+              <a:rPr kumimoji="1" lang="en-US" altLang="ja-JP" sz="23900" dirty="0">
+                <a:latin typeface="IPA Pゴシック" panose="020B0500000000000000" pitchFamily="50" charset="-128"/>
+                <a:ea typeface="IPA Pゴシック" panose="020B0500000000000000" pitchFamily="50" charset="-128"/>
+              </a:rPr>
+              <a:t>Web</a:t>
+            </a:r>
+          </a:p>
+          <a:p>
+            <a:pPr marL="0" indent="0" algn="ctr">
+              <a:buNone/>
+            </a:pPr>
+            <a:r>
+              <a:rPr kumimoji="1" lang="ja-JP" altLang="en-US" sz="23900" dirty="0">
+                <a:latin typeface="IPA Pゴシック" panose="020B0500000000000000" pitchFamily="50" charset="-128"/>
+                <a:ea typeface="IPA Pゴシック" panose="020B0500000000000000" pitchFamily="50" charset="-128"/>
+              </a:rPr>
+              <a:t>サイト</a:t>
+            </a:r>
+          </a:p>
+        </p:txBody>
+      </p:sp>
+    </p:spTree>
+    <p:extLst>
+      <p:ext uri="{BB962C8B-B14F-4D97-AF65-F5344CB8AC3E}">
+        <p14:creationId xmlns:p14="http://schemas.microsoft.com/office/powerpoint/2010/main" val="350343167"/>
       </p:ext>
     </p:extLst>
   </p:cSld>

--- a/新米社長に送るWebサイトの重要性と運用の仕方.pptx
+++ b/新米社長に送るWebサイトの重要性と運用の仕方.pptx
@@ -283,7 +283,7 @@
           <a:p>
             <a:fld id="{BE173A8C-9030-4E44-8A2D-FFAF2D8309F2}" type="datetimeFigureOut">
               <a:rPr kumimoji="1" lang="ja-JP" altLang="en-US" smtClean="0"/>
-              <a:t>2018/2/16</a:t>
+              <a:t>2018/2/23</a:t>
             </a:fld>
             <a:endParaRPr kumimoji="1" lang="ja-JP" altLang="en-US"/>
           </a:p>
@@ -513,7 +513,7 @@
           <a:p>
             <a:fld id="{BE173A8C-9030-4E44-8A2D-FFAF2D8309F2}" type="datetimeFigureOut">
               <a:rPr kumimoji="1" lang="ja-JP" altLang="en-US" smtClean="0"/>
-              <a:t>2018/2/16</a:t>
+              <a:t>2018/2/23</a:t>
             </a:fld>
             <a:endParaRPr kumimoji="1" lang="ja-JP" altLang="en-US"/>
           </a:p>
@@ -753,7 +753,7 @@
           <a:p>
             <a:fld id="{BE173A8C-9030-4E44-8A2D-FFAF2D8309F2}" type="datetimeFigureOut">
               <a:rPr kumimoji="1" lang="ja-JP" altLang="en-US" smtClean="0"/>
-              <a:t>2018/2/16</a:t>
+              <a:t>2018/2/23</a:t>
             </a:fld>
             <a:endParaRPr kumimoji="1" lang="ja-JP" altLang="en-US"/>
           </a:p>
@@ -983,7 +983,7 @@
           <a:p>
             <a:fld id="{BE173A8C-9030-4E44-8A2D-FFAF2D8309F2}" type="datetimeFigureOut">
               <a:rPr kumimoji="1" lang="ja-JP" altLang="en-US" smtClean="0"/>
-              <a:t>2018/2/16</a:t>
+              <a:t>2018/2/23</a:t>
             </a:fld>
             <a:endParaRPr kumimoji="1" lang="ja-JP" altLang="en-US"/>
           </a:p>
@@ -1258,7 +1258,7 @@
           <a:p>
             <a:fld id="{BE173A8C-9030-4E44-8A2D-FFAF2D8309F2}" type="datetimeFigureOut">
               <a:rPr kumimoji="1" lang="ja-JP" altLang="en-US" smtClean="0"/>
-              <a:t>2018/2/16</a:t>
+              <a:t>2018/2/23</a:t>
             </a:fld>
             <a:endParaRPr kumimoji="1" lang="ja-JP" altLang="en-US"/>
           </a:p>
@@ -1587,7 +1587,7 @@
           <a:p>
             <a:fld id="{BE173A8C-9030-4E44-8A2D-FFAF2D8309F2}" type="datetimeFigureOut">
               <a:rPr kumimoji="1" lang="ja-JP" altLang="en-US" smtClean="0"/>
-              <a:t>2018/2/16</a:t>
+              <a:t>2018/2/23</a:t>
             </a:fld>
             <a:endParaRPr kumimoji="1" lang="ja-JP" altLang="en-US"/>
           </a:p>
@@ -2063,7 +2063,7 @@
           <a:p>
             <a:fld id="{BE173A8C-9030-4E44-8A2D-FFAF2D8309F2}" type="datetimeFigureOut">
               <a:rPr kumimoji="1" lang="ja-JP" altLang="en-US" smtClean="0"/>
-              <a:t>2018/2/16</a:t>
+              <a:t>2018/2/23</a:t>
             </a:fld>
             <a:endParaRPr kumimoji="1" lang="ja-JP" altLang="en-US"/>
           </a:p>
@@ -2204,7 +2204,7 @@
           <a:p>
             <a:fld id="{BE173A8C-9030-4E44-8A2D-FFAF2D8309F2}" type="datetimeFigureOut">
               <a:rPr kumimoji="1" lang="ja-JP" altLang="en-US" smtClean="0"/>
-              <a:t>2018/2/16</a:t>
+              <a:t>2018/2/23</a:t>
             </a:fld>
             <a:endParaRPr kumimoji="1" lang="ja-JP" altLang="en-US"/>
           </a:p>
@@ -2317,7 +2317,7 @@
           <a:p>
             <a:fld id="{BE173A8C-9030-4E44-8A2D-FFAF2D8309F2}" type="datetimeFigureOut">
               <a:rPr kumimoji="1" lang="ja-JP" altLang="en-US" smtClean="0"/>
-              <a:t>2018/2/16</a:t>
+              <a:t>2018/2/23</a:t>
             </a:fld>
             <a:endParaRPr kumimoji="1" lang="ja-JP" altLang="en-US"/>
           </a:p>
@@ -2660,7 +2660,7 @@
           <a:p>
             <a:fld id="{BE173A8C-9030-4E44-8A2D-FFAF2D8309F2}" type="datetimeFigureOut">
               <a:rPr kumimoji="1" lang="ja-JP" altLang="en-US" smtClean="0"/>
-              <a:t>2018/2/16</a:t>
+              <a:t>2018/2/23</a:t>
             </a:fld>
             <a:endParaRPr kumimoji="1" lang="ja-JP" altLang="en-US"/>
           </a:p>
@@ -2948,7 +2948,7 @@
           <a:p>
             <a:fld id="{BE173A8C-9030-4E44-8A2D-FFAF2D8309F2}" type="datetimeFigureOut">
               <a:rPr kumimoji="1" lang="ja-JP" altLang="en-US" smtClean="0"/>
-              <a:t>2018/2/16</a:t>
+              <a:t>2018/2/23</a:t>
             </a:fld>
             <a:endParaRPr kumimoji="1" lang="ja-JP" altLang="en-US"/>
           </a:p>
@@ -3221,7 +3221,7 @@
           <a:p>
             <a:fld id="{BE173A8C-9030-4E44-8A2D-FFAF2D8309F2}" type="datetimeFigureOut">
               <a:rPr kumimoji="1" lang="ja-JP" altLang="en-US" smtClean="0"/>
-              <a:t>2018/2/16</a:t>
+              <a:t>2018/2/23</a:t>
             </a:fld>
             <a:endParaRPr kumimoji="1" lang="ja-JP" altLang="en-US"/>
           </a:p>
@@ -5176,7 +5176,7 @@
 </file>
 
 <file path=ppt/slides/slide3.xml><?xml version="1.0" encoding="utf-8"?>
-<p:sld xmlns:a="http://schemas.openxmlformats.org/drawingml/2006/main" xmlns:r="http://schemas.openxmlformats.org/officeDocument/2006/relationships" xmlns:p="http://schemas.openxmlformats.org/presentationml/2006/main">
+<p:sld xmlns:a="http://schemas.openxmlformats.org/drawingml/2006/main" xmlns:r="http://schemas.openxmlformats.org/officeDocument/2006/relationships" xmlns:p="http://schemas.openxmlformats.org/presentationml/2006/main" show="0">
   <p:cSld>
     <p:spTree>
       <p:nvGrpSpPr>
@@ -5259,7 +5259,7 @@
 </file>
 
 <file path=ppt/slides/slide4.xml><?xml version="1.0" encoding="utf-8"?>
-<p:sld xmlns:a="http://schemas.openxmlformats.org/drawingml/2006/main" xmlns:r="http://schemas.openxmlformats.org/officeDocument/2006/relationships" xmlns:p="http://schemas.openxmlformats.org/presentationml/2006/main">
+<p:sld xmlns:a="http://schemas.openxmlformats.org/drawingml/2006/main" xmlns:r="http://schemas.openxmlformats.org/officeDocument/2006/relationships" xmlns:p="http://schemas.openxmlformats.org/presentationml/2006/main" show="0">
   <p:cSld>
     <p:spTree>
       <p:nvGrpSpPr>
@@ -5334,7 +5334,7 @@
 </file>
 
 <file path=ppt/slides/slide5.xml><?xml version="1.0" encoding="utf-8"?>
-<p:sld xmlns:a="http://schemas.openxmlformats.org/drawingml/2006/main" xmlns:r="http://schemas.openxmlformats.org/officeDocument/2006/relationships" xmlns:p="http://schemas.openxmlformats.org/presentationml/2006/main">
+<p:sld xmlns:a="http://schemas.openxmlformats.org/drawingml/2006/main" xmlns:r="http://schemas.openxmlformats.org/officeDocument/2006/relationships" xmlns:p="http://schemas.openxmlformats.org/presentationml/2006/main" show="0">
   <p:cSld>
     <p:spTree>
       <p:nvGrpSpPr>
@@ -5417,7 +5417,7 @@
 </file>
 
 <file path=ppt/slides/slide6.xml><?xml version="1.0" encoding="utf-8"?>
-<p:sld xmlns:a="http://schemas.openxmlformats.org/drawingml/2006/main" xmlns:r="http://schemas.openxmlformats.org/officeDocument/2006/relationships" xmlns:p="http://schemas.openxmlformats.org/presentationml/2006/main">
+<p:sld xmlns:a="http://schemas.openxmlformats.org/drawingml/2006/main" xmlns:r="http://schemas.openxmlformats.org/officeDocument/2006/relationships" xmlns:p="http://schemas.openxmlformats.org/presentationml/2006/main" show="0">
   <p:cSld>
     <p:spTree>
       <p:nvGrpSpPr>
@@ -5457,7 +5457,7 @@
         </p:spPr>
         <p:txBody>
           <a:bodyPr>
-            <a:normAutofit fontScale="92500" lnSpcReduction="10000"/>
+            <a:normAutofit/>
           </a:bodyPr>
           <a:lstStyle/>
           <a:p>
@@ -5465,24 +5465,16 @@
               <a:buNone/>
             </a:pPr>
             <a:r>
-              <a:rPr kumimoji="1" lang="en-US" altLang="ja-JP" sz="23900" dirty="0">
+              <a:rPr lang="ja-JP" altLang="en-US" sz="23900" dirty="0">
                 <a:latin typeface="IPA Pゴシック" panose="020B0500000000000000" pitchFamily="50" charset="-128"/>
                 <a:ea typeface="IPA Pゴシック" panose="020B0500000000000000" pitchFamily="50" charset="-128"/>
               </a:rPr>
-              <a:t>Web</a:t>
-            </a:r>
-          </a:p>
-          <a:p>
-            <a:pPr marL="0" indent="0" algn="ctr">
-              <a:buNone/>
-            </a:pPr>
-            <a:r>
-              <a:rPr kumimoji="1" lang="ja-JP" altLang="en-US" sz="23900" dirty="0">
-                <a:latin typeface="IPA Pゴシック" panose="020B0500000000000000" pitchFamily="50" charset="-128"/>
-                <a:ea typeface="IPA Pゴシック" panose="020B0500000000000000" pitchFamily="50" charset="-128"/>
-              </a:rPr>
-              <a:t>サイト</a:t>
-            </a:r>
+              <a:t>ちがい</a:t>
+            </a:r>
+            <a:endParaRPr kumimoji="1" lang="ja-JP" altLang="en-US" sz="23900" dirty="0">
+              <a:latin typeface="IPA Pゴシック" panose="020B0500000000000000" pitchFamily="50" charset="-128"/>
+              <a:ea typeface="IPA Pゴシック" panose="020B0500000000000000" pitchFamily="50" charset="-128"/>
+            </a:endParaRPr>
           </a:p>
         </p:txBody>
       </p:sp>
@@ -5500,7 +5492,7 @@
 </file>
 
 <file path=ppt/slides/slide7.xml><?xml version="1.0" encoding="utf-8"?>
-<p:sld xmlns:a="http://schemas.openxmlformats.org/drawingml/2006/main" xmlns:r="http://schemas.openxmlformats.org/officeDocument/2006/relationships" xmlns:p="http://schemas.openxmlformats.org/presentationml/2006/main">
+<p:sld xmlns:a="http://schemas.openxmlformats.org/drawingml/2006/main" xmlns:r="http://schemas.openxmlformats.org/officeDocument/2006/relationships" xmlns:p="http://schemas.openxmlformats.org/presentationml/2006/main" show="0">
   <p:cSld>
     <p:spTree>
       <p:nvGrpSpPr>
@@ -5548,23 +5540,11 @@
               <a:buNone/>
             </a:pPr>
             <a:r>
-              <a:rPr kumimoji="1" lang="en-US" altLang="ja-JP" sz="23900" dirty="0">
-                <a:latin typeface="IPA Pゴシック" panose="020B0500000000000000" pitchFamily="50" charset="-128"/>
-                <a:ea typeface="IPA Pゴシック" panose="020B0500000000000000" pitchFamily="50" charset="-128"/>
-              </a:rPr>
-              <a:t>Web</a:t>
-            </a:r>
-          </a:p>
-          <a:p>
-            <a:pPr marL="0" indent="0" algn="ctr">
-              <a:buNone/>
-            </a:pPr>
-            <a:r>
               <a:rPr kumimoji="1" lang="ja-JP" altLang="en-US" sz="23900" dirty="0">
                 <a:latin typeface="IPA Pゴシック" panose="020B0500000000000000" pitchFamily="50" charset="-128"/>
                 <a:ea typeface="IPA Pゴシック" panose="020B0500000000000000" pitchFamily="50" charset="-128"/>
               </a:rPr>
-              <a:t>サイト</a:t>
+              <a:t>ホームページ</a:t>
             </a:r>
           </a:p>
         </p:txBody>
@@ -5583,7 +5563,7 @@
 </file>
 
 <file path=ppt/slides/slide8.xml><?xml version="1.0" encoding="utf-8"?>
-<p:sld xmlns:a="http://schemas.openxmlformats.org/drawingml/2006/main" xmlns:r="http://schemas.openxmlformats.org/officeDocument/2006/relationships" xmlns:p="http://schemas.openxmlformats.org/presentationml/2006/main">
+<p:sld xmlns:a="http://schemas.openxmlformats.org/drawingml/2006/main" xmlns:r="http://schemas.openxmlformats.org/officeDocument/2006/relationships" xmlns:p="http://schemas.openxmlformats.org/presentationml/2006/main" show="0">
   <p:cSld>
     <p:spTree>
       <p:nvGrpSpPr>
@@ -5623,7 +5603,7 @@
         </p:spPr>
         <p:txBody>
           <a:bodyPr>
-            <a:normAutofit fontScale="92500" lnSpcReduction="10000"/>
+            <a:normAutofit fontScale="85000" lnSpcReduction="10000"/>
           </a:bodyPr>
           <a:lstStyle/>
           <a:p>
@@ -5647,7 +5627,7 @@
                 <a:latin typeface="IPA Pゴシック" panose="020B0500000000000000" pitchFamily="50" charset="-128"/>
                 <a:ea typeface="IPA Pゴシック" panose="020B0500000000000000" pitchFamily="50" charset="-128"/>
               </a:rPr>
-              <a:t>サイト</a:t>
+              <a:t>サイトの頭</a:t>
             </a:r>
           </a:p>
         </p:txBody>
@@ -5666,7 +5646,7 @@
 </file>
 
 <file path=ppt/slides/slide9.xml><?xml version="1.0" encoding="utf-8"?>
-<p:sld xmlns:a="http://schemas.openxmlformats.org/drawingml/2006/main" xmlns:r="http://schemas.openxmlformats.org/officeDocument/2006/relationships" xmlns:p="http://schemas.openxmlformats.org/presentationml/2006/main">
+<p:sld xmlns:a="http://schemas.openxmlformats.org/drawingml/2006/main" xmlns:r="http://schemas.openxmlformats.org/officeDocument/2006/relationships" xmlns:p="http://schemas.openxmlformats.org/presentationml/2006/main" show="0">
   <p:cSld>
     <p:spTree>
       <p:nvGrpSpPr>

--- a/新米社長に送るWebサイトの重要性と運用の仕方.pptx
+++ b/新米社長に送るWebサイトの重要性と運用の仕方.pptx
@@ -283,7 +283,7 @@
           <a:p>
             <a:fld id="{BE173A8C-9030-4E44-8A2D-FFAF2D8309F2}" type="datetimeFigureOut">
               <a:rPr kumimoji="1" lang="ja-JP" altLang="en-US" smtClean="0"/>
-              <a:t>2018/2/23</a:t>
+              <a:t>2018/3/12</a:t>
             </a:fld>
             <a:endParaRPr kumimoji="1" lang="ja-JP" altLang="en-US"/>
           </a:p>
@@ -513,7 +513,7 @@
           <a:p>
             <a:fld id="{BE173A8C-9030-4E44-8A2D-FFAF2D8309F2}" type="datetimeFigureOut">
               <a:rPr kumimoji="1" lang="ja-JP" altLang="en-US" smtClean="0"/>
-              <a:t>2018/2/23</a:t>
+              <a:t>2018/3/12</a:t>
             </a:fld>
             <a:endParaRPr kumimoji="1" lang="ja-JP" altLang="en-US"/>
           </a:p>
@@ -753,7 +753,7 @@
           <a:p>
             <a:fld id="{BE173A8C-9030-4E44-8A2D-FFAF2D8309F2}" type="datetimeFigureOut">
               <a:rPr kumimoji="1" lang="ja-JP" altLang="en-US" smtClean="0"/>
-              <a:t>2018/2/23</a:t>
+              <a:t>2018/3/12</a:t>
             </a:fld>
             <a:endParaRPr kumimoji="1" lang="ja-JP" altLang="en-US"/>
           </a:p>
@@ -983,7 +983,7 @@
           <a:p>
             <a:fld id="{BE173A8C-9030-4E44-8A2D-FFAF2D8309F2}" type="datetimeFigureOut">
               <a:rPr kumimoji="1" lang="ja-JP" altLang="en-US" smtClean="0"/>
-              <a:t>2018/2/23</a:t>
+              <a:t>2018/3/12</a:t>
             </a:fld>
             <a:endParaRPr kumimoji="1" lang="ja-JP" altLang="en-US"/>
           </a:p>
@@ -1258,7 +1258,7 @@
           <a:p>
             <a:fld id="{BE173A8C-9030-4E44-8A2D-FFAF2D8309F2}" type="datetimeFigureOut">
               <a:rPr kumimoji="1" lang="ja-JP" altLang="en-US" smtClean="0"/>
-              <a:t>2018/2/23</a:t>
+              <a:t>2018/3/12</a:t>
             </a:fld>
             <a:endParaRPr kumimoji="1" lang="ja-JP" altLang="en-US"/>
           </a:p>
@@ -1587,7 +1587,7 @@
           <a:p>
             <a:fld id="{BE173A8C-9030-4E44-8A2D-FFAF2D8309F2}" type="datetimeFigureOut">
               <a:rPr kumimoji="1" lang="ja-JP" altLang="en-US" smtClean="0"/>
-              <a:t>2018/2/23</a:t>
+              <a:t>2018/3/12</a:t>
             </a:fld>
             <a:endParaRPr kumimoji="1" lang="ja-JP" altLang="en-US"/>
           </a:p>
@@ -2063,7 +2063,7 @@
           <a:p>
             <a:fld id="{BE173A8C-9030-4E44-8A2D-FFAF2D8309F2}" type="datetimeFigureOut">
               <a:rPr kumimoji="1" lang="ja-JP" altLang="en-US" smtClean="0"/>
-              <a:t>2018/2/23</a:t>
+              <a:t>2018/3/12</a:t>
             </a:fld>
             <a:endParaRPr kumimoji="1" lang="ja-JP" altLang="en-US"/>
           </a:p>
@@ -2204,7 +2204,7 @@
           <a:p>
             <a:fld id="{BE173A8C-9030-4E44-8A2D-FFAF2D8309F2}" type="datetimeFigureOut">
               <a:rPr kumimoji="1" lang="ja-JP" altLang="en-US" smtClean="0"/>
-              <a:t>2018/2/23</a:t>
+              <a:t>2018/3/12</a:t>
             </a:fld>
             <a:endParaRPr kumimoji="1" lang="ja-JP" altLang="en-US"/>
           </a:p>
@@ -2317,7 +2317,7 @@
           <a:p>
             <a:fld id="{BE173A8C-9030-4E44-8A2D-FFAF2D8309F2}" type="datetimeFigureOut">
               <a:rPr kumimoji="1" lang="ja-JP" altLang="en-US" smtClean="0"/>
-              <a:t>2018/2/23</a:t>
+              <a:t>2018/3/12</a:t>
             </a:fld>
             <a:endParaRPr kumimoji="1" lang="ja-JP" altLang="en-US"/>
           </a:p>
@@ -2660,7 +2660,7 @@
           <a:p>
             <a:fld id="{BE173A8C-9030-4E44-8A2D-FFAF2D8309F2}" type="datetimeFigureOut">
               <a:rPr kumimoji="1" lang="ja-JP" altLang="en-US" smtClean="0"/>
-              <a:t>2018/2/23</a:t>
+              <a:t>2018/3/12</a:t>
             </a:fld>
             <a:endParaRPr kumimoji="1" lang="ja-JP" altLang="en-US"/>
           </a:p>
@@ -2948,7 +2948,7 @@
           <a:p>
             <a:fld id="{BE173A8C-9030-4E44-8A2D-FFAF2D8309F2}" type="datetimeFigureOut">
               <a:rPr kumimoji="1" lang="ja-JP" altLang="en-US" smtClean="0"/>
-              <a:t>2018/2/23</a:t>
+              <a:t>2018/3/12</a:t>
             </a:fld>
             <a:endParaRPr kumimoji="1" lang="ja-JP" altLang="en-US"/>
           </a:p>
@@ -3221,7 +3221,7 @@
           <a:p>
             <a:fld id="{BE173A8C-9030-4E44-8A2D-FFAF2D8309F2}" type="datetimeFigureOut">
               <a:rPr kumimoji="1" lang="ja-JP" altLang="en-US" smtClean="0"/>
-              <a:t>2018/2/23</a:t>
+              <a:t>2018/3/12</a:t>
             </a:fld>
             <a:endParaRPr kumimoji="1" lang="ja-JP" altLang="en-US"/>
           </a:p>
@@ -3783,10 +3783,10 @@
       </p:grpSpPr>
       <p:sp>
         <p:nvSpPr>
-          <p:cNvPr id="3" name="コンテンツ プレースホルダー 2">
-            <a:extLst>
-              <a:ext uri="{FF2B5EF4-FFF2-40B4-BE49-F238E27FC236}">
-                <a16:creationId xmlns:a16="http://schemas.microsoft.com/office/drawing/2014/main" id="{C2114DFB-0173-46EA-B6AC-D191047C1DEA}"/>
+          <p:cNvPr id="4" name="コンテンツ プレースホルダー 3">
+            <a:extLst>
+              <a:ext uri="{FF2B5EF4-FFF2-40B4-BE49-F238E27FC236}">
+                <a16:creationId xmlns:a16="http://schemas.microsoft.com/office/drawing/2014/main" id="{B90E3923-D2CF-42BF-940B-3584E4918BE2}"/>
               </a:ext>
             </a:extLst>
           </p:cNvPr>
@@ -3799,13 +3799,13 @@
         </p:nvSpPr>
         <p:spPr>
           <a:xfrm>
-            <a:off x="0" y="1119116"/>
-            <a:ext cx="12192000" cy="5738883"/>
+            <a:off x="0" y="0"/>
+            <a:ext cx="12032974" cy="6997148"/>
           </a:xfrm>
         </p:spPr>
         <p:txBody>
           <a:bodyPr>
-            <a:normAutofit fontScale="92500" lnSpcReduction="10000"/>
+            <a:normAutofit/>
           </a:bodyPr>
           <a:lstStyle/>
           <a:p>
@@ -3813,23 +3813,18 @@
               <a:buNone/>
             </a:pPr>
             <a:r>
-              <a:rPr kumimoji="1" lang="en-US" altLang="ja-JP" sz="23900" dirty="0">
-                <a:latin typeface="IPA Pゴシック" panose="020B0500000000000000" pitchFamily="50" charset="-128"/>
-                <a:ea typeface="IPA Pゴシック" panose="020B0500000000000000" pitchFamily="50" charset="-128"/>
-              </a:rPr>
-              <a:t>Web</a:t>
-            </a:r>
+              <a:rPr lang="ja-JP" altLang="en-US" sz="18400" dirty="0"/>
+              <a:t>なんで</a:t>
+            </a:r>
+            <a:endParaRPr lang="en-US" altLang="ja-JP" sz="18400" dirty="0"/>
           </a:p>
           <a:p>
             <a:pPr marL="0" indent="0" algn="ctr">
               <a:buNone/>
             </a:pPr>
             <a:r>
-              <a:rPr kumimoji="1" lang="ja-JP" altLang="en-US" sz="23900" dirty="0">
-                <a:latin typeface="IPA Pゴシック" panose="020B0500000000000000" pitchFamily="50" charset="-128"/>
-                <a:ea typeface="IPA Pゴシック" panose="020B0500000000000000" pitchFamily="50" charset="-128"/>
-              </a:rPr>
-              <a:t>サイト</a:t>
+              <a:rPr lang="ja-JP" altLang="en-US" sz="18400" dirty="0"/>
+              <a:t>必要なの？</a:t>
             </a:r>
           </a:p>
         </p:txBody>
@@ -3882,13 +3877,13 @@
         </p:nvSpPr>
         <p:spPr>
           <a:xfrm>
-            <a:off x="0" y="1119116"/>
-            <a:ext cx="12192000" cy="5738883"/>
+            <a:off x="0" y="119270"/>
+            <a:ext cx="12192000" cy="6738730"/>
           </a:xfrm>
         </p:spPr>
         <p:txBody>
           <a:bodyPr>
-            <a:normAutofit fontScale="92500" lnSpcReduction="10000"/>
+            <a:normAutofit/>
           </a:bodyPr>
           <a:lstStyle/>
           <a:p>
@@ -3896,24 +3891,16 @@
               <a:buNone/>
             </a:pPr>
             <a:r>
-              <a:rPr kumimoji="1" lang="en-US" altLang="ja-JP" sz="23900" dirty="0">
+              <a:rPr lang="ja-JP" altLang="en-US" sz="41300" dirty="0">
                 <a:latin typeface="IPA Pゴシック" panose="020B0500000000000000" pitchFamily="50" charset="-128"/>
                 <a:ea typeface="IPA Pゴシック" panose="020B0500000000000000" pitchFamily="50" charset="-128"/>
               </a:rPr>
-              <a:t>Web</a:t>
-            </a:r>
-          </a:p>
-          <a:p>
-            <a:pPr marL="0" indent="0" algn="ctr">
-              <a:buNone/>
-            </a:pPr>
-            <a:r>
-              <a:rPr kumimoji="1" lang="ja-JP" altLang="en-US" sz="23900" dirty="0">
-                <a:latin typeface="IPA Pゴシック" panose="020B0500000000000000" pitchFamily="50" charset="-128"/>
-                <a:ea typeface="IPA Pゴシック" panose="020B0500000000000000" pitchFamily="50" charset="-128"/>
-              </a:rPr>
-              <a:t>サイト</a:t>
-            </a:r>
+              <a:t>広告</a:t>
+            </a:r>
+            <a:endParaRPr kumimoji="1" lang="en-US" altLang="ja-JP" sz="41300" dirty="0">
+              <a:latin typeface="IPA Pゴシック" panose="020B0500000000000000" pitchFamily="50" charset="-128"/>
+              <a:ea typeface="IPA Pゴシック" panose="020B0500000000000000" pitchFamily="50" charset="-128"/>
+            </a:endParaRPr>
           </a:p>
         </p:txBody>
       </p:sp>
@@ -3965,13 +3952,13 @@
         </p:nvSpPr>
         <p:spPr>
           <a:xfrm>
-            <a:off x="0" y="1119116"/>
-            <a:ext cx="12192000" cy="5738883"/>
+            <a:off x="-159026" y="1119116"/>
+            <a:ext cx="12655826" cy="5738883"/>
           </a:xfrm>
         </p:spPr>
         <p:txBody>
           <a:bodyPr>
-            <a:normAutofit fontScale="92500" lnSpcReduction="10000"/>
+            <a:normAutofit/>
           </a:bodyPr>
           <a:lstStyle/>
           <a:p>
@@ -3979,19 +3966,23 @@
               <a:buNone/>
             </a:pPr>
             <a:r>
-              <a:rPr kumimoji="1" lang="en-US" altLang="ja-JP" sz="23900" dirty="0">
+              <a:rPr kumimoji="1" lang="ja-JP" altLang="en-US" sz="13900" dirty="0">
                 <a:latin typeface="IPA Pゴシック" panose="020B0500000000000000" pitchFamily="50" charset="-128"/>
                 <a:ea typeface="IPA Pゴシック" panose="020B0500000000000000" pitchFamily="50" charset="-128"/>
               </a:rPr>
-              <a:t>Web</a:t>
-            </a:r>
+              <a:t>プロモーション</a:t>
+            </a:r>
+            <a:endParaRPr kumimoji="1" lang="en-US" altLang="ja-JP" sz="13900" dirty="0">
+              <a:latin typeface="IPA Pゴシック" panose="020B0500000000000000" pitchFamily="50" charset="-128"/>
+              <a:ea typeface="IPA Pゴシック" panose="020B0500000000000000" pitchFamily="50" charset="-128"/>
+            </a:endParaRPr>
           </a:p>
           <a:p>
             <a:pPr marL="0" indent="0" algn="ctr">
               <a:buNone/>
             </a:pPr>
             <a:r>
-              <a:rPr kumimoji="1" lang="ja-JP" altLang="en-US" sz="23900" dirty="0">
+              <a:rPr kumimoji="1" lang="ja-JP" altLang="en-US" sz="13900" dirty="0">
                 <a:latin typeface="IPA Pゴシック" panose="020B0500000000000000" pitchFamily="50" charset="-128"/>
                 <a:ea typeface="IPA Pゴシック" panose="020B0500000000000000" pitchFamily="50" charset="-128"/>
               </a:rPr>

--- a/新米社長に送るWebサイトの重要性と運用の仕方.pptx
+++ b/新米社長に送るWebサイトの重要性と運用の仕方.pptx
@@ -17,19 +17,51 @@
     <p:sldId id="265" r:id="rId11"/>
     <p:sldId id="266" r:id="rId12"/>
     <p:sldId id="267" r:id="rId13"/>
-    <p:sldId id="268" r:id="rId14"/>
-    <p:sldId id="269" r:id="rId15"/>
-    <p:sldId id="270" r:id="rId16"/>
+    <p:sldId id="270" r:id="rId14"/>
+    <p:sldId id="268" r:id="rId15"/>
+    <p:sldId id="269" r:id="rId16"/>
     <p:sldId id="271" r:id="rId17"/>
     <p:sldId id="272" r:id="rId18"/>
     <p:sldId id="273" r:id="rId19"/>
     <p:sldId id="274" r:id="rId20"/>
     <p:sldId id="275" r:id="rId21"/>
-    <p:sldId id="276" r:id="rId22"/>
-    <p:sldId id="277" r:id="rId23"/>
-    <p:sldId id="278" r:id="rId24"/>
-    <p:sldId id="279" r:id="rId25"/>
+    <p:sldId id="277" r:id="rId22"/>
+    <p:sldId id="278" r:id="rId23"/>
+    <p:sldId id="279" r:id="rId24"/>
+    <p:sldId id="276" r:id="rId25"/>
     <p:sldId id="280" r:id="rId26"/>
+    <p:sldId id="281" r:id="rId27"/>
+    <p:sldId id="282" r:id="rId28"/>
+    <p:sldId id="283" r:id="rId29"/>
+    <p:sldId id="284" r:id="rId30"/>
+    <p:sldId id="285" r:id="rId31"/>
+    <p:sldId id="286" r:id="rId32"/>
+    <p:sldId id="287" r:id="rId33"/>
+    <p:sldId id="288" r:id="rId34"/>
+    <p:sldId id="289" r:id="rId35"/>
+    <p:sldId id="290" r:id="rId36"/>
+    <p:sldId id="291" r:id="rId37"/>
+    <p:sldId id="292" r:id="rId38"/>
+    <p:sldId id="293" r:id="rId39"/>
+    <p:sldId id="294" r:id="rId40"/>
+    <p:sldId id="295" r:id="rId41"/>
+    <p:sldId id="296" r:id="rId42"/>
+    <p:sldId id="297" r:id="rId43"/>
+    <p:sldId id="298" r:id="rId44"/>
+    <p:sldId id="299" r:id="rId45"/>
+    <p:sldId id="300" r:id="rId46"/>
+    <p:sldId id="301" r:id="rId47"/>
+    <p:sldId id="302" r:id="rId48"/>
+    <p:sldId id="303" r:id="rId49"/>
+    <p:sldId id="304" r:id="rId50"/>
+    <p:sldId id="305" r:id="rId51"/>
+    <p:sldId id="306" r:id="rId52"/>
+    <p:sldId id="307" r:id="rId53"/>
+    <p:sldId id="308" r:id="rId54"/>
+    <p:sldId id="309" r:id="rId55"/>
+    <p:sldId id="310" r:id="rId56"/>
+    <p:sldId id="311" r:id="rId57"/>
+    <p:sldId id="312" r:id="rId58"/>
   </p:sldIdLst>
   <p:sldSz cx="12192000" cy="6858000"/>
   <p:notesSz cx="6858000" cy="9144000"/>
@@ -4053,31 +4085,23 @@
               <a:buNone/>
             </a:pPr>
             <a:r>
-              <a:rPr kumimoji="1" lang="en-US" altLang="ja-JP" sz="23900" dirty="0">
-                <a:latin typeface="IPA Pゴシック" panose="020B0500000000000000" pitchFamily="50" charset="-128"/>
-                <a:ea typeface="IPA Pゴシック" panose="020B0500000000000000" pitchFamily="50" charset="-128"/>
-              </a:rPr>
-              <a:t>Web</a:t>
-            </a:r>
-          </a:p>
-          <a:p>
-            <a:pPr marL="0" indent="0" algn="ctr">
-              <a:buNone/>
-            </a:pPr>
-            <a:r>
-              <a:rPr kumimoji="1" lang="ja-JP" altLang="en-US" sz="23900" dirty="0">
-                <a:latin typeface="IPA Pゴシック" panose="020B0500000000000000" pitchFamily="50" charset="-128"/>
-                <a:ea typeface="IPA Pゴシック" panose="020B0500000000000000" pitchFamily="50" charset="-128"/>
-              </a:rPr>
-              <a:t>サイト</a:t>
-            </a:r>
+              <a:rPr lang="ja-JP" altLang="en-US" sz="23900" dirty="0">
+                <a:latin typeface="IPA Pゴシック" panose="020B0500000000000000" pitchFamily="50" charset="-128"/>
+                <a:ea typeface="IPA Pゴシック" panose="020B0500000000000000" pitchFamily="50" charset="-128"/>
+              </a:rPr>
+              <a:t>社長にとっては？</a:t>
+            </a:r>
+            <a:endParaRPr kumimoji="1" lang="en-US" altLang="ja-JP" sz="23900" dirty="0">
+              <a:latin typeface="IPA Pゴシック" panose="020B0500000000000000" pitchFamily="50" charset="-128"/>
+              <a:ea typeface="IPA Pゴシック" panose="020B0500000000000000" pitchFamily="50" charset="-128"/>
+            </a:endParaRPr>
           </a:p>
         </p:txBody>
       </p:sp>
     </p:spTree>
     <p:extLst>
       <p:ext uri="{BB962C8B-B14F-4D97-AF65-F5344CB8AC3E}">
-        <p14:creationId xmlns:p14="http://schemas.microsoft.com/office/powerpoint/2010/main" val="1633873813"/>
+        <p14:creationId xmlns:p14="http://schemas.microsoft.com/office/powerpoint/2010/main" val="3049206379"/>
       </p:ext>
     </p:extLst>
   </p:cSld>
@@ -4128,7 +4152,7 @@
         </p:spPr>
         <p:txBody>
           <a:bodyPr>
-            <a:normAutofit fontScale="92500" lnSpcReduction="10000"/>
+            <a:normAutofit fontScale="85000" lnSpcReduction="20000"/>
           </a:bodyPr>
           <a:lstStyle/>
           <a:p>
@@ -4136,31 +4160,23 @@
               <a:buNone/>
             </a:pPr>
             <a:r>
-              <a:rPr kumimoji="1" lang="en-US" altLang="ja-JP" sz="23900" dirty="0">
-                <a:latin typeface="IPA Pゴシック" panose="020B0500000000000000" pitchFamily="50" charset="-128"/>
-                <a:ea typeface="IPA Pゴシック" panose="020B0500000000000000" pitchFamily="50" charset="-128"/>
-              </a:rPr>
-              <a:t>Web</a:t>
-            </a:r>
-          </a:p>
-          <a:p>
-            <a:pPr marL="0" indent="0" algn="ctr">
-              <a:buNone/>
-            </a:pPr>
-            <a:r>
-              <a:rPr kumimoji="1" lang="ja-JP" altLang="en-US" sz="23900" dirty="0">
-                <a:latin typeface="IPA Pゴシック" panose="020B0500000000000000" pitchFamily="50" charset="-128"/>
-                <a:ea typeface="IPA Pゴシック" panose="020B0500000000000000" pitchFamily="50" charset="-128"/>
-              </a:rPr>
-              <a:t>サイト</a:t>
-            </a:r>
+              <a:rPr kumimoji="1" lang="ja-JP" altLang="en-US" sz="28700" dirty="0">
+                <a:latin typeface="IPA Pゴシック" panose="020B0500000000000000" pitchFamily="50" charset="-128"/>
+                <a:ea typeface="IPA Pゴシック" panose="020B0500000000000000" pitchFamily="50" charset="-128"/>
+              </a:rPr>
+              <a:t>名刺よりも</a:t>
+            </a:r>
+            <a:endParaRPr kumimoji="1" lang="en-US" altLang="ja-JP" sz="28700" dirty="0">
+              <a:latin typeface="IPA Pゴシック" panose="020B0500000000000000" pitchFamily="50" charset="-128"/>
+              <a:ea typeface="IPA Pゴシック" panose="020B0500000000000000" pitchFamily="50" charset="-128"/>
+            </a:endParaRPr>
           </a:p>
         </p:txBody>
       </p:sp>
     </p:spTree>
     <p:extLst>
       <p:ext uri="{BB962C8B-B14F-4D97-AF65-F5344CB8AC3E}">
-        <p14:creationId xmlns:p14="http://schemas.microsoft.com/office/powerpoint/2010/main" val="1095943962"/>
+        <p14:creationId xmlns:p14="http://schemas.microsoft.com/office/powerpoint/2010/main" val="1633873813"/>
       </p:ext>
     </p:extLst>
   </p:cSld>
@@ -4211,7 +4227,7 @@
         </p:spPr>
         <p:txBody>
           <a:bodyPr>
-            <a:normAutofit fontScale="92500" lnSpcReduction="10000"/>
+            <a:normAutofit fontScale="70000" lnSpcReduction="20000"/>
           </a:bodyPr>
           <a:lstStyle/>
           <a:p>
@@ -4219,31 +4235,23 @@
               <a:buNone/>
             </a:pPr>
             <a:r>
-              <a:rPr kumimoji="1" lang="en-US" altLang="ja-JP" sz="23900" dirty="0">
-                <a:latin typeface="IPA Pゴシック" panose="020B0500000000000000" pitchFamily="50" charset="-128"/>
-                <a:ea typeface="IPA Pゴシック" panose="020B0500000000000000" pitchFamily="50" charset="-128"/>
-              </a:rPr>
-              <a:t>Web</a:t>
-            </a:r>
-          </a:p>
-          <a:p>
-            <a:pPr marL="0" indent="0" algn="ctr">
-              <a:buNone/>
-            </a:pPr>
-            <a:r>
-              <a:rPr kumimoji="1" lang="ja-JP" altLang="en-US" sz="23900" dirty="0">
-                <a:latin typeface="IPA Pゴシック" panose="020B0500000000000000" pitchFamily="50" charset="-128"/>
-                <a:ea typeface="IPA Pゴシック" panose="020B0500000000000000" pitchFamily="50" charset="-128"/>
-              </a:rPr>
-              <a:t>サイト</a:t>
-            </a:r>
+              <a:rPr lang="ja-JP" altLang="en-US" sz="23900" dirty="0">
+                <a:latin typeface="IPA Pゴシック" panose="020B0500000000000000" pitchFamily="50" charset="-128"/>
+                <a:ea typeface="IPA Pゴシック" panose="020B0500000000000000" pitchFamily="50" charset="-128"/>
+              </a:rPr>
+              <a:t>何をやってるか伝える場</a:t>
+            </a:r>
+            <a:endParaRPr kumimoji="1" lang="en-US" altLang="ja-JP" sz="23900" dirty="0">
+              <a:latin typeface="IPA Pゴシック" panose="020B0500000000000000" pitchFamily="50" charset="-128"/>
+              <a:ea typeface="IPA Pゴシック" panose="020B0500000000000000" pitchFamily="50" charset="-128"/>
+            </a:endParaRPr>
           </a:p>
         </p:txBody>
       </p:sp>
     </p:spTree>
     <p:extLst>
       <p:ext uri="{BB962C8B-B14F-4D97-AF65-F5344CB8AC3E}">
-        <p14:creationId xmlns:p14="http://schemas.microsoft.com/office/powerpoint/2010/main" val="3049206379"/>
+        <p14:creationId xmlns:p14="http://schemas.microsoft.com/office/powerpoint/2010/main" val="1095943962"/>
       </p:ext>
     </p:extLst>
   </p:cSld>
@@ -4385,24 +4393,32 @@
               <a:buNone/>
             </a:pPr>
             <a:r>
-              <a:rPr kumimoji="1" lang="en-US" altLang="ja-JP" sz="23900" dirty="0">
-                <a:latin typeface="IPA Pゴシック" panose="020B0500000000000000" pitchFamily="50" charset="-128"/>
-                <a:ea typeface="IPA Pゴシック" panose="020B0500000000000000" pitchFamily="50" charset="-128"/>
-              </a:rPr>
-              <a:t>Web</a:t>
-            </a:r>
-          </a:p>
-          <a:p>
-            <a:pPr marL="0" indent="0" algn="ctr">
-              <a:buNone/>
-            </a:pPr>
-            <a:r>
               <a:rPr kumimoji="1" lang="ja-JP" altLang="en-US" sz="23900" dirty="0">
                 <a:latin typeface="IPA Pゴシック" panose="020B0500000000000000" pitchFamily="50" charset="-128"/>
                 <a:ea typeface="IPA Pゴシック" panose="020B0500000000000000" pitchFamily="50" charset="-128"/>
               </a:rPr>
-              <a:t>サイト</a:t>
-            </a:r>
+              <a:t>仕事を</a:t>
+            </a:r>
+            <a:endParaRPr kumimoji="1" lang="en-US" altLang="ja-JP" sz="23900" dirty="0">
+              <a:latin typeface="IPA Pゴシック" panose="020B0500000000000000" pitchFamily="50" charset="-128"/>
+              <a:ea typeface="IPA Pゴシック" panose="020B0500000000000000" pitchFamily="50" charset="-128"/>
+            </a:endParaRPr>
+          </a:p>
+          <a:p>
+            <a:pPr marL="0" indent="0" algn="ctr">
+              <a:buNone/>
+            </a:pPr>
+            <a:r>
+              <a:rPr kumimoji="1" lang="ja-JP" altLang="en-US" sz="23900" dirty="0">
+                <a:latin typeface="IPA Pゴシック" panose="020B0500000000000000" pitchFamily="50" charset="-128"/>
+                <a:ea typeface="IPA Pゴシック" panose="020B0500000000000000" pitchFamily="50" charset="-128"/>
+              </a:rPr>
+              <a:t>見せる場</a:t>
+            </a:r>
+            <a:endParaRPr kumimoji="1" lang="en-US" altLang="ja-JP" sz="23900" dirty="0">
+              <a:latin typeface="IPA Pゴシック" panose="020B0500000000000000" pitchFamily="50" charset="-128"/>
+              <a:ea typeface="IPA Pゴシック" panose="020B0500000000000000" pitchFamily="50" charset="-128"/>
+            </a:endParaRPr>
           </a:p>
         </p:txBody>
       </p:sp>
@@ -4468,24 +4484,16 @@
               <a:buNone/>
             </a:pPr>
             <a:r>
-              <a:rPr kumimoji="1" lang="en-US" altLang="ja-JP" sz="23900" dirty="0">
-                <a:latin typeface="IPA Pゴシック" panose="020B0500000000000000" pitchFamily="50" charset="-128"/>
-                <a:ea typeface="IPA Pゴシック" panose="020B0500000000000000" pitchFamily="50" charset="-128"/>
-              </a:rPr>
-              <a:t>Web</a:t>
-            </a:r>
-          </a:p>
-          <a:p>
-            <a:pPr marL="0" indent="0" algn="ctr">
-              <a:buNone/>
-            </a:pPr>
-            <a:r>
-              <a:rPr kumimoji="1" lang="ja-JP" altLang="en-US" sz="23900" dirty="0">
-                <a:latin typeface="IPA Pゴシック" panose="020B0500000000000000" pitchFamily="50" charset="-128"/>
-                <a:ea typeface="IPA Pゴシック" panose="020B0500000000000000" pitchFamily="50" charset="-128"/>
-              </a:rPr>
-              <a:t>サイト</a:t>
-            </a:r>
+              <a:rPr lang="ja-JP" altLang="en-US" sz="23900" dirty="0">
+                <a:latin typeface="IPA Pゴシック" panose="020B0500000000000000" pitchFamily="50" charset="-128"/>
+                <a:ea typeface="IPA Pゴシック" panose="020B0500000000000000" pitchFamily="50" charset="-128"/>
+              </a:rPr>
+              <a:t>体験してもらう場</a:t>
+            </a:r>
+            <a:endParaRPr kumimoji="1" lang="en-US" altLang="ja-JP" sz="23900" dirty="0">
+              <a:latin typeface="IPA Pゴシック" panose="020B0500000000000000" pitchFamily="50" charset="-128"/>
+              <a:ea typeface="IPA Pゴシック" panose="020B0500000000000000" pitchFamily="50" charset="-128"/>
+            </a:endParaRPr>
           </a:p>
         </p:txBody>
       </p:sp>
@@ -4543,7 +4551,7 @@
         </p:spPr>
         <p:txBody>
           <a:bodyPr>
-            <a:normAutofit fontScale="92500" lnSpcReduction="10000"/>
+            <a:normAutofit fontScale="77500" lnSpcReduction="20000"/>
           </a:bodyPr>
           <a:lstStyle/>
           <a:p>
@@ -4551,24 +4559,16 @@
               <a:buNone/>
             </a:pPr>
             <a:r>
-              <a:rPr kumimoji="1" lang="en-US" altLang="ja-JP" sz="23900" dirty="0">
-                <a:latin typeface="IPA Pゴシック" panose="020B0500000000000000" pitchFamily="50" charset="-128"/>
-                <a:ea typeface="IPA Pゴシック" panose="020B0500000000000000" pitchFamily="50" charset="-128"/>
-              </a:rPr>
-              <a:t>Web</a:t>
-            </a:r>
-          </a:p>
-          <a:p>
-            <a:pPr marL="0" indent="0" algn="ctr">
-              <a:buNone/>
-            </a:pPr>
-            <a:r>
-              <a:rPr kumimoji="1" lang="ja-JP" altLang="en-US" sz="23900" dirty="0">
-                <a:latin typeface="IPA Pゴシック" panose="020B0500000000000000" pitchFamily="50" charset="-128"/>
-                <a:ea typeface="IPA Pゴシック" panose="020B0500000000000000" pitchFamily="50" charset="-128"/>
-              </a:rPr>
-              <a:t>サイト</a:t>
-            </a:r>
+              <a:rPr lang="ja-JP" altLang="en-US" sz="23900" dirty="0">
+                <a:latin typeface="IPA Pゴシック" panose="020B0500000000000000" pitchFamily="50" charset="-128"/>
+                <a:ea typeface="IPA Pゴシック" panose="020B0500000000000000" pitchFamily="50" charset="-128"/>
+              </a:rPr>
+              <a:t>何を書けば いいの？</a:t>
+            </a:r>
+            <a:endParaRPr kumimoji="1" lang="en-US" altLang="ja-JP" sz="23900" dirty="0">
+              <a:latin typeface="IPA Pゴシック" panose="020B0500000000000000" pitchFamily="50" charset="-128"/>
+              <a:ea typeface="IPA Pゴシック" panose="020B0500000000000000" pitchFamily="50" charset="-128"/>
+            </a:endParaRPr>
           </a:p>
         </p:txBody>
       </p:sp>
@@ -4709,7 +4709,7 @@
         </p:spPr>
         <p:txBody>
           <a:bodyPr>
-            <a:normAutofit fontScale="92500" lnSpcReduction="10000"/>
+            <a:normAutofit fontScale="85000" lnSpcReduction="10000"/>
           </a:bodyPr>
           <a:lstStyle/>
           <a:p>
@@ -4717,24 +4717,16 @@
               <a:buNone/>
             </a:pPr>
             <a:r>
-              <a:rPr kumimoji="1" lang="en-US" altLang="ja-JP" sz="23900" dirty="0">
-                <a:latin typeface="IPA Pゴシック" panose="020B0500000000000000" pitchFamily="50" charset="-128"/>
-                <a:ea typeface="IPA Pゴシック" panose="020B0500000000000000" pitchFamily="50" charset="-128"/>
-              </a:rPr>
-              <a:t>Web</a:t>
-            </a:r>
-          </a:p>
-          <a:p>
-            <a:pPr marL="0" indent="0" algn="ctr">
-              <a:buNone/>
-            </a:pPr>
-            <a:r>
-              <a:rPr kumimoji="1" lang="ja-JP" altLang="en-US" sz="23900" dirty="0">
-                <a:latin typeface="IPA Pゴシック" panose="020B0500000000000000" pitchFamily="50" charset="-128"/>
-                <a:ea typeface="IPA Pゴシック" panose="020B0500000000000000" pitchFamily="50" charset="-128"/>
-              </a:rPr>
-              <a:t>サイト</a:t>
-            </a:r>
+              <a:rPr lang="ja-JP" altLang="en-US" sz="23900" dirty="0">
+                <a:latin typeface="IPA Pゴシック" panose="020B0500000000000000" pitchFamily="50" charset="-128"/>
+                <a:ea typeface="IPA Pゴシック" panose="020B0500000000000000" pitchFamily="50" charset="-128"/>
+              </a:rPr>
+              <a:t>テーマごとにわける</a:t>
+            </a:r>
+            <a:endParaRPr kumimoji="1" lang="en-US" altLang="ja-JP" sz="23900" dirty="0">
+              <a:latin typeface="IPA Pゴシック" panose="020B0500000000000000" pitchFamily="50" charset="-128"/>
+              <a:ea typeface="IPA Pゴシック" panose="020B0500000000000000" pitchFamily="50" charset="-128"/>
+            </a:endParaRPr>
           </a:p>
         </p:txBody>
       </p:sp>
@@ -4800,31 +4792,23 @@
               <a:buNone/>
             </a:pPr>
             <a:r>
-              <a:rPr kumimoji="1" lang="en-US" altLang="ja-JP" sz="23900" dirty="0">
-                <a:latin typeface="IPA Pゴシック" panose="020B0500000000000000" pitchFamily="50" charset="-128"/>
-                <a:ea typeface="IPA Pゴシック" panose="020B0500000000000000" pitchFamily="50" charset="-128"/>
-              </a:rPr>
-              <a:t>Web</a:t>
-            </a:r>
-          </a:p>
-          <a:p>
-            <a:pPr marL="0" indent="0" algn="ctr">
-              <a:buNone/>
-            </a:pPr>
-            <a:r>
-              <a:rPr kumimoji="1" lang="ja-JP" altLang="en-US" sz="23900" dirty="0">
-                <a:latin typeface="IPA Pゴシック" panose="020B0500000000000000" pitchFamily="50" charset="-128"/>
-                <a:ea typeface="IPA Pゴシック" panose="020B0500000000000000" pitchFamily="50" charset="-128"/>
-              </a:rPr>
-              <a:t>サイト</a:t>
-            </a:r>
+              <a:rPr lang="ja-JP" altLang="en-US" sz="23900" dirty="0">
+                <a:latin typeface="IPA Pゴシック" panose="020B0500000000000000" pitchFamily="50" charset="-128"/>
+                <a:ea typeface="IPA Pゴシック" panose="020B0500000000000000" pitchFamily="50" charset="-128"/>
+              </a:rPr>
+              <a:t>あなたのビジネス</a:t>
+            </a:r>
+            <a:endParaRPr kumimoji="1" lang="en-US" altLang="ja-JP" sz="23900" dirty="0">
+              <a:latin typeface="IPA Pゴシック" panose="020B0500000000000000" pitchFamily="50" charset="-128"/>
+              <a:ea typeface="IPA Pゴシック" panose="020B0500000000000000" pitchFamily="50" charset="-128"/>
+            </a:endParaRPr>
           </a:p>
         </p:txBody>
       </p:sp>
     </p:spTree>
     <p:extLst>
       <p:ext uri="{BB962C8B-B14F-4D97-AF65-F5344CB8AC3E}">
-        <p14:creationId xmlns:p14="http://schemas.microsoft.com/office/powerpoint/2010/main" val="2599799899"/>
+        <p14:creationId xmlns:p14="http://schemas.microsoft.com/office/powerpoint/2010/main" val="488091782"/>
       </p:ext>
     </p:extLst>
   </p:cSld>
@@ -4875,7 +4859,7 @@
         </p:spPr>
         <p:txBody>
           <a:bodyPr>
-            <a:normAutofit fontScale="92500" lnSpcReduction="10000"/>
+            <a:normAutofit fontScale="85000" lnSpcReduction="10000"/>
           </a:bodyPr>
           <a:lstStyle/>
           <a:p>
@@ -4883,31 +4867,39 @@
               <a:buNone/>
             </a:pPr>
             <a:r>
-              <a:rPr kumimoji="1" lang="en-US" altLang="ja-JP" sz="23900" dirty="0">
-                <a:latin typeface="IPA Pゴシック" panose="020B0500000000000000" pitchFamily="50" charset="-128"/>
-                <a:ea typeface="IPA Pゴシック" panose="020B0500000000000000" pitchFamily="50" charset="-128"/>
-              </a:rPr>
-              <a:t>Web</a:t>
-            </a:r>
-          </a:p>
-          <a:p>
-            <a:pPr marL="0" indent="0" algn="ctr">
-              <a:buNone/>
-            </a:pPr>
-            <a:r>
-              <a:rPr kumimoji="1" lang="ja-JP" altLang="en-US" sz="23900" dirty="0">
-                <a:latin typeface="IPA Pゴシック" panose="020B0500000000000000" pitchFamily="50" charset="-128"/>
-                <a:ea typeface="IPA Pゴシック" panose="020B0500000000000000" pitchFamily="50" charset="-128"/>
-              </a:rPr>
-              <a:t>サイト</a:t>
-            </a:r>
+              <a:rPr lang="ja-JP" altLang="en-US" sz="23900" dirty="0">
+                <a:latin typeface="IPA Pゴシック" panose="020B0500000000000000" pitchFamily="50" charset="-128"/>
+                <a:ea typeface="IPA Pゴシック" panose="020B0500000000000000" pitchFamily="50" charset="-128"/>
+              </a:rPr>
+              <a:t>あなたは</a:t>
+            </a:r>
+            <a:endParaRPr lang="en-US" altLang="ja-JP" sz="23900" dirty="0">
+              <a:latin typeface="IPA Pゴシック" panose="020B0500000000000000" pitchFamily="50" charset="-128"/>
+              <a:ea typeface="IPA Pゴシック" panose="020B0500000000000000" pitchFamily="50" charset="-128"/>
+            </a:endParaRPr>
+          </a:p>
+          <a:p>
+            <a:pPr marL="0" indent="0" algn="ctr">
+              <a:buNone/>
+            </a:pPr>
+            <a:r>
+              <a:rPr lang="ja-JP" altLang="en-US" sz="23900" dirty="0">
+                <a:latin typeface="IPA Pゴシック" panose="020B0500000000000000" pitchFamily="50" charset="-128"/>
+                <a:ea typeface="IPA Pゴシック" panose="020B0500000000000000" pitchFamily="50" charset="-128"/>
+              </a:rPr>
+              <a:t>どんな人？</a:t>
+            </a:r>
+            <a:endParaRPr kumimoji="1" lang="en-US" altLang="ja-JP" sz="23900" dirty="0">
+              <a:latin typeface="IPA Pゴシック" panose="020B0500000000000000" pitchFamily="50" charset="-128"/>
+              <a:ea typeface="IPA Pゴシック" panose="020B0500000000000000" pitchFamily="50" charset="-128"/>
+            </a:endParaRPr>
           </a:p>
         </p:txBody>
       </p:sp>
     </p:spTree>
     <p:extLst>
       <p:ext uri="{BB962C8B-B14F-4D97-AF65-F5344CB8AC3E}">
-        <p14:creationId xmlns:p14="http://schemas.microsoft.com/office/powerpoint/2010/main" val="488091782"/>
+        <p14:creationId xmlns:p14="http://schemas.microsoft.com/office/powerpoint/2010/main" val="2984774353"/>
       </p:ext>
     </p:extLst>
   </p:cSld>
@@ -4952,13 +4944,13 @@
         </p:nvSpPr>
         <p:spPr>
           <a:xfrm>
-            <a:off x="0" y="1119116"/>
-            <a:ext cx="12192000" cy="5738883"/>
+            <a:off x="0" y="477078"/>
+            <a:ext cx="12192000" cy="6380921"/>
           </a:xfrm>
         </p:spPr>
         <p:txBody>
           <a:bodyPr>
-            <a:normAutofit fontScale="92500" lnSpcReduction="10000"/>
+            <a:normAutofit fontScale="77500" lnSpcReduction="20000"/>
           </a:bodyPr>
           <a:lstStyle/>
           <a:p>
@@ -4966,31 +4958,23 @@
               <a:buNone/>
             </a:pPr>
             <a:r>
-              <a:rPr kumimoji="1" lang="en-US" altLang="ja-JP" sz="23900" dirty="0">
-                <a:latin typeface="IPA Pゴシック" panose="020B0500000000000000" pitchFamily="50" charset="-128"/>
-                <a:ea typeface="IPA Pゴシック" panose="020B0500000000000000" pitchFamily="50" charset="-128"/>
-              </a:rPr>
-              <a:t>Web</a:t>
-            </a:r>
-          </a:p>
-          <a:p>
-            <a:pPr marL="0" indent="0" algn="ctr">
-              <a:buNone/>
-            </a:pPr>
-            <a:r>
-              <a:rPr kumimoji="1" lang="ja-JP" altLang="en-US" sz="23900" dirty="0">
-                <a:latin typeface="IPA Pゴシック" panose="020B0500000000000000" pitchFamily="50" charset="-128"/>
-                <a:ea typeface="IPA Pゴシック" panose="020B0500000000000000" pitchFamily="50" charset="-128"/>
-              </a:rPr>
-              <a:t>サイト</a:t>
-            </a:r>
+              <a:rPr lang="ja-JP" altLang="en-US" sz="23900" dirty="0">
+                <a:latin typeface="IPA Pゴシック" panose="020B0500000000000000" pitchFamily="50" charset="-128"/>
+                <a:ea typeface="IPA Pゴシック" panose="020B0500000000000000" pitchFamily="50" charset="-128"/>
+              </a:rPr>
+              <a:t>どうしてそのビジネスをするの？</a:t>
+            </a:r>
+            <a:endParaRPr kumimoji="1" lang="en-US" altLang="ja-JP" sz="23900" dirty="0">
+              <a:latin typeface="IPA Pゴシック" panose="020B0500000000000000" pitchFamily="50" charset="-128"/>
+              <a:ea typeface="IPA Pゴシック" panose="020B0500000000000000" pitchFamily="50" charset="-128"/>
+            </a:endParaRPr>
           </a:p>
         </p:txBody>
       </p:sp>
     </p:spTree>
     <p:extLst>
       <p:ext uri="{BB962C8B-B14F-4D97-AF65-F5344CB8AC3E}">
-        <p14:creationId xmlns:p14="http://schemas.microsoft.com/office/powerpoint/2010/main" val="2984774353"/>
+        <p14:creationId xmlns:p14="http://schemas.microsoft.com/office/powerpoint/2010/main" val="2171546847"/>
       </p:ext>
     </p:extLst>
   </p:cSld>
@@ -5035,13 +5019,13 @@
         </p:nvSpPr>
         <p:spPr>
           <a:xfrm>
-            <a:off x="0" y="1119116"/>
-            <a:ext cx="12192000" cy="5738883"/>
+            <a:off x="0" y="0"/>
+            <a:ext cx="12192000" cy="6857999"/>
           </a:xfrm>
         </p:spPr>
         <p:txBody>
           <a:bodyPr>
-            <a:normAutofit fontScale="92500" lnSpcReduction="10000"/>
+            <a:normAutofit/>
           </a:bodyPr>
           <a:lstStyle/>
           <a:p>
@@ -5049,31 +5033,39 @@
               <a:buNone/>
             </a:pPr>
             <a:r>
-              <a:rPr kumimoji="1" lang="en-US" altLang="ja-JP" sz="23900" dirty="0">
-                <a:latin typeface="IPA Pゴシック" panose="020B0500000000000000" pitchFamily="50" charset="-128"/>
-                <a:ea typeface="IPA Pゴシック" panose="020B0500000000000000" pitchFamily="50" charset="-128"/>
-              </a:rPr>
-              <a:t>Web</a:t>
-            </a:r>
-          </a:p>
-          <a:p>
-            <a:pPr marL="0" indent="0" algn="ctr">
-              <a:buNone/>
-            </a:pPr>
-            <a:r>
-              <a:rPr kumimoji="1" lang="ja-JP" altLang="en-US" sz="23900" dirty="0">
-                <a:latin typeface="IPA Pゴシック" panose="020B0500000000000000" pitchFamily="50" charset="-128"/>
-                <a:ea typeface="IPA Pゴシック" panose="020B0500000000000000" pitchFamily="50" charset="-128"/>
-              </a:rPr>
-              <a:t>サイト</a:t>
-            </a:r>
+              <a:rPr lang="ja-JP" altLang="en-US" sz="23900" dirty="0">
+                <a:latin typeface="IPA Pゴシック" panose="020B0500000000000000" pitchFamily="50" charset="-128"/>
+                <a:ea typeface="IPA Pゴシック" panose="020B0500000000000000" pitchFamily="50" charset="-128"/>
+              </a:rPr>
+              <a:t>連絡</a:t>
+            </a:r>
+            <a:endParaRPr lang="en-US" altLang="ja-JP" sz="23900" dirty="0">
+              <a:latin typeface="IPA Pゴシック" panose="020B0500000000000000" pitchFamily="50" charset="-128"/>
+              <a:ea typeface="IPA Pゴシック" panose="020B0500000000000000" pitchFamily="50" charset="-128"/>
+            </a:endParaRPr>
+          </a:p>
+          <a:p>
+            <a:pPr marL="0" indent="0" algn="ctr">
+              <a:buNone/>
+            </a:pPr>
+            <a:r>
+              <a:rPr lang="ja-JP" altLang="en-US" sz="23900" dirty="0">
+                <a:latin typeface="IPA Pゴシック" panose="020B0500000000000000" pitchFamily="50" charset="-128"/>
+                <a:ea typeface="IPA Pゴシック" panose="020B0500000000000000" pitchFamily="50" charset="-128"/>
+              </a:rPr>
+              <a:t>方法</a:t>
+            </a:r>
+            <a:endParaRPr kumimoji="1" lang="en-US" altLang="ja-JP" sz="23900" dirty="0">
+              <a:latin typeface="IPA Pゴシック" panose="020B0500000000000000" pitchFamily="50" charset="-128"/>
+              <a:ea typeface="IPA Pゴシック" panose="020B0500000000000000" pitchFamily="50" charset="-128"/>
+            </a:endParaRPr>
           </a:p>
         </p:txBody>
       </p:sp>
     </p:spTree>
     <p:extLst>
       <p:ext uri="{BB962C8B-B14F-4D97-AF65-F5344CB8AC3E}">
-        <p14:creationId xmlns:p14="http://schemas.microsoft.com/office/powerpoint/2010/main" val="2171546847"/>
+        <p14:creationId xmlns:p14="http://schemas.microsoft.com/office/powerpoint/2010/main" val="2599799899"/>
       </p:ext>
     </p:extLst>
   </p:cSld>
@@ -5166,6 +5158,338 @@
 </p:sld>
 </file>
 
+<file path=ppt/slides/slide26.xml><?xml version="1.0" encoding="utf-8"?>
+<p:sld xmlns:a="http://schemas.openxmlformats.org/drawingml/2006/main" xmlns:r="http://schemas.openxmlformats.org/officeDocument/2006/relationships" xmlns:p="http://schemas.openxmlformats.org/presentationml/2006/main">
+  <p:cSld>
+    <p:spTree>
+      <p:nvGrpSpPr>
+        <p:cNvPr id="1" name=""/>
+        <p:cNvGrpSpPr/>
+        <p:nvPr/>
+      </p:nvGrpSpPr>
+      <p:grpSpPr>
+        <a:xfrm>
+          <a:off x="0" y="0"/>
+          <a:ext cx="0" cy="0"/>
+          <a:chOff x="0" y="0"/>
+          <a:chExt cx="0" cy="0"/>
+        </a:xfrm>
+      </p:grpSpPr>
+      <p:sp>
+        <p:nvSpPr>
+          <p:cNvPr id="3" name="コンテンツ プレースホルダー 2">
+            <a:extLst>
+              <a:ext uri="{FF2B5EF4-FFF2-40B4-BE49-F238E27FC236}">
+                <a16:creationId xmlns:a16="http://schemas.microsoft.com/office/drawing/2014/main" id="{C2114DFB-0173-46EA-B6AC-D191047C1DEA}"/>
+              </a:ext>
+            </a:extLst>
+          </p:cNvPr>
+          <p:cNvSpPr>
+            <a:spLocks noGrp="1"/>
+          </p:cNvSpPr>
+          <p:nvPr>
+            <p:ph idx="1"/>
+          </p:nvPr>
+        </p:nvSpPr>
+        <p:spPr>
+          <a:xfrm>
+            <a:off x="0" y="1119116"/>
+            <a:ext cx="12192000" cy="5738883"/>
+          </a:xfrm>
+        </p:spPr>
+        <p:txBody>
+          <a:bodyPr>
+            <a:normAutofit fontScale="92500" lnSpcReduction="10000"/>
+          </a:bodyPr>
+          <a:lstStyle/>
+          <a:p>
+            <a:pPr marL="0" indent="0" algn="ctr">
+              <a:buNone/>
+            </a:pPr>
+            <a:r>
+              <a:rPr kumimoji="1" lang="en-US" altLang="ja-JP" sz="23900" dirty="0">
+                <a:latin typeface="IPA Pゴシック" panose="020B0500000000000000" pitchFamily="50" charset="-128"/>
+                <a:ea typeface="IPA Pゴシック" panose="020B0500000000000000" pitchFamily="50" charset="-128"/>
+              </a:rPr>
+              <a:t>Web</a:t>
+            </a:r>
+          </a:p>
+          <a:p>
+            <a:pPr marL="0" indent="0" algn="ctr">
+              <a:buNone/>
+            </a:pPr>
+            <a:r>
+              <a:rPr kumimoji="1" lang="ja-JP" altLang="en-US" sz="23900" dirty="0">
+                <a:latin typeface="IPA Pゴシック" panose="020B0500000000000000" pitchFamily="50" charset="-128"/>
+                <a:ea typeface="IPA Pゴシック" panose="020B0500000000000000" pitchFamily="50" charset="-128"/>
+              </a:rPr>
+              <a:t>サイト</a:t>
+            </a:r>
+          </a:p>
+        </p:txBody>
+      </p:sp>
+    </p:spTree>
+    <p:extLst>
+      <p:ext uri="{BB962C8B-B14F-4D97-AF65-F5344CB8AC3E}">
+        <p14:creationId xmlns:p14="http://schemas.microsoft.com/office/powerpoint/2010/main" val="373288237"/>
+      </p:ext>
+    </p:extLst>
+  </p:cSld>
+  <p:clrMapOvr>
+    <a:masterClrMapping/>
+  </p:clrMapOvr>
+</p:sld>
+</file>
+
+<file path=ppt/slides/slide27.xml><?xml version="1.0" encoding="utf-8"?>
+<p:sld xmlns:a="http://schemas.openxmlformats.org/drawingml/2006/main" xmlns:r="http://schemas.openxmlformats.org/officeDocument/2006/relationships" xmlns:p="http://schemas.openxmlformats.org/presentationml/2006/main">
+  <p:cSld>
+    <p:spTree>
+      <p:nvGrpSpPr>
+        <p:cNvPr id="1" name=""/>
+        <p:cNvGrpSpPr/>
+        <p:nvPr/>
+      </p:nvGrpSpPr>
+      <p:grpSpPr>
+        <a:xfrm>
+          <a:off x="0" y="0"/>
+          <a:ext cx="0" cy="0"/>
+          <a:chOff x="0" y="0"/>
+          <a:chExt cx="0" cy="0"/>
+        </a:xfrm>
+      </p:grpSpPr>
+      <p:sp>
+        <p:nvSpPr>
+          <p:cNvPr id="3" name="コンテンツ プレースホルダー 2">
+            <a:extLst>
+              <a:ext uri="{FF2B5EF4-FFF2-40B4-BE49-F238E27FC236}">
+                <a16:creationId xmlns:a16="http://schemas.microsoft.com/office/drawing/2014/main" id="{C2114DFB-0173-46EA-B6AC-D191047C1DEA}"/>
+              </a:ext>
+            </a:extLst>
+          </p:cNvPr>
+          <p:cNvSpPr>
+            <a:spLocks noGrp="1"/>
+          </p:cNvSpPr>
+          <p:nvPr>
+            <p:ph idx="1"/>
+          </p:nvPr>
+        </p:nvSpPr>
+        <p:spPr>
+          <a:xfrm>
+            <a:off x="0" y="1119116"/>
+            <a:ext cx="12192000" cy="5738883"/>
+          </a:xfrm>
+        </p:spPr>
+        <p:txBody>
+          <a:bodyPr>
+            <a:normAutofit fontScale="92500" lnSpcReduction="10000"/>
+          </a:bodyPr>
+          <a:lstStyle/>
+          <a:p>
+            <a:pPr marL="0" indent="0" algn="ctr">
+              <a:buNone/>
+            </a:pPr>
+            <a:r>
+              <a:rPr kumimoji="1" lang="en-US" altLang="ja-JP" sz="23900" dirty="0">
+                <a:latin typeface="IPA Pゴシック" panose="020B0500000000000000" pitchFamily="50" charset="-128"/>
+                <a:ea typeface="IPA Pゴシック" panose="020B0500000000000000" pitchFamily="50" charset="-128"/>
+              </a:rPr>
+              <a:t>Web</a:t>
+            </a:r>
+          </a:p>
+          <a:p>
+            <a:pPr marL="0" indent="0" algn="ctr">
+              <a:buNone/>
+            </a:pPr>
+            <a:r>
+              <a:rPr kumimoji="1" lang="ja-JP" altLang="en-US" sz="23900" dirty="0">
+                <a:latin typeface="IPA Pゴシック" panose="020B0500000000000000" pitchFamily="50" charset="-128"/>
+                <a:ea typeface="IPA Pゴシック" panose="020B0500000000000000" pitchFamily="50" charset="-128"/>
+              </a:rPr>
+              <a:t>サイト</a:t>
+            </a:r>
+          </a:p>
+        </p:txBody>
+      </p:sp>
+    </p:spTree>
+    <p:extLst>
+      <p:ext uri="{BB962C8B-B14F-4D97-AF65-F5344CB8AC3E}">
+        <p14:creationId xmlns:p14="http://schemas.microsoft.com/office/powerpoint/2010/main" val="563254307"/>
+      </p:ext>
+    </p:extLst>
+  </p:cSld>
+  <p:clrMapOvr>
+    <a:masterClrMapping/>
+  </p:clrMapOvr>
+</p:sld>
+</file>
+
+<file path=ppt/slides/slide28.xml><?xml version="1.0" encoding="utf-8"?>
+<p:sld xmlns:a="http://schemas.openxmlformats.org/drawingml/2006/main" xmlns:r="http://schemas.openxmlformats.org/officeDocument/2006/relationships" xmlns:p="http://schemas.openxmlformats.org/presentationml/2006/main">
+  <p:cSld>
+    <p:spTree>
+      <p:nvGrpSpPr>
+        <p:cNvPr id="1" name=""/>
+        <p:cNvGrpSpPr/>
+        <p:nvPr/>
+      </p:nvGrpSpPr>
+      <p:grpSpPr>
+        <a:xfrm>
+          <a:off x="0" y="0"/>
+          <a:ext cx="0" cy="0"/>
+          <a:chOff x="0" y="0"/>
+          <a:chExt cx="0" cy="0"/>
+        </a:xfrm>
+      </p:grpSpPr>
+      <p:sp>
+        <p:nvSpPr>
+          <p:cNvPr id="3" name="コンテンツ プレースホルダー 2">
+            <a:extLst>
+              <a:ext uri="{FF2B5EF4-FFF2-40B4-BE49-F238E27FC236}">
+                <a16:creationId xmlns:a16="http://schemas.microsoft.com/office/drawing/2014/main" id="{C2114DFB-0173-46EA-B6AC-D191047C1DEA}"/>
+              </a:ext>
+            </a:extLst>
+          </p:cNvPr>
+          <p:cNvSpPr>
+            <a:spLocks noGrp="1"/>
+          </p:cNvSpPr>
+          <p:nvPr>
+            <p:ph idx="1"/>
+          </p:nvPr>
+        </p:nvSpPr>
+        <p:spPr>
+          <a:xfrm>
+            <a:off x="0" y="1119116"/>
+            <a:ext cx="12192000" cy="5738883"/>
+          </a:xfrm>
+        </p:spPr>
+        <p:txBody>
+          <a:bodyPr>
+            <a:normAutofit fontScale="92500" lnSpcReduction="10000"/>
+          </a:bodyPr>
+          <a:lstStyle/>
+          <a:p>
+            <a:pPr marL="0" indent="0" algn="ctr">
+              <a:buNone/>
+            </a:pPr>
+            <a:r>
+              <a:rPr kumimoji="1" lang="en-US" altLang="ja-JP" sz="23900" dirty="0">
+                <a:latin typeface="IPA Pゴシック" panose="020B0500000000000000" pitchFamily="50" charset="-128"/>
+                <a:ea typeface="IPA Pゴシック" panose="020B0500000000000000" pitchFamily="50" charset="-128"/>
+              </a:rPr>
+              <a:t>Web</a:t>
+            </a:r>
+          </a:p>
+          <a:p>
+            <a:pPr marL="0" indent="0" algn="ctr">
+              <a:buNone/>
+            </a:pPr>
+            <a:r>
+              <a:rPr kumimoji="1" lang="ja-JP" altLang="en-US" sz="23900" dirty="0">
+                <a:latin typeface="IPA Pゴシック" panose="020B0500000000000000" pitchFamily="50" charset="-128"/>
+                <a:ea typeface="IPA Pゴシック" panose="020B0500000000000000" pitchFamily="50" charset="-128"/>
+              </a:rPr>
+              <a:t>サイト</a:t>
+            </a:r>
+          </a:p>
+        </p:txBody>
+      </p:sp>
+    </p:spTree>
+    <p:extLst>
+      <p:ext uri="{BB962C8B-B14F-4D97-AF65-F5344CB8AC3E}">
+        <p14:creationId xmlns:p14="http://schemas.microsoft.com/office/powerpoint/2010/main" val="221316623"/>
+      </p:ext>
+    </p:extLst>
+  </p:cSld>
+  <p:clrMapOvr>
+    <a:masterClrMapping/>
+  </p:clrMapOvr>
+</p:sld>
+</file>
+
+<file path=ppt/slides/slide29.xml><?xml version="1.0" encoding="utf-8"?>
+<p:sld xmlns:a="http://schemas.openxmlformats.org/drawingml/2006/main" xmlns:r="http://schemas.openxmlformats.org/officeDocument/2006/relationships" xmlns:p="http://schemas.openxmlformats.org/presentationml/2006/main">
+  <p:cSld>
+    <p:spTree>
+      <p:nvGrpSpPr>
+        <p:cNvPr id="1" name=""/>
+        <p:cNvGrpSpPr/>
+        <p:nvPr/>
+      </p:nvGrpSpPr>
+      <p:grpSpPr>
+        <a:xfrm>
+          <a:off x="0" y="0"/>
+          <a:ext cx="0" cy="0"/>
+          <a:chOff x="0" y="0"/>
+          <a:chExt cx="0" cy="0"/>
+        </a:xfrm>
+      </p:grpSpPr>
+      <p:sp>
+        <p:nvSpPr>
+          <p:cNvPr id="3" name="コンテンツ プレースホルダー 2">
+            <a:extLst>
+              <a:ext uri="{FF2B5EF4-FFF2-40B4-BE49-F238E27FC236}">
+                <a16:creationId xmlns:a16="http://schemas.microsoft.com/office/drawing/2014/main" id="{C2114DFB-0173-46EA-B6AC-D191047C1DEA}"/>
+              </a:ext>
+            </a:extLst>
+          </p:cNvPr>
+          <p:cNvSpPr>
+            <a:spLocks noGrp="1"/>
+          </p:cNvSpPr>
+          <p:nvPr>
+            <p:ph idx="1"/>
+          </p:nvPr>
+        </p:nvSpPr>
+        <p:spPr>
+          <a:xfrm>
+            <a:off x="0" y="1119116"/>
+            <a:ext cx="12192000" cy="5738883"/>
+          </a:xfrm>
+        </p:spPr>
+        <p:txBody>
+          <a:bodyPr>
+            <a:normAutofit fontScale="92500" lnSpcReduction="10000"/>
+          </a:bodyPr>
+          <a:lstStyle/>
+          <a:p>
+            <a:pPr marL="0" indent="0" algn="ctr">
+              <a:buNone/>
+            </a:pPr>
+            <a:r>
+              <a:rPr kumimoji="1" lang="en-US" altLang="ja-JP" sz="23900" dirty="0">
+                <a:latin typeface="IPA Pゴシック" panose="020B0500000000000000" pitchFamily="50" charset="-128"/>
+                <a:ea typeface="IPA Pゴシック" panose="020B0500000000000000" pitchFamily="50" charset="-128"/>
+              </a:rPr>
+              <a:t>Web</a:t>
+            </a:r>
+          </a:p>
+          <a:p>
+            <a:pPr marL="0" indent="0" algn="ctr">
+              <a:buNone/>
+            </a:pPr>
+            <a:r>
+              <a:rPr kumimoji="1" lang="ja-JP" altLang="en-US" sz="23900" dirty="0">
+                <a:latin typeface="IPA Pゴシック" panose="020B0500000000000000" pitchFamily="50" charset="-128"/>
+                <a:ea typeface="IPA Pゴシック" panose="020B0500000000000000" pitchFamily="50" charset="-128"/>
+              </a:rPr>
+              <a:t>サイト</a:t>
+            </a:r>
+          </a:p>
+        </p:txBody>
+      </p:sp>
+    </p:spTree>
+    <p:extLst>
+      <p:ext uri="{BB962C8B-B14F-4D97-AF65-F5344CB8AC3E}">
+        <p14:creationId xmlns:p14="http://schemas.microsoft.com/office/powerpoint/2010/main" val="98458403"/>
+      </p:ext>
+    </p:extLst>
+  </p:cSld>
+  <p:clrMapOvr>
+    <a:masterClrMapping/>
+  </p:clrMapOvr>
+</p:sld>
+</file>
+
 <file path=ppt/slides/slide3.xml><?xml version="1.0" encoding="utf-8"?>
 <p:sld xmlns:a="http://schemas.openxmlformats.org/drawingml/2006/main" xmlns:r="http://schemas.openxmlformats.org/officeDocument/2006/relationships" xmlns:p="http://schemas.openxmlformats.org/presentationml/2006/main" show="0">
   <p:cSld>
@@ -5240,6 +5564,836 @@
     <p:extLst>
       <p:ext uri="{BB962C8B-B14F-4D97-AF65-F5344CB8AC3E}">
         <p14:creationId xmlns:p14="http://schemas.microsoft.com/office/powerpoint/2010/main" val="1483802331"/>
+      </p:ext>
+    </p:extLst>
+  </p:cSld>
+  <p:clrMapOvr>
+    <a:masterClrMapping/>
+  </p:clrMapOvr>
+</p:sld>
+</file>
+
+<file path=ppt/slides/slide30.xml><?xml version="1.0" encoding="utf-8"?>
+<p:sld xmlns:a="http://schemas.openxmlformats.org/drawingml/2006/main" xmlns:r="http://schemas.openxmlformats.org/officeDocument/2006/relationships" xmlns:p="http://schemas.openxmlformats.org/presentationml/2006/main">
+  <p:cSld>
+    <p:spTree>
+      <p:nvGrpSpPr>
+        <p:cNvPr id="1" name=""/>
+        <p:cNvGrpSpPr/>
+        <p:nvPr/>
+      </p:nvGrpSpPr>
+      <p:grpSpPr>
+        <a:xfrm>
+          <a:off x="0" y="0"/>
+          <a:ext cx="0" cy="0"/>
+          <a:chOff x="0" y="0"/>
+          <a:chExt cx="0" cy="0"/>
+        </a:xfrm>
+      </p:grpSpPr>
+      <p:sp>
+        <p:nvSpPr>
+          <p:cNvPr id="3" name="コンテンツ プレースホルダー 2">
+            <a:extLst>
+              <a:ext uri="{FF2B5EF4-FFF2-40B4-BE49-F238E27FC236}">
+                <a16:creationId xmlns:a16="http://schemas.microsoft.com/office/drawing/2014/main" id="{C2114DFB-0173-46EA-B6AC-D191047C1DEA}"/>
+              </a:ext>
+            </a:extLst>
+          </p:cNvPr>
+          <p:cNvSpPr>
+            <a:spLocks noGrp="1"/>
+          </p:cNvSpPr>
+          <p:nvPr>
+            <p:ph idx="1"/>
+          </p:nvPr>
+        </p:nvSpPr>
+        <p:spPr>
+          <a:xfrm>
+            <a:off x="0" y="1119116"/>
+            <a:ext cx="12192000" cy="5738883"/>
+          </a:xfrm>
+        </p:spPr>
+        <p:txBody>
+          <a:bodyPr>
+            <a:normAutofit fontScale="92500" lnSpcReduction="10000"/>
+          </a:bodyPr>
+          <a:lstStyle/>
+          <a:p>
+            <a:pPr marL="0" indent="0" algn="ctr">
+              <a:buNone/>
+            </a:pPr>
+            <a:r>
+              <a:rPr kumimoji="1" lang="en-US" altLang="ja-JP" sz="23900" dirty="0">
+                <a:latin typeface="IPA Pゴシック" panose="020B0500000000000000" pitchFamily="50" charset="-128"/>
+                <a:ea typeface="IPA Pゴシック" panose="020B0500000000000000" pitchFamily="50" charset="-128"/>
+              </a:rPr>
+              <a:t>Web</a:t>
+            </a:r>
+          </a:p>
+          <a:p>
+            <a:pPr marL="0" indent="0" algn="ctr">
+              <a:buNone/>
+            </a:pPr>
+            <a:r>
+              <a:rPr kumimoji="1" lang="ja-JP" altLang="en-US" sz="23900" dirty="0">
+                <a:latin typeface="IPA Pゴシック" panose="020B0500000000000000" pitchFamily="50" charset="-128"/>
+                <a:ea typeface="IPA Pゴシック" panose="020B0500000000000000" pitchFamily="50" charset="-128"/>
+              </a:rPr>
+              <a:t>サイト</a:t>
+            </a:r>
+          </a:p>
+        </p:txBody>
+      </p:sp>
+    </p:spTree>
+    <p:extLst>
+      <p:ext uri="{BB962C8B-B14F-4D97-AF65-F5344CB8AC3E}">
+        <p14:creationId xmlns:p14="http://schemas.microsoft.com/office/powerpoint/2010/main" val="726992560"/>
+      </p:ext>
+    </p:extLst>
+  </p:cSld>
+  <p:clrMapOvr>
+    <a:masterClrMapping/>
+  </p:clrMapOvr>
+</p:sld>
+</file>
+
+<file path=ppt/slides/slide31.xml><?xml version="1.0" encoding="utf-8"?>
+<p:sld xmlns:a="http://schemas.openxmlformats.org/drawingml/2006/main" xmlns:r="http://schemas.openxmlformats.org/officeDocument/2006/relationships" xmlns:p="http://schemas.openxmlformats.org/presentationml/2006/main">
+  <p:cSld>
+    <p:spTree>
+      <p:nvGrpSpPr>
+        <p:cNvPr id="1" name=""/>
+        <p:cNvGrpSpPr/>
+        <p:nvPr/>
+      </p:nvGrpSpPr>
+      <p:grpSpPr>
+        <a:xfrm>
+          <a:off x="0" y="0"/>
+          <a:ext cx="0" cy="0"/>
+          <a:chOff x="0" y="0"/>
+          <a:chExt cx="0" cy="0"/>
+        </a:xfrm>
+      </p:grpSpPr>
+      <p:sp>
+        <p:nvSpPr>
+          <p:cNvPr id="3" name="コンテンツ プレースホルダー 2">
+            <a:extLst>
+              <a:ext uri="{FF2B5EF4-FFF2-40B4-BE49-F238E27FC236}">
+                <a16:creationId xmlns:a16="http://schemas.microsoft.com/office/drawing/2014/main" id="{C2114DFB-0173-46EA-B6AC-D191047C1DEA}"/>
+              </a:ext>
+            </a:extLst>
+          </p:cNvPr>
+          <p:cNvSpPr>
+            <a:spLocks noGrp="1"/>
+          </p:cNvSpPr>
+          <p:nvPr>
+            <p:ph idx="1"/>
+          </p:nvPr>
+        </p:nvSpPr>
+        <p:spPr>
+          <a:xfrm>
+            <a:off x="0" y="1119116"/>
+            <a:ext cx="12192000" cy="5738883"/>
+          </a:xfrm>
+        </p:spPr>
+        <p:txBody>
+          <a:bodyPr>
+            <a:normAutofit fontScale="92500" lnSpcReduction="10000"/>
+          </a:bodyPr>
+          <a:lstStyle/>
+          <a:p>
+            <a:pPr marL="0" indent="0" algn="ctr">
+              <a:buNone/>
+            </a:pPr>
+            <a:r>
+              <a:rPr kumimoji="1" lang="en-US" altLang="ja-JP" sz="23900" dirty="0">
+                <a:latin typeface="IPA Pゴシック" panose="020B0500000000000000" pitchFamily="50" charset="-128"/>
+                <a:ea typeface="IPA Pゴシック" panose="020B0500000000000000" pitchFamily="50" charset="-128"/>
+              </a:rPr>
+              <a:t>Web</a:t>
+            </a:r>
+          </a:p>
+          <a:p>
+            <a:pPr marL="0" indent="0" algn="ctr">
+              <a:buNone/>
+            </a:pPr>
+            <a:r>
+              <a:rPr kumimoji="1" lang="ja-JP" altLang="en-US" sz="23900" dirty="0">
+                <a:latin typeface="IPA Pゴシック" panose="020B0500000000000000" pitchFamily="50" charset="-128"/>
+                <a:ea typeface="IPA Pゴシック" panose="020B0500000000000000" pitchFamily="50" charset="-128"/>
+              </a:rPr>
+              <a:t>サイト</a:t>
+            </a:r>
+          </a:p>
+        </p:txBody>
+      </p:sp>
+    </p:spTree>
+    <p:extLst>
+      <p:ext uri="{BB962C8B-B14F-4D97-AF65-F5344CB8AC3E}">
+        <p14:creationId xmlns:p14="http://schemas.microsoft.com/office/powerpoint/2010/main" val="1302547779"/>
+      </p:ext>
+    </p:extLst>
+  </p:cSld>
+  <p:clrMapOvr>
+    <a:masterClrMapping/>
+  </p:clrMapOvr>
+</p:sld>
+</file>
+
+<file path=ppt/slides/slide32.xml><?xml version="1.0" encoding="utf-8"?>
+<p:sld xmlns:a="http://schemas.openxmlformats.org/drawingml/2006/main" xmlns:r="http://schemas.openxmlformats.org/officeDocument/2006/relationships" xmlns:p="http://schemas.openxmlformats.org/presentationml/2006/main">
+  <p:cSld>
+    <p:spTree>
+      <p:nvGrpSpPr>
+        <p:cNvPr id="1" name=""/>
+        <p:cNvGrpSpPr/>
+        <p:nvPr/>
+      </p:nvGrpSpPr>
+      <p:grpSpPr>
+        <a:xfrm>
+          <a:off x="0" y="0"/>
+          <a:ext cx="0" cy="0"/>
+          <a:chOff x="0" y="0"/>
+          <a:chExt cx="0" cy="0"/>
+        </a:xfrm>
+      </p:grpSpPr>
+      <p:sp>
+        <p:nvSpPr>
+          <p:cNvPr id="3" name="コンテンツ プレースホルダー 2">
+            <a:extLst>
+              <a:ext uri="{FF2B5EF4-FFF2-40B4-BE49-F238E27FC236}">
+                <a16:creationId xmlns:a16="http://schemas.microsoft.com/office/drawing/2014/main" id="{C2114DFB-0173-46EA-B6AC-D191047C1DEA}"/>
+              </a:ext>
+            </a:extLst>
+          </p:cNvPr>
+          <p:cNvSpPr>
+            <a:spLocks noGrp="1"/>
+          </p:cNvSpPr>
+          <p:nvPr>
+            <p:ph idx="1"/>
+          </p:nvPr>
+        </p:nvSpPr>
+        <p:spPr>
+          <a:xfrm>
+            <a:off x="0" y="1119116"/>
+            <a:ext cx="12192000" cy="5738883"/>
+          </a:xfrm>
+        </p:spPr>
+        <p:txBody>
+          <a:bodyPr>
+            <a:normAutofit fontScale="92500" lnSpcReduction="10000"/>
+          </a:bodyPr>
+          <a:lstStyle/>
+          <a:p>
+            <a:pPr marL="0" indent="0" algn="ctr">
+              <a:buNone/>
+            </a:pPr>
+            <a:r>
+              <a:rPr kumimoji="1" lang="en-US" altLang="ja-JP" sz="23900" dirty="0">
+                <a:latin typeface="IPA Pゴシック" panose="020B0500000000000000" pitchFamily="50" charset="-128"/>
+                <a:ea typeface="IPA Pゴシック" panose="020B0500000000000000" pitchFamily="50" charset="-128"/>
+              </a:rPr>
+              <a:t>Web</a:t>
+            </a:r>
+          </a:p>
+          <a:p>
+            <a:pPr marL="0" indent="0" algn="ctr">
+              <a:buNone/>
+            </a:pPr>
+            <a:r>
+              <a:rPr kumimoji="1" lang="ja-JP" altLang="en-US" sz="23900" dirty="0">
+                <a:latin typeface="IPA Pゴシック" panose="020B0500000000000000" pitchFamily="50" charset="-128"/>
+                <a:ea typeface="IPA Pゴシック" panose="020B0500000000000000" pitchFamily="50" charset="-128"/>
+              </a:rPr>
+              <a:t>サイト</a:t>
+            </a:r>
+          </a:p>
+        </p:txBody>
+      </p:sp>
+    </p:spTree>
+    <p:extLst>
+      <p:ext uri="{BB962C8B-B14F-4D97-AF65-F5344CB8AC3E}">
+        <p14:creationId xmlns:p14="http://schemas.microsoft.com/office/powerpoint/2010/main" val="4179339372"/>
+      </p:ext>
+    </p:extLst>
+  </p:cSld>
+  <p:clrMapOvr>
+    <a:masterClrMapping/>
+  </p:clrMapOvr>
+</p:sld>
+</file>
+
+<file path=ppt/slides/slide33.xml><?xml version="1.0" encoding="utf-8"?>
+<p:sld xmlns:a="http://schemas.openxmlformats.org/drawingml/2006/main" xmlns:r="http://schemas.openxmlformats.org/officeDocument/2006/relationships" xmlns:p="http://schemas.openxmlformats.org/presentationml/2006/main">
+  <p:cSld>
+    <p:spTree>
+      <p:nvGrpSpPr>
+        <p:cNvPr id="1" name=""/>
+        <p:cNvGrpSpPr/>
+        <p:nvPr/>
+      </p:nvGrpSpPr>
+      <p:grpSpPr>
+        <a:xfrm>
+          <a:off x="0" y="0"/>
+          <a:ext cx="0" cy="0"/>
+          <a:chOff x="0" y="0"/>
+          <a:chExt cx="0" cy="0"/>
+        </a:xfrm>
+      </p:grpSpPr>
+      <p:sp>
+        <p:nvSpPr>
+          <p:cNvPr id="3" name="コンテンツ プレースホルダー 2">
+            <a:extLst>
+              <a:ext uri="{FF2B5EF4-FFF2-40B4-BE49-F238E27FC236}">
+                <a16:creationId xmlns:a16="http://schemas.microsoft.com/office/drawing/2014/main" id="{C2114DFB-0173-46EA-B6AC-D191047C1DEA}"/>
+              </a:ext>
+            </a:extLst>
+          </p:cNvPr>
+          <p:cNvSpPr>
+            <a:spLocks noGrp="1"/>
+          </p:cNvSpPr>
+          <p:nvPr>
+            <p:ph idx="1"/>
+          </p:nvPr>
+        </p:nvSpPr>
+        <p:spPr>
+          <a:xfrm>
+            <a:off x="0" y="1119116"/>
+            <a:ext cx="12192000" cy="5738883"/>
+          </a:xfrm>
+        </p:spPr>
+        <p:txBody>
+          <a:bodyPr>
+            <a:normAutofit fontScale="92500" lnSpcReduction="10000"/>
+          </a:bodyPr>
+          <a:lstStyle/>
+          <a:p>
+            <a:pPr marL="0" indent="0" algn="ctr">
+              <a:buNone/>
+            </a:pPr>
+            <a:r>
+              <a:rPr kumimoji="1" lang="en-US" altLang="ja-JP" sz="23900" dirty="0">
+                <a:latin typeface="IPA Pゴシック" panose="020B0500000000000000" pitchFamily="50" charset="-128"/>
+                <a:ea typeface="IPA Pゴシック" panose="020B0500000000000000" pitchFamily="50" charset="-128"/>
+              </a:rPr>
+              <a:t>Web</a:t>
+            </a:r>
+          </a:p>
+          <a:p>
+            <a:pPr marL="0" indent="0" algn="ctr">
+              <a:buNone/>
+            </a:pPr>
+            <a:r>
+              <a:rPr kumimoji="1" lang="ja-JP" altLang="en-US" sz="23900" dirty="0">
+                <a:latin typeface="IPA Pゴシック" panose="020B0500000000000000" pitchFamily="50" charset="-128"/>
+                <a:ea typeface="IPA Pゴシック" panose="020B0500000000000000" pitchFamily="50" charset="-128"/>
+              </a:rPr>
+              <a:t>サイト</a:t>
+            </a:r>
+          </a:p>
+        </p:txBody>
+      </p:sp>
+    </p:spTree>
+    <p:extLst>
+      <p:ext uri="{BB962C8B-B14F-4D97-AF65-F5344CB8AC3E}">
+        <p14:creationId xmlns:p14="http://schemas.microsoft.com/office/powerpoint/2010/main" val="1088748001"/>
+      </p:ext>
+    </p:extLst>
+  </p:cSld>
+  <p:clrMapOvr>
+    <a:masterClrMapping/>
+  </p:clrMapOvr>
+</p:sld>
+</file>
+
+<file path=ppt/slides/slide34.xml><?xml version="1.0" encoding="utf-8"?>
+<p:sld xmlns:a="http://schemas.openxmlformats.org/drawingml/2006/main" xmlns:r="http://schemas.openxmlformats.org/officeDocument/2006/relationships" xmlns:p="http://schemas.openxmlformats.org/presentationml/2006/main">
+  <p:cSld>
+    <p:spTree>
+      <p:nvGrpSpPr>
+        <p:cNvPr id="1" name=""/>
+        <p:cNvGrpSpPr/>
+        <p:nvPr/>
+      </p:nvGrpSpPr>
+      <p:grpSpPr>
+        <a:xfrm>
+          <a:off x="0" y="0"/>
+          <a:ext cx="0" cy="0"/>
+          <a:chOff x="0" y="0"/>
+          <a:chExt cx="0" cy="0"/>
+        </a:xfrm>
+      </p:grpSpPr>
+      <p:sp>
+        <p:nvSpPr>
+          <p:cNvPr id="3" name="コンテンツ プレースホルダー 2">
+            <a:extLst>
+              <a:ext uri="{FF2B5EF4-FFF2-40B4-BE49-F238E27FC236}">
+                <a16:creationId xmlns:a16="http://schemas.microsoft.com/office/drawing/2014/main" id="{C2114DFB-0173-46EA-B6AC-D191047C1DEA}"/>
+              </a:ext>
+            </a:extLst>
+          </p:cNvPr>
+          <p:cNvSpPr>
+            <a:spLocks noGrp="1"/>
+          </p:cNvSpPr>
+          <p:nvPr>
+            <p:ph idx="1"/>
+          </p:nvPr>
+        </p:nvSpPr>
+        <p:spPr>
+          <a:xfrm>
+            <a:off x="0" y="1119116"/>
+            <a:ext cx="12192000" cy="5738883"/>
+          </a:xfrm>
+        </p:spPr>
+        <p:txBody>
+          <a:bodyPr>
+            <a:normAutofit fontScale="92500" lnSpcReduction="10000"/>
+          </a:bodyPr>
+          <a:lstStyle/>
+          <a:p>
+            <a:pPr marL="0" indent="0" algn="ctr">
+              <a:buNone/>
+            </a:pPr>
+            <a:r>
+              <a:rPr kumimoji="1" lang="en-US" altLang="ja-JP" sz="23900" dirty="0">
+                <a:latin typeface="IPA Pゴシック" panose="020B0500000000000000" pitchFamily="50" charset="-128"/>
+                <a:ea typeface="IPA Pゴシック" panose="020B0500000000000000" pitchFamily="50" charset="-128"/>
+              </a:rPr>
+              <a:t>Web</a:t>
+            </a:r>
+          </a:p>
+          <a:p>
+            <a:pPr marL="0" indent="0" algn="ctr">
+              <a:buNone/>
+            </a:pPr>
+            <a:r>
+              <a:rPr kumimoji="1" lang="ja-JP" altLang="en-US" sz="23900" dirty="0">
+                <a:latin typeface="IPA Pゴシック" panose="020B0500000000000000" pitchFamily="50" charset="-128"/>
+                <a:ea typeface="IPA Pゴシック" panose="020B0500000000000000" pitchFamily="50" charset="-128"/>
+              </a:rPr>
+              <a:t>サイト</a:t>
+            </a:r>
+          </a:p>
+        </p:txBody>
+      </p:sp>
+    </p:spTree>
+    <p:extLst>
+      <p:ext uri="{BB962C8B-B14F-4D97-AF65-F5344CB8AC3E}">
+        <p14:creationId xmlns:p14="http://schemas.microsoft.com/office/powerpoint/2010/main" val="516104876"/>
+      </p:ext>
+    </p:extLst>
+  </p:cSld>
+  <p:clrMapOvr>
+    <a:masterClrMapping/>
+  </p:clrMapOvr>
+</p:sld>
+</file>
+
+<file path=ppt/slides/slide35.xml><?xml version="1.0" encoding="utf-8"?>
+<p:sld xmlns:a="http://schemas.openxmlformats.org/drawingml/2006/main" xmlns:r="http://schemas.openxmlformats.org/officeDocument/2006/relationships" xmlns:p="http://schemas.openxmlformats.org/presentationml/2006/main">
+  <p:cSld>
+    <p:spTree>
+      <p:nvGrpSpPr>
+        <p:cNvPr id="1" name=""/>
+        <p:cNvGrpSpPr/>
+        <p:nvPr/>
+      </p:nvGrpSpPr>
+      <p:grpSpPr>
+        <a:xfrm>
+          <a:off x="0" y="0"/>
+          <a:ext cx="0" cy="0"/>
+          <a:chOff x="0" y="0"/>
+          <a:chExt cx="0" cy="0"/>
+        </a:xfrm>
+      </p:grpSpPr>
+      <p:sp>
+        <p:nvSpPr>
+          <p:cNvPr id="3" name="コンテンツ プレースホルダー 2">
+            <a:extLst>
+              <a:ext uri="{FF2B5EF4-FFF2-40B4-BE49-F238E27FC236}">
+                <a16:creationId xmlns:a16="http://schemas.microsoft.com/office/drawing/2014/main" id="{C2114DFB-0173-46EA-B6AC-D191047C1DEA}"/>
+              </a:ext>
+            </a:extLst>
+          </p:cNvPr>
+          <p:cNvSpPr>
+            <a:spLocks noGrp="1"/>
+          </p:cNvSpPr>
+          <p:nvPr>
+            <p:ph idx="1"/>
+          </p:nvPr>
+        </p:nvSpPr>
+        <p:spPr>
+          <a:xfrm>
+            <a:off x="0" y="1119116"/>
+            <a:ext cx="12192000" cy="5738883"/>
+          </a:xfrm>
+        </p:spPr>
+        <p:txBody>
+          <a:bodyPr>
+            <a:normAutofit fontScale="92500" lnSpcReduction="10000"/>
+          </a:bodyPr>
+          <a:lstStyle/>
+          <a:p>
+            <a:pPr marL="0" indent="0" algn="ctr">
+              <a:buNone/>
+            </a:pPr>
+            <a:r>
+              <a:rPr kumimoji="1" lang="en-US" altLang="ja-JP" sz="23900" dirty="0">
+                <a:latin typeface="IPA Pゴシック" panose="020B0500000000000000" pitchFamily="50" charset="-128"/>
+                <a:ea typeface="IPA Pゴシック" panose="020B0500000000000000" pitchFamily="50" charset="-128"/>
+              </a:rPr>
+              <a:t>Web</a:t>
+            </a:r>
+          </a:p>
+          <a:p>
+            <a:pPr marL="0" indent="0" algn="ctr">
+              <a:buNone/>
+            </a:pPr>
+            <a:r>
+              <a:rPr kumimoji="1" lang="ja-JP" altLang="en-US" sz="23900" dirty="0">
+                <a:latin typeface="IPA Pゴシック" panose="020B0500000000000000" pitchFamily="50" charset="-128"/>
+                <a:ea typeface="IPA Pゴシック" panose="020B0500000000000000" pitchFamily="50" charset="-128"/>
+              </a:rPr>
+              <a:t>サイト</a:t>
+            </a:r>
+          </a:p>
+        </p:txBody>
+      </p:sp>
+    </p:spTree>
+    <p:extLst>
+      <p:ext uri="{BB962C8B-B14F-4D97-AF65-F5344CB8AC3E}">
+        <p14:creationId xmlns:p14="http://schemas.microsoft.com/office/powerpoint/2010/main" val="4203611503"/>
+      </p:ext>
+    </p:extLst>
+  </p:cSld>
+  <p:clrMapOvr>
+    <a:masterClrMapping/>
+  </p:clrMapOvr>
+</p:sld>
+</file>
+
+<file path=ppt/slides/slide36.xml><?xml version="1.0" encoding="utf-8"?>
+<p:sld xmlns:a="http://schemas.openxmlformats.org/drawingml/2006/main" xmlns:r="http://schemas.openxmlformats.org/officeDocument/2006/relationships" xmlns:p="http://schemas.openxmlformats.org/presentationml/2006/main">
+  <p:cSld>
+    <p:spTree>
+      <p:nvGrpSpPr>
+        <p:cNvPr id="1" name=""/>
+        <p:cNvGrpSpPr/>
+        <p:nvPr/>
+      </p:nvGrpSpPr>
+      <p:grpSpPr>
+        <a:xfrm>
+          <a:off x="0" y="0"/>
+          <a:ext cx="0" cy="0"/>
+          <a:chOff x="0" y="0"/>
+          <a:chExt cx="0" cy="0"/>
+        </a:xfrm>
+      </p:grpSpPr>
+      <p:sp>
+        <p:nvSpPr>
+          <p:cNvPr id="3" name="コンテンツ プレースホルダー 2">
+            <a:extLst>
+              <a:ext uri="{FF2B5EF4-FFF2-40B4-BE49-F238E27FC236}">
+                <a16:creationId xmlns:a16="http://schemas.microsoft.com/office/drawing/2014/main" id="{C2114DFB-0173-46EA-B6AC-D191047C1DEA}"/>
+              </a:ext>
+            </a:extLst>
+          </p:cNvPr>
+          <p:cNvSpPr>
+            <a:spLocks noGrp="1"/>
+          </p:cNvSpPr>
+          <p:nvPr>
+            <p:ph idx="1"/>
+          </p:nvPr>
+        </p:nvSpPr>
+        <p:spPr>
+          <a:xfrm>
+            <a:off x="0" y="1119116"/>
+            <a:ext cx="12192000" cy="5738883"/>
+          </a:xfrm>
+        </p:spPr>
+        <p:txBody>
+          <a:bodyPr>
+            <a:normAutofit fontScale="92500" lnSpcReduction="10000"/>
+          </a:bodyPr>
+          <a:lstStyle/>
+          <a:p>
+            <a:pPr marL="0" indent="0" algn="ctr">
+              <a:buNone/>
+            </a:pPr>
+            <a:r>
+              <a:rPr kumimoji="1" lang="en-US" altLang="ja-JP" sz="23900" dirty="0">
+                <a:latin typeface="IPA Pゴシック" panose="020B0500000000000000" pitchFamily="50" charset="-128"/>
+                <a:ea typeface="IPA Pゴシック" panose="020B0500000000000000" pitchFamily="50" charset="-128"/>
+              </a:rPr>
+              <a:t>Web</a:t>
+            </a:r>
+          </a:p>
+          <a:p>
+            <a:pPr marL="0" indent="0" algn="ctr">
+              <a:buNone/>
+            </a:pPr>
+            <a:r>
+              <a:rPr kumimoji="1" lang="ja-JP" altLang="en-US" sz="23900" dirty="0">
+                <a:latin typeface="IPA Pゴシック" panose="020B0500000000000000" pitchFamily="50" charset="-128"/>
+                <a:ea typeface="IPA Pゴシック" panose="020B0500000000000000" pitchFamily="50" charset="-128"/>
+              </a:rPr>
+              <a:t>サイト</a:t>
+            </a:r>
+          </a:p>
+        </p:txBody>
+      </p:sp>
+    </p:spTree>
+    <p:extLst>
+      <p:ext uri="{BB962C8B-B14F-4D97-AF65-F5344CB8AC3E}">
+        <p14:creationId xmlns:p14="http://schemas.microsoft.com/office/powerpoint/2010/main" val="2384829870"/>
+      </p:ext>
+    </p:extLst>
+  </p:cSld>
+  <p:clrMapOvr>
+    <a:masterClrMapping/>
+  </p:clrMapOvr>
+</p:sld>
+</file>
+
+<file path=ppt/slides/slide37.xml><?xml version="1.0" encoding="utf-8"?>
+<p:sld xmlns:a="http://schemas.openxmlformats.org/drawingml/2006/main" xmlns:r="http://schemas.openxmlformats.org/officeDocument/2006/relationships" xmlns:p="http://schemas.openxmlformats.org/presentationml/2006/main">
+  <p:cSld>
+    <p:spTree>
+      <p:nvGrpSpPr>
+        <p:cNvPr id="1" name=""/>
+        <p:cNvGrpSpPr/>
+        <p:nvPr/>
+      </p:nvGrpSpPr>
+      <p:grpSpPr>
+        <a:xfrm>
+          <a:off x="0" y="0"/>
+          <a:ext cx="0" cy="0"/>
+          <a:chOff x="0" y="0"/>
+          <a:chExt cx="0" cy="0"/>
+        </a:xfrm>
+      </p:grpSpPr>
+      <p:sp>
+        <p:nvSpPr>
+          <p:cNvPr id="3" name="コンテンツ プレースホルダー 2">
+            <a:extLst>
+              <a:ext uri="{FF2B5EF4-FFF2-40B4-BE49-F238E27FC236}">
+                <a16:creationId xmlns:a16="http://schemas.microsoft.com/office/drawing/2014/main" id="{C2114DFB-0173-46EA-B6AC-D191047C1DEA}"/>
+              </a:ext>
+            </a:extLst>
+          </p:cNvPr>
+          <p:cNvSpPr>
+            <a:spLocks noGrp="1"/>
+          </p:cNvSpPr>
+          <p:nvPr>
+            <p:ph idx="1"/>
+          </p:nvPr>
+        </p:nvSpPr>
+        <p:spPr>
+          <a:xfrm>
+            <a:off x="0" y="1119116"/>
+            <a:ext cx="12192000" cy="5738883"/>
+          </a:xfrm>
+        </p:spPr>
+        <p:txBody>
+          <a:bodyPr>
+            <a:normAutofit fontScale="92500" lnSpcReduction="10000"/>
+          </a:bodyPr>
+          <a:lstStyle/>
+          <a:p>
+            <a:pPr marL="0" indent="0" algn="ctr">
+              <a:buNone/>
+            </a:pPr>
+            <a:r>
+              <a:rPr kumimoji="1" lang="en-US" altLang="ja-JP" sz="23900" dirty="0">
+                <a:latin typeface="IPA Pゴシック" panose="020B0500000000000000" pitchFamily="50" charset="-128"/>
+                <a:ea typeface="IPA Pゴシック" panose="020B0500000000000000" pitchFamily="50" charset="-128"/>
+              </a:rPr>
+              <a:t>Web</a:t>
+            </a:r>
+          </a:p>
+          <a:p>
+            <a:pPr marL="0" indent="0" algn="ctr">
+              <a:buNone/>
+            </a:pPr>
+            <a:r>
+              <a:rPr kumimoji="1" lang="ja-JP" altLang="en-US" sz="23900" dirty="0">
+                <a:latin typeface="IPA Pゴシック" panose="020B0500000000000000" pitchFamily="50" charset="-128"/>
+                <a:ea typeface="IPA Pゴシック" panose="020B0500000000000000" pitchFamily="50" charset="-128"/>
+              </a:rPr>
+              <a:t>サイト</a:t>
+            </a:r>
+          </a:p>
+        </p:txBody>
+      </p:sp>
+    </p:spTree>
+    <p:extLst>
+      <p:ext uri="{BB962C8B-B14F-4D97-AF65-F5344CB8AC3E}">
+        <p14:creationId xmlns:p14="http://schemas.microsoft.com/office/powerpoint/2010/main" val="3446550385"/>
+      </p:ext>
+    </p:extLst>
+  </p:cSld>
+  <p:clrMapOvr>
+    <a:masterClrMapping/>
+  </p:clrMapOvr>
+</p:sld>
+</file>
+
+<file path=ppt/slides/slide38.xml><?xml version="1.0" encoding="utf-8"?>
+<p:sld xmlns:a="http://schemas.openxmlformats.org/drawingml/2006/main" xmlns:r="http://schemas.openxmlformats.org/officeDocument/2006/relationships" xmlns:p="http://schemas.openxmlformats.org/presentationml/2006/main">
+  <p:cSld>
+    <p:spTree>
+      <p:nvGrpSpPr>
+        <p:cNvPr id="1" name=""/>
+        <p:cNvGrpSpPr/>
+        <p:nvPr/>
+      </p:nvGrpSpPr>
+      <p:grpSpPr>
+        <a:xfrm>
+          <a:off x="0" y="0"/>
+          <a:ext cx="0" cy="0"/>
+          <a:chOff x="0" y="0"/>
+          <a:chExt cx="0" cy="0"/>
+        </a:xfrm>
+      </p:grpSpPr>
+      <p:sp>
+        <p:nvSpPr>
+          <p:cNvPr id="3" name="コンテンツ プレースホルダー 2">
+            <a:extLst>
+              <a:ext uri="{FF2B5EF4-FFF2-40B4-BE49-F238E27FC236}">
+                <a16:creationId xmlns:a16="http://schemas.microsoft.com/office/drawing/2014/main" id="{C2114DFB-0173-46EA-B6AC-D191047C1DEA}"/>
+              </a:ext>
+            </a:extLst>
+          </p:cNvPr>
+          <p:cNvSpPr>
+            <a:spLocks noGrp="1"/>
+          </p:cNvSpPr>
+          <p:nvPr>
+            <p:ph idx="1"/>
+          </p:nvPr>
+        </p:nvSpPr>
+        <p:spPr>
+          <a:xfrm>
+            <a:off x="0" y="1119116"/>
+            <a:ext cx="12192000" cy="5738883"/>
+          </a:xfrm>
+        </p:spPr>
+        <p:txBody>
+          <a:bodyPr>
+            <a:normAutofit fontScale="92500" lnSpcReduction="10000"/>
+          </a:bodyPr>
+          <a:lstStyle/>
+          <a:p>
+            <a:pPr marL="0" indent="0" algn="ctr">
+              <a:buNone/>
+            </a:pPr>
+            <a:r>
+              <a:rPr kumimoji="1" lang="en-US" altLang="ja-JP" sz="23900" dirty="0">
+                <a:latin typeface="IPA Pゴシック" panose="020B0500000000000000" pitchFamily="50" charset="-128"/>
+                <a:ea typeface="IPA Pゴシック" panose="020B0500000000000000" pitchFamily="50" charset="-128"/>
+              </a:rPr>
+              <a:t>Web</a:t>
+            </a:r>
+          </a:p>
+          <a:p>
+            <a:pPr marL="0" indent="0" algn="ctr">
+              <a:buNone/>
+            </a:pPr>
+            <a:r>
+              <a:rPr kumimoji="1" lang="ja-JP" altLang="en-US" sz="23900" dirty="0">
+                <a:latin typeface="IPA Pゴシック" panose="020B0500000000000000" pitchFamily="50" charset="-128"/>
+                <a:ea typeface="IPA Pゴシック" panose="020B0500000000000000" pitchFamily="50" charset="-128"/>
+              </a:rPr>
+              <a:t>サイト</a:t>
+            </a:r>
+          </a:p>
+        </p:txBody>
+      </p:sp>
+    </p:spTree>
+    <p:extLst>
+      <p:ext uri="{BB962C8B-B14F-4D97-AF65-F5344CB8AC3E}">
+        <p14:creationId xmlns:p14="http://schemas.microsoft.com/office/powerpoint/2010/main" val="2320025373"/>
+      </p:ext>
+    </p:extLst>
+  </p:cSld>
+  <p:clrMapOvr>
+    <a:masterClrMapping/>
+  </p:clrMapOvr>
+</p:sld>
+</file>
+
+<file path=ppt/slides/slide39.xml><?xml version="1.0" encoding="utf-8"?>
+<p:sld xmlns:a="http://schemas.openxmlformats.org/drawingml/2006/main" xmlns:r="http://schemas.openxmlformats.org/officeDocument/2006/relationships" xmlns:p="http://schemas.openxmlformats.org/presentationml/2006/main">
+  <p:cSld>
+    <p:spTree>
+      <p:nvGrpSpPr>
+        <p:cNvPr id="1" name=""/>
+        <p:cNvGrpSpPr/>
+        <p:nvPr/>
+      </p:nvGrpSpPr>
+      <p:grpSpPr>
+        <a:xfrm>
+          <a:off x="0" y="0"/>
+          <a:ext cx="0" cy="0"/>
+          <a:chOff x="0" y="0"/>
+          <a:chExt cx="0" cy="0"/>
+        </a:xfrm>
+      </p:grpSpPr>
+      <p:sp>
+        <p:nvSpPr>
+          <p:cNvPr id="3" name="コンテンツ プレースホルダー 2">
+            <a:extLst>
+              <a:ext uri="{FF2B5EF4-FFF2-40B4-BE49-F238E27FC236}">
+                <a16:creationId xmlns:a16="http://schemas.microsoft.com/office/drawing/2014/main" id="{C2114DFB-0173-46EA-B6AC-D191047C1DEA}"/>
+              </a:ext>
+            </a:extLst>
+          </p:cNvPr>
+          <p:cNvSpPr>
+            <a:spLocks noGrp="1"/>
+          </p:cNvSpPr>
+          <p:nvPr>
+            <p:ph idx="1"/>
+          </p:nvPr>
+        </p:nvSpPr>
+        <p:spPr>
+          <a:xfrm>
+            <a:off x="0" y="1119116"/>
+            <a:ext cx="12192000" cy="5738883"/>
+          </a:xfrm>
+        </p:spPr>
+        <p:txBody>
+          <a:bodyPr>
+            <a:normAutofit fontScale="92500" lnSpcReduction="10000"/>
+          </a:bodyPr>
+          <a:lstStyle/>
+          <a:p>
+            <a:pPr marL="0" indent="0" algn="ctr">
+              <a:buNone/>
+            </a:pPr>
+            <a:r>
+              <a:rPr kumimoji="1" lang="en-US" altLang="ja-JP" sz="23900" dirty="0">
+                <a:latin typeface="IPA Pゴシック" panose="020B0500000000000000" pitchFamily="50" charset="-128"/>
+                <a:ea typeface="IPA Pゴシック" panose="020B0500000000000000" pitchFamily="50" charset="-128"/>
+              </a:rPr>
+              <a:t>Web</a:t>
+            </a:r>
+          </a:p>
+          <a:p>
+            <a:pPr marL="0" indent="0" algn="ctr">
+              <a:buNone/>
+            </a:pPr>
+            <a:r>
+              <a:rPr kumimoji="1" lang="ja-JP" altLang="en-US" sz="23900" dirty="0">
+                <a:latin typeface="IPA Pゴシック" panose="020B0500000000000000" pitchFamily="50" charset="-128"/>
+                <a:ea typeface="IPA Pゴシック" panose="020B0500000000000000" pitchFamily="50" charset="-128"/>
+              </a:rPr>
+              <a:t>サイト</a:t>
+            </a:r>
+          </a:p>
+        </p:txBody>
+      </p:sp>
+    </p:spTree>
+    <p:extLst>
+      <p:ext uri="{BB962C8B-B14F-4D97-AF65-F5344CB8AC3E}">
+        <p14:creationId xmlns:p14="http://schemas.microsoft.com/office/powerpoint/2010/main" val="1958222186"/>
       </p:ext>
     </p:extLst>
   </p:cSld>
@@ -5324,6 +6478,836 @@
 </p:sld>
 </file>
 
+<file path=ppt/slides/slide40.xml><?xml version="1.0" encoding="utf-8"?>
+<p:sld xmlns:a="http://schemas.openxmlformats.org/drawingml/2006/main" xmlns:r="http://schemas.openxmlformats.org/officeDocument/2006/relationships" xmlns:p="http://schemas.openxmlformats.org/presentationml/2006/main">
+  <p:cSld>
+    <p:spTree>
+      <p:nvGrpSpPr>
+        <p:cNvPr id="1" name=""/>
+        <p:cNvGrpSpPr/>
+        <p:nvPr/>
+      </p:nvGrpSpPr>
+      <p:grpSpPr>
+        <a:xfrm>
+          <a:off x="0" y="0"/>
+          <a:ext cx="0" cy="0"/>
+          <a:chOff x="0" y="0"/>
+          <a:chExt cx="0" cy="0"/>
+        </a:xfrm>
+      </p:grpSpPr>
+      <p:sp>
+        <p:nvSpPr>
+          <p:cNvPr id="3" name="コンテンツ プレースホルダー 2">
+            <a:extLst>
+              <a:ext uri="{FF2B5EF4-FFF2-40B4-BE49-F238E27FC236}">
+                <a16:creationId xmlns:a16="http://schemas.microsoft.com/office/drawing/2014/main" id="{C2114DFB-0173-46EA-B6AC-D191047C1DEA}"/>
+              </a:ext>
+            </a:extLst>
+          </p:cNvPr>
+          <p:cNvSpPr>
+            <a:spLocks noGrp="1"/>
+          </p:cNvSpPr>
+          <p:nvPr>
+            <p:ph idx="1"/>
+          </p:nvPr>
+        </p:nvSpPr>
+        <p:spPr>
+          <a:xfrm>
+            <a:off x="0" y="1119116"/>
+            <a:ext cx="12192000" cy="5738883"/>
+          </a:xfrm>
+        </p:spPr>
+        <p:txBody>
+          <a:bodyPr>
+            <a:normAutofit fontScale="92500" lnSpcReduction="10000"/>
+          </a:bodyPr>
+          <a:lstStyle/>
+          <a:p>
+            <a:pPr marL="0" indent="0" algn="ctr">
+              <a:buNone/>
+            </a:pPr>
+            <a:r>
+              <a:rPr kumimoji="1" lang="en-US" altLang="ja-JP" sz="23900" dirty="0">
+                <a:latin typeface="IPA Pゴシック" panose="020B0500000000000000" pitchFamily="50" charset="-128"/>
+                <a:ea typeface="IPA Pゴシック" panose="020B0500000000000000" pitchFamily="50" charset="-128"/>
+              </a:rPr>
+              <a:t>Web</a:t>
+            </a:r>
+          </a:p>
+          <a:p>
+            <a:pPr marL="0" indent="0" algn="ctr">
+              <a:buNone/>
+            </a:pPr>
+            <a:r>
+              <a:rPr kumimoji="1" lang="ja-JP" altLang="en-US" sz="23900" dirty="0">
+                <a:latin typeface="IPA Pゴシック" panose="020B0500000000000000" pitchFamily="50" charset="-128"/>
+                <a:ea typeface="IPA Pゴシック" panose="020B0500000000000000" pitchFamily="50" charset="-128"/>
+              </a:rPr>
+              <a:t>サイト</a:t>
+            </a:r>
+          </a:p>
+        </p:txBody>
+      </p:sp>
+    </p:spTree>
+    <p:extLst>
+      <p:ext uri="{BB962C8B-B14F-4D97-AF65-F5344CB8AC3E}">
+        <p14:creationId xmlns:p14="http://schemas.microsoft.com/office/powerpoint/2010/main" val="1375971098"/>
+      </p:ext>
+    </p:extLst>
+  </p:cSld>
+  <p:clrMapOvr>
+    <a:masterClrMapping/>
+  </p:clrMapOvr>
+</p:sld>
+</file>
+
+<file path=ppt/slides/slide41.xml><?xml version="1.0" encoding="utf-8"?>
+<p:sld xmlns:a="http://schemas.openxmlformats.org/drawingml/2006/main" xmlns:r="http://schemas.openxmlformats.org/officeDocument/2006/relationships" xmlns:p="http://schemas.openxmlformats.org/presentationml/2006/main">
+  <p:cSld>
+    <p:spTree>
+      <p:nvGrpSpPr>
+        <p:cNvPr id="1" name=""/>
+        <p:cNvGrpSpPr/>
+        <p:nvPr/>
+      </p:nvGrpSpPr>
+      <p:grpSpPr>
+        <a:xfrm>
+          <a:off x="0" y="0"/>
+          <a:ext cx="0" cy="0"/>
+          <a:chOff x="0" y="0"/>
+          <a:chExt cx="0" cy="0"/>
+        </a:xfrm>
+      </p:grpSpPr>
+      <p:sp>
+        <p:nvSpPr>
+          <p:cNvPr id="3" name="コンテンツ プレースホルダー 2">
+            <a:extLst>
+              <a:ext uri="{FF2B5EF4-FFF2-40B4-BE49-F238E27FC236}">
+                <a16:creationId xmlns:a16="http://schemas.microsoft.com/office/drawing/2014/main" id="{C2114DFB-0173-46EA-B6AC-D191047C1DEA}"/>
+              </a:ext>
+            </a:extLst>
+          </p:cNvPr>
+          <p:cNvSpPr>
+            <a:spLocks noGrp="1"/>
+          </p:cNvSpPr>
+          <p:nvPr>
+            <p:ph idx="1"/>
+          </p:nvPr>
+        </p:nvSpPr>
+        <p:spPr>
+          <a:xfrm>
+            <a:off x="0" y="1119116"/>
+            <a:ext cx="12192000" cy="5738883"/>
+          </a:xfrm>
+        </p:spPr>
+        <p:txBody>
+          <a:bodyPr>
+            <a:normAutofit fontScale="92500" lnSpcReduction="10000"/>
+          </a:bodyPr>
+          <a:lstStyle/>
+          <a:p>
+            <a:pPr marL="0" indent="0" algn="ctr">
+              <a:buNone/>
+            </a:pPr>
+            <a:r>
+              <a:rPr kumimoji="1" lang="en-US" altLang="ja-JP" sz="23900" dirty="0">
+                <a:latin typeface="IPA Pゴシック" panose="020B0500000000000000" pitchFamily="50" charset="-128"/>
+                <a:ea typeface="IPA Pゴシック" panose="020B0500000000000000" pitchFamily="50" charset="-128"/>
+              </a:rPr>
+              <a:t>Web</a:t>
+            </a:r>
+          </a:p>
+          <a:p>
+            <a:pPr marL="0" indent="0" algn="ctr">
+              <a:buNone/>
+            </a:pPr>
+            <a:r>
+              <a:rPr kumimoji="1" lang="ja-JP" altLang="en-US" sz="23900" dirty="0">
+                <a:latin typeface="IPA Pゴシック" panose="020B0500000000000000" pitchFamily="50" charset="-128"/>
+                <a:ea typeface="IPA Pゴシック" panose="020B0500000000000000" pitchFamily="50" charset="-128"/>
+              </a:rPr>
+              <a:t>サイト</a:t>
+            </a:r>
+          </a:p>
+        </p:txBody>
+      </p:sp>
+    </p:spTree>
+    <p:extLst>
+      <p:ext uri="{BB962C8B-B14F-4D97-AF65-F5344CB8AC3E}">
+        <p14:creationId xmlns:p14="http://schemas.microsoft.com/office/powerpoint/2010/main" val="1293157778"/>
+      </p:ext>
+    </p:extLst>
+  </p:cSld>
+  <p:clrMapOvr>
+    <a:masterClrMapping/>
+  </p:clrMapOvr>
+</p:sld>
+</file>
+
+<file path=ppt/slides/slide42.xml><?xml version="1.0" encoding="utf-8"?>
+<p:sld xmlns:a="http://schemas.openxmlformats.org/drawingml/2006/main" xmlns:r="http://schemas.openxmlformats.org/officeDocument/2006/relationships" xmlns:p="http://schemas.openxmlformats.org/presentationml/2006/main">
+  <p:cSld>
+    <p:spTree>
+      <p:nvGrpSpPr>
+        <p:cNvPr id="1" name=""/>
+        <p:cNvGrpSpPr/>
+        <p:nvPr/>
+      </p:nvGrpSpPr>
+      <p:grpSpPr>
+        <a:xfrm>
+          <a:off x="0" y="0"/>
+          <a:ext cx="0" cy="0"/>
+          <a:chOff x="0" y="0"/>
+          <a:chExt cx="0" cy="0"/>
+        </a:xfrm>
+      </p:grpSpPr>
+      <p:sp>
+        <p:nvSpPr>
+          <p:cNvPr id="3" name="コンテンツ プレースホルダー 2">
+            <a:extLst>
+              <a:ext uri="{FF2B5EF4-FFF2-40B4-BE49-F238E27FC236}">
+                <a16:creationId xmlns:a16="http://schemas.microsoft.com/office/drawing/2014/main" id="{C2114DFB-0173-46EA-B6AC-D191047C1DEA}"/>
+              </a:ext>
+            </a:extLst>
+          </p:cNvPr>
+          <p:cNvSpPr>
+            <a:spLocks noGrp="1"/>
+          </p:cNvSpPr>
+          <p:nvPr>
+            <p:ph idx="1"/>
+          </p:nvPr>
+        </p:nvSpPr>
+        <p:spPr>
+          <a:xfrm>
+            <a:off x="0" y="1119116"/>
+            <a:ext cx="12192000" cy="5738883"/>
+          </a:xfrm>
+        </p:spPr>
+        <p:txBody>
+          <a:bodyPr>
+            <a:normAutofit fontScale="92500" lnSpcReduction="10000"/>
+          </a:bodyPr>
+          <a:lstStyle/>
+          <a:p>
+            <a:pPr marL="0" indent="0" algn="ctr">
+              <a:buNone/>
+            </a:pPr>
+            <a:r>
+              <a:rPr kumimoji="1" lang="en-US" altLang="ja-JP" sz="23900" dirty="0">
+                <a:latin typeface="IPA Pゴシック" panose="020B0500000000000000" pitchFamily="50" charset="-128"/>
+                <a:ea typeface="IPA Pゴシック" panose="020B0500000000000000" pitchFamily="50" charset="-128"/>
+              </a:rPr>
+              <a:t>Web</a:t>
+            </a:r>
+          </a:p>
+          <a:p>
+            <a:pPr marL="0" indent="0" algn="ctr">
+              <a:buNone/>
+            </a:pPr>
+            <a:r>
+              <a:rPr kumimoji="1" lang="ja-JP" altLang="en-US" sz="23900" dirty="0">
+                <a:latin typeface="IPA Pゴシック" panose="020B0500000000000000" pitchFamily="50" charset="-128"/>
+                <a:ea typeface="IPA Pゴシック" panose="020B0500000000000000" pitchFamily="50" charset="-128"/>
+              </a:rPr>
+              <a:t>サイト</a:t>
+            </a:r>
+          </a:p>
+        </p:txBody>
+      </p:sp>
+    </p:spTree>
+    <p:extLst>
+      <p:ext uri="{BB962C8B-B14F-4D97-AF65-F5344CB8AC3E}">
+        <p14:creationId xmlns:p14="http://schemas.microsoft.com/office/powerpoint/2010/main" val="1226664803"/>
+      </p:ext>
+    </p:extLst>
+  </p:cSld>
+  <p:clrMapOvr>
+    <a:masterClrMapping/>
+  </p:clrMapOvr>
+</p:sld>
+</file>
+
+<file path=ppt/slides/slide43.xml><?xml version="1.0" encoding="utf-8"?>
+<p:sld xmlns:a="http://schemas.openxmlformats.org/drawingml/2006/main" xmlns:r="http://schemas.openxmlformats.org/officeDocument/2006/relationships" xmlns:p="http://schemas.openxmlformats.org/presentationml/2006/main">
+  <p:cSld>
+    <p:spTree>
+      <p:nvGrpSpPr>
+        <p:cNvPr id="1" name=""/>
+        <p:cNvGrpSpPr/>
+        <p:nvPr/>
+      </p:nvGrpSpPr>
+      <p:grpSpPr>
+        <a:xfrm>
+          <a:off x="0" y="0"/>
+          <a:ext cx="0" cy="0"/>
+          <a:chOff x="0" y="0"/>
+          <a:chExt cx="0" cy="0"/>
+        </a:xfrm>
+      </p:grpSpPr>
+      <p:sp>
+        <p:nvSpPr>
+          <p:cNvPr id="3" name="コンテンツ プレースホルダー 2">
+            <a:extLst>
+              <a:ext uri="{FF2B5EF4-FFF2-40B4-BE49-F238E27FC236}">
+                <a16:creationId xmlns:a16="http://schemas.microsoft.com/office/drawing/2014/main" id="{C2114DFB-0173-46EA-B6AC-D191047C1DEA}"/>
+              </a:ext>
+            </a:extLst>
+          </p:cNvPr>
+          <p:cNvSpPr>
+            <a:spLocks noGrp="1"/>
+          </p:cNvSpPr>
+          <p:nvPr>
+            <p:ph idx="1"/>
+          </p:nvPr>
+        </p:nvSpPr>
+        <p:spPr>
+          <a:xfrm>
+            <a:off x="0" y="1119116"/>
+            <a:ext cx="12192000" cy="5738883"/>
+          </a:xfrm>
+        </p:spPr>
+        <p:txBody>
+          <a:bodyPr>
+            <a:normAutofit fontScale="92500" lnSpcReduction="10000"/>
+          </a:bodyPr>
+          <a:lstStyle/>
+          <a:p>
+            <a:pPr marL="0" indent="0" algn="ctr">
+              <a:buNone/>
+            </a:pPr>
+            <a:r>
+              <a:rPr kumimoji="1" lang="en-US" altLang="ja-JP" sz="23900" dirty="0">
+                <a:latin typeface="IPA Pゴシック" panose="020B0500000000000000" pitchFamily="50" charset="-128"/>
+                <a:ea typeface="IPA Pゴシック" panose="020B0500000000000000" pitchFamily="50" charset="-128"/>
+              </a:rPr>
+              <a:t>Web</a:t>
+            </a:r>
+          </a:p>
+          <a:p>
+            <a:pPr marL="0" indent="0" algn="ctr">
+              <a:buNone/>
+            </a:pPr>
+            <a:r>
+              <a:rPr kumimoji="1" lang="ja-JP" altLang="en-US" sz="23900" dirty="0">
+                <a:latin typeface="IPA Pゴシック" panose="020B0500000000000000" pitchFamily="50" charset="-128"/>
+                <a:ea typeface="IPA Pゴシック" panose="020B0500000000000000" pitchFamily="50" charset="-128"/>
+              </a:rPr>
+              <a:t>サイト</a:t>
+            </a:r>
+          </a:p>
+        </p:txBody>
+      </p:sp>
+    </p:spTree>
+    <p:extLst>
+      <p:ext uri="{BB962C8B-B14F-4D97-AF65-F5344CB8AC3E}">
+        <p14:creationId xmlns:p14="http://schemas.microsoft.com/office/powerpoint/2010/main" val="1965491747"/>
+      </p:ext>
+    </p:extLst>
+  </p:cSld>
+  <p:clrMapOvr>
+    <a:masterClrMapping/>
+  </p:clrMapOvr>
+</p:sld>
+</file>
+
+<file path=ppt/slides/slide44.xml><?xml version="1.0" encoding="utf-8"?>
+<p:sld xmlns:a="http://schemas.openxmlformats.org/drawingml/2006/main" xmlns:r="http://schemas.openxmlformats.org/officeDocument/2006/relationships" xmlns:p="http://schemas.openxmlformats.org/presentationml/2006/main">
+  <p:cSld>
+    <p:spTree>
+      <p:nvGrpSpPr>
+        <p:cNvPr id="1" name=""/>
+        <p:cNvGrpSpPr/>
+        <p:nvPr/>
+      </p:nvGrpSpPr>
+      <p:grpSpPr>
+        <a:xfrm>
+          <a:off x="0" y="0"/>
+          <a:ext cx="0" cy="0"/>
+          <a:chOff x="0" y="0"/>
+          <a:chExt cx="0" cy="0"/>
+        </a:xfrm>
+      </p:grpSpPr>
+      <p:sp>
+        <p:nvSpPr>
+          <p:cNvPr id="3" name="コンテンツ プレースホルダー 2">
+            <a:extLst>
+              <a:ext uri="{FF2B5EF4-FFF2-40B4-BE49-F238E27FC236}">
+                <a16:creationId xmlns:a16="http://schemas.microsoft.com/office/drawing/2014/main" id="{C2114DFB-0173-46EA-B6AC-D191047C1DEA}"/>
+              </a:ext>
+            </a:extLst>
+          </p:cNvPr>
+          <p:cNvSpPr>
+            <a:spLocks noGrp="1"/>
+          </p:cNvSpPr>
+          <p:nvPr>
+            <p:ph idx="1"/>
+          </p:nvPr>
+        </p:nvSpPr>
+        <p:spPr>
+          <a:xfrm>
+            <a:off x="0" y="1119116"/>
+            <a:ext cx="12192000" cy="5738883"/>
+          </a:xfrm>
+        </p:spPr>
+        <p:txBody>
+          <a:bodyPr>
+            <a:normAutofit fontScale="92500" lnSpcReduction="10000"/>
+          </a:bodyPr>
+          <a:lstStyle/>
+          <a:p>
+            <a:pPr marL="0" indent="0" algn="ctr">
+              <a:buNone/>
+            </a:pPr>
+            <a:r>
+              <a:rPr kumimoji="1" lang="en-US" altLang="ja-JP" sz="23900" dirty="0">
+                <a:latin typeface="IPA Pゴシック" panose="020B0500000000000000" pitchFamily="50" charset="-128"/>
+                <a:ea typeface="IPA Pゴシック" panose="020B0500000000000000" pitchFamily="50" charset="-128"/>
+              </a:rPr>
+              <a:t>Web</a:t>
+            </a:r>
+          </a:p>
+          <a:p>
+            <a:pPr marL="0" indent="0" algn="ctr">
+              <a:buNone/>
+            </a:pPr>
+            <a:r>
+              <a:rPr kumimoji="1" lang="ja-JP" altLang="en-US" sz="23900" dirty="0">
+                <a:latin typeface="IPA Pゴシック" panose="020B0500000000000000" pitchFamily="50" charset="-128"/>
+                <a:ea typeface="IPA Pゴシック" panose="020B0500000000000000" pitchFamily="50" charset="-128"/>
+              </a:rPr>
+              <a:t>サイト</a:t>
+            </a:r>
+          </a:p>
+        </p:txBody>
+      </p:sp>
+    </p:spTree>
+    <p:extLst>
+      <p:ext uri="{BB962C8B-B14F-4D97-AF65-F5344CB8AC3E}">
+        <p14:creationId xmlns:p14="http://schemas.microsoft.com/office/powerpoint/2010/main" val="567823890"/>
+      </p:ext>
+    </p:extLst>
+  </p:cSld>
+  <p:clrMapOvr>
+    <a:masterClrMapping/>
+  </p:clrMapOvr>
+</p:sld>
+</file>
+
+<file path=ppt/slides/slide45.xml><?xml version="1.0" encoding="utf-8"?>
+<p:sld xmlns:a="http://schemas.openxmlformats.org/drawingml/2006/main" xmlns:r="http://schemas.openxmlformats.org/officeDocument/2006/relationships" xmlns:p="http://schemas.openxmlformats.org/presentationml/2006/main">
+  <p:cSld>
+    <p:spTree>
+      <p:nvGrpSpPr>
+        <p:cNvPr id="1" name=""/>
+        <p:cNvGrpSpPr/>
+        <p:nvPr/>
+      </p:nvGrpSpPr>
+      <p:grpSpPr>
+        <a:xfrm>
+          <a:off x="0" y="0"/>
+          <a:ext cx="0" cy="0"/>
+          <a:chOff x="0" y="0"/>
+          <a:chExt cx="0" cy="0"/>
+        </a:xfrm>
+      </p:grpSpPr>
+      <p:sp>
+        <p:nvSpPr>
+          <p:cNvPr id="3" name="コンテンツ プレースホルダー 2">
+            <a:extLst>
+              <a:ext uri="{FF2B5EF4-FFF2-40B4-BE49-F238E27FC236}">
+                <a16:creationId xmlns:a16="http://schemas.microsoft.com/office/drawing/2014/main" id="{C2114DFB-0173-46EA-B6AC-D191047C1DEA}"/>
+              </a:ext>
+            </a:extLst>
+          </p:cNvPr>
+          <p:cNvSpPr>
+            <a:spLocks noGrp="1"/>
+          </p:cNvSpPr>
+          <p:nvPr>
+            <p:ph idx="1"/>
+          </p:nvPr>
+        </p:nvSpPr>
+        <p:spPr>
+          <a:xfrm>
+            <a:off x="0" y="1119116"/>
+            <a:ext cx="12192000" cy="5738883"/>
+          </a:xfrm>
+        </p:spPr>
+        <p:txBody>
+          <a:bodyPr>
+            <a:normAutofit fontScale="92500" lnSpcReduction="10000"/>
+          </a:bodyPr>
+          <a:lstStyle/>
+          <a:p>
+            <a:pPr marL="0" indent="0" algn="ctr">
+              <a:buNone/>
+            </a:pPr>
+            <a:r>
+              <a:rPr kumimoji="1" lang="en-US" altLang="ja-JP" sz="23900" dirty="0">
+                <a:latin typeface="IPA Pゴシック" panose="020B0500000000000000" pitchFamily="50" charset="-128"/>
+                <a:ea typeface="IPA Pゴシック" panose="020B0500000000000000" pitchFamily="50" charset="-128"/>
+              </a:rPr>
+              <a:t>Web</a:t>
+            </a:r>
+          </a:p>
+          <a:p>
+            <a:pPr marL="0" indent="0" algn="ctr">
+              <a:buNone/>
+            </a:pPr>
+            <a:r>
+              <a:rPr kumimoji="1" lang="ja-JP" altLang="en-US" sz="23900" dirty="0">
+                <a:latin typeface="IPA Pゴシック" panose="020B0500000000000000" pitchFamily="50" charset="-128"/>
+                <a:ea typeface="IPA Pゴシック" panose="020B0500000000000000" pitchFamily="50" charset="-128"/>
+              </a:rPr>
+              <a:t>サイト</a:t>
+            </a:r>
+          </a:p>
+        </p:txBody>
+      </p:sp>
+    </p:spTree>
+    <p:extLst>
+      <p:ext uri="{BB962C8B-B14F-4D97-AF65-F5344CB8AC3E}">
+        <p14:creationId xmlns:p14="http://schemas.microsoft.com/office/powerpoint/2010/main" val="2892908202"/>
+      </p:ext>
+    </p:extLst>
+  </p:cSld>
+  <p:clrMapOvr>
+    <a:masterClrMapping/>
+  </p:clrMapOvr>
+</p:sld>
+</file>
+
+<file path=ppt/slides/slide46.xml><?xml version="1.0" encoding="utf-8"?>
+<p:sld xmlns:a="http://schemas.openxmlformats.org/drawingml/2006/main" xmlns:r="http://schemas.openxmlformats.org/officeDocument/2006/relationships" xmlns:p="http://schemas.openxmlformats.org/presentationml/2006/main">
+  <p:cSld>
+    <p:spTree>
+      <p:nvGrpSpPr>
+        <p:cNvPr id="1" name=""/>
+        <p:cNvGrpSpPr/>
+        <p:nvPr/>
+      </p:nvGrpSpPr>
+      <p:grpSpPr>
+        <a:xfrm>
+          <a:off x="0" y="0"/>
+          <a:ext cx="0" cy="0"/>
+          <a:chOff x="0" y="0"/>
+          <a:chExt cx="0" cy="0"/>
+        </a:xfrm>
+      </p:grpSpPr>
+      <p:sp>
+        <p:nvSpPr>
+          <p:cNvPr id="3" name="コンテンツ プレースホルダー 2">
+            <a:extLst>
+              <a:ext uri="{FF2B5EF4-FFF2-40B4-BE49-F238E27FC236}">
+                <a16:creationId xmlns:a16="http://schemas.microsoft.com/office/drawing/2014/main" id="{C2114DFB-0173-46EA-B6AC-D191047C1DEA}"/>
+              </a:ext>
+            </a:extLst>
+          </p:cNvPr>
+          <p:cNvSpPr>
+            <a:spLocks noGrp="1"/>
+          </p:cNvSpPr>
+          <p:nvPr>
+            <p:ph idx="1"/>
+          </p:nvPr>
+        </p:nvSpPr>
+        <p:spPr>
+          <a:xfrm>
+            <a:off x="0" y="1119116"/>
+            <a:ext cx="12192000" cy="5738883"/>
+          </a:xfrm>
+        </p:spPr>
+        <p:txBody>
+          <a:bodyPr>
+            <a:normAutofit fontScale="92500" lnSpcReduction="10000"/>
+          </a:bodyPr>
+          <a:lstStyle/>
+          <a:p>
+            <a:pPr marL="0" indent="0" algn="ctr">
+              <a:buNone/>
+            </a:pPr>
+            <a:r>
+              <a:rPr kumimoji="1" lang="en-US" altLang="ja-JP" sz="23900" dirty="0">
+                <a:latin typeface="IPA Pゴシック" panose="020B0500000000000000" pitchFamily="50" charset="-128"/>
+                <a:ea typeface="IPA Pゴシック" panose="020B0500000000000000" pitchFamily="50" charset="-128"/>
+              </a:rPr>
+              <a:t>Web</a:t>
+            </a:r>
+          </a:p>
+          <a:p>
+            <a:pPr marL="0" indent="0" algn="ctr">
+              <a:buNone/>
+            </a:pPr>
+            <a:r>
+              <a:rPr kumimoji="1" lang="ja-JP" altLang="en-US" sz="23900" dirty="0">
+                <a:latin typeface="IPA Pゴシック" panose="020B0500000000000000" pitchFamily="50" charset="-128"/>
+                <a:ea typeface="IPA Pゴシック" panose="020B0500000000000000" pitchFamily="50" charset="-128"/>
+              </a:rPr>
+              <a:t>サイト</a:t>
+            </a:r>
+          </a:p>
+        </p:txBody>
+      </p:sp>
+    </p:spTree>
+    <p:extLst>
+      <p:ext uri="{BB962C8B-B14F-4D97-AF65-F5344CB8AC3E}">
+        <p14:creationId xmlns:p14="http://schemas.microsoft.com/office/powerpoint/2010/main" val="2384817124"/>
+      </p:ext>
+    </p:extLst>
+  </p:cSld>
+  <p:clrMapOvr>
+    <a:masterClrMapping/>
+  </p:clrMapOvr>
+</p:sld>
+</file>
+
+<file path=ppt/slides/slide47.xml><?xml version="1.0" encoding="utf-8"?>
+<p:sld xmlns:a="http://schemas.openxmlformats.org/drawingml/2006/main" xmlns:r="http://schemas.openxmlformats.org/officeDocument/2006/relationships" xmlns:p="http://schemas.openxmlformats.org/presentationml/2006/main">
+  <p:cSld>
+    <p:spTree>
+      <p:nvGrpSpPr>
+        <p:cNvPr id="1" name=""/>
+        <p:cNvGrpSpPr/>
+        <p:nvPr/>
+      </p:nvGrpSpPr>
+      <p:grpSpPr>
+        <a:xfrm>
+          <a:off x="0" y="0"/>
+          <a:ext cx="0" cy="0"/>
+          <a:chOff x="0" y="0"/>
+          <a:chExt cx="0" cy="0"/>
+        </a:xfrm>
+      </p:grpSpPr>
+      <p:sp>
+        <p:nvSpPr>
+          <p:cNvPr id="3" name="コンテンツ プレースホルダー 2">
+            <a:extLst>
+              <a:ext uri="{FF2B5EF4-FFF2-40B4-BE49-F238E27FC236}">
+                <a16:creationId xmlns:a16="http://schemas.microsoft.com/office/drawing/2014/main" id="{C2114DFB-0173-46EA-B6AC-D191047C1DEA}"/>
+              </a:ext>
+            </a:extLst>
+          </p:cNvPr>
+          <p:cNvSpPr>
+            <a:spLocks noGrp="1"/>
+          </p:cNvSpPr>
+          <p:nvPr>
+            <p:ph idx="1"/>
+          </p:nvPr>
+        </p:nvSpPr>
+        <p:spPr>
+          <a:xfrm>
+            <a:off x="0" y="1119116"/>
+            <a:ext cx="12192000" cy="5738883"/>
+          </a:xfrm>
+        </p:spPr>
+        <p:txBody>
+          <a:bodyPr>
+            <a:normAutofit fontScale="92500" lnSpcReduction="10000"/>
+          </a:bodyPr>
+          <a:lstStyle/>
+          <a:p>
+            <a:pPr marL="0" indent="0" algn="ctr">
+              <a:buNone/>
+            </a:pPr>
+            <a:r>
+              <a:rPr kumimoji="1" lang="en-US" altLang="ja-JP" sz="23900" dirty="0">
+                <a:latin typeface="IPA Pゴシック" panose="020B0500000000000000" pitchFamily="50" charset="-128"/>
+                <a:ea typeface="IPA Pゴシック" panose="020B0500000000000000" pitchFamily="50" charset="-128"/>
+              </a:rPr>
+              <a:t>Web</a:t>
+            </a:r>
+          </a:p>
+          <a:p>
+            <a:pPr marL="0" indent="0" algn="ctr">
+              <a:buNone/>
+            </a:pPr>
+            <a:r>
+              <a:rPr kumimoji="1" lang="ja-JP" altLang="en-US" sz="23900" dirty="0">
+                <a:latin typeface="IPA Pゴシック" panose="020B0500000000000000" pitchFamily="50" charset="-128"/>
+                <a:ea typeface="IPA Pゴシック" panose="020B0500000000000000" pitchFamily="50" charset="-128"/>
+              </a:rPr>
+              <a:t>サイト</a:t>
+            </a:r>
+          </a:p>
+        </p:txBody>
+      </p:sp>
+    </p:spTree>
+    <p:extLst>
+      <p:ext uri="{BB962C8B-B14F-4D97-AF65-F5344CB8AC3E}">
+        <p14:creationId xmlns:p14="http://schemas.microsoft.com/office/powerpoint/2010/main" val="418733985"/>
+      </p:ext>
+    </p:extLst>
+  </p:cSld>
+  <p:clrMapOvr>
+    <a:masterClrMapping/>
+  </p:clrMapOvr>
+</p:sld>
+</file>
+
+<file path=ppt/slides/slide48.xml><?xml version="1.0" encoding="utf-8"?>
+<p:sld xmlns:a="http://schemas.openxmlformats.org/drawingml/2006/main" xmlns:r="http://schemas.openxmlformats.org/officeDocument/2006/relationships" xmlns:p="http://schemas.openxmlformats.org/presentationml/2006/main">
+  <p:cSld>
+    <p:spTree>
+      <p:nvGrpSpPr>
+        <p:cNvPr id="1" name=""/>
+        <p:cNvGrpSpPr/>
+        <p:nvPr/>
+      </p:nvGrpSpPr>
+      <p:grpSpPr>
+        <a:xfrm>
+          <a:off x="0" y="0"/>
+          <a:ext cx="0" cy="0"/>
+          <a:chOff x="0" y="0"/>
+          <a:chExt cx="0" cy="0"/>
+        </a:xfrm>
+      </p:grpSpPr>
+      <p:sp>
+        <p:nvSpPr>
+          <p:cNvPr id="3" name="コンテンツ プレースホルダー 2">
+            <a:extLst>
+              <a:ext uri="{FF2B5EF4-FFF2-40B4-BE49-F238E27FC236}">
+                <a16:creationId xmlns:a16="http://schemas.microsoft.com/office/drawing/2014/main" id="{C2114DFB-0173-46EA-B6AC-D191047C1DEA}"/>
+              </a:ext>
+            </a:extLst>
+          </p:cNvPr>
+          <p:cNvSpPr>
+            <a:spLocks noGrp="1"/>
+          </p:cNvSpPr>
+          <p:nvPr>
+            <p:ph idx="1"/>
+          </p:nvPr>
+        </p:nvSpPr>
+        <p:spPr>
+          <a:xfrm>
+            <a:off x="0" y="1119116"/>
+            <a:ext cx="12192000" cy="5738883"/>
+          </a:xfrm>
+        </p:spPr>
+        <p:txBody>
+          <a:bodyPr>
+            <a:normAutofit fontScale="92500" lnSpcReduction="10000"/>
+          </a:bodyPr>
+          <a:lstStyle/>
+          <a:p>
+            <a:pPr marL="0" indent="0" algn="ctr">
+              <a:buNone/>
+            </a:pPr>
+            <a:r>
+              <a:rPr kumimoji="1" lang="en-US" altLang="ja-JP" sz="23900" dirty="0">
+                <a:latin typeface="IPA Pゴシック" panose="020B0500000000000000" pitchFamily="50" charset="-128"/>
+                <a:ea typeface="IPA Pゴシック" panose="020B0500000000000000" pitchFamily="50" charset="-128"/>
+              </a:rPr>
+              <a:t>Web</a:t>
+            </a:r>
+          </a:p>
+          <a:p>
+            <a:pPr marL="0" indent="0" algn="ctr">
+              <a:buNone/>
+            </a:pPr>
+            <a:r>
+              <a:rPr kumimoji="1" lang="ja-JP" altLang="en-US" sz="23900" dirty="0">
+                <a:latin typeface="IPA Pゴシック" panose="020B0500000000000000" pitchFamily="50" charset="-128"/>
+                <a:ea typeface="IPA Pゴシック" panose="020B0500000000000000" pitchFamily="50" charset="-128"/>
+              </a:rPr>
+              <a:t>サイト</a:t>
+            </a:r>
+          </a:p>
+        </p:txBody>
+      </p:sp>
+    </p:spTree>
+    <p:extLst>
+      <p:ext uri="{BB962C8B-B14F-4D97-AF65-F5344CB8AC3E}">
+        <p14:creationId xmlns:p14="http://schemas.microsoft.com/office/powerpoint/2010/main" val="3119455145"/>
+      </p:ext>
+    </p:extLst>
+  </p:cSld>
+  <p:clrMapOvr>
+    <a:masterClrMapping/>
+  </p:clrMapOvr>
+</p:sld>
+</file>
+
+<file path=ppt/slides/slide49.xml><?xml version="1.0" encoding="utf-8"?>
+<p:sld xmlns:a="http://schemas.openxmlformats.org/drawingml/2006/main" xmlns:r="http://schemas.openxmlformats.org/officeDocument/2006/relationships" xmlns:p="http://schemas.openxmlformats.org/presentationml/2006/main">
+  <p:cSld>
+    <p:spTree>
+      <p:nvGrpSpPr>
+        <p:cNvPr id="1" name=""/>
+        <p:cNvGrpSpPr/>
+        <p:nvPr/>
+      </p:nvGrpSpPr>
+      <p:grpSpPr>
+        <a:xfrm>
+          <a:off x="0" y="0"/>
+          <a:ext cx="0" cy="0"/>
+          <a:chOff x="0" y="0"/>
+          <a:chExt cx="0" cy="0"/>
+        </a:xfrm>
+      </p:grpSpPr>
+      <p:sp>
+        <p:nvSpPr>
+          <p:cNvPr id="3" name="コンテンツ プレースホルダー 2">
+            <a:extLst>
+              <a:ext uri="{FF2B5EF4-FFF2-40B4-BE49-F238E27FC236}">
+                <a16:creationId xmlns:a16="http://schemas.microsoft.com/office/drawing/2014/main" id="{C2114DFB-0173-46EA-B6AC-D191047C1DEA}"/>
+              </a:ext>
+            </a:extLst>
+          </p:cNvPr>
+          <p:cNvSpPr>
+            <a:spLocks noGrp="1"/>
+          </p:cNvSpPr>
+          <p:nvPr>
+            <p:ph idx="1"/>
+          </p:nvPr>
+        </p:nvSpPr>
+        <p:spPr>
+          <a:xfrm>
+            <a:off x="0" y="1119116"/>
+            <a:ext cx="12192000" cy="5738883"/>
+          </a:xfrm>
+        </p:spPr>
+        <p:txBody>
+          <a:bodyPr>
+            <a:normAutofit fontScale="92500" lnSpcReduction="10000"/>
+          </a:bodyPr>
+          <a:lstStyle/>
+          <a:p>
+            <a:pPr marL="0" indent="0" algn="ctr">
+              <a:buNone/>
+            </a:pPr>
+            <a:r>
+              <a:rPr kumimoji="1" lang="en-US" altLang="ja-JP" sz="23900" dirty="0">
+                <a:latin typeface="IPA Pゴシック" panose="020B0500000000000000" pitchFamily="50" charset="-128"/>
+                <a:ea typeface="IPA Pゴシック" panose="020B0500000000000000" pitchFamily="50" charset="-128"/>
+              </a:rPr>
+              <a:t>Web</a:t>
+            </a:r>
+          </a:p>
+          <a:p>
+            <a:pPr marL="0" indent="0" algn="ctr">
+              <a:buNone/>
+            </a:pPr>
+            <a:r>
+              <a:rPr kumimoji="1" lang="ja-JP" altLang="en-US" sz="23900" dirty="0">
+                <a:latin typeface="IPA Pゴシック" panose="020B0500000000000000" pitchFamily="50" charset="-128"/>
+                <a:ea typeface="IPA Pゴシック" panose="020B0500000000000000" pitchFamily="50" charset="-128"/>
+              </a:rPr>
+              <a:t>サイト</a:t>
+            </a:r>
+          </a:p>
+        </p:txBody>
+      </p:sp>
+    </p:spTree>
+    <p:extLst>
+      <p:ext uri="{BB962C8B-B14F-4D97-AF65-F5344CB8AC3E}">
+        <p14:creationId xmlns:p14="http://schemas.microsoft.com/office/powerpoint/2010/main" val="1368037535"/>
+      </p:ext>
+    </p:extLst>
+  </p:cSld>
+  <p:clrMapOvr>
+    <a:masterClrMapping/>
+  </p:clrMapOvr>
+</p:sld>
+</file>
+
 <file path=ppt/slides/slide5.xml><?xml version="1.0" encoding="utf-8"?>
 <p:sld xmlns:a="http://schemas.openxmlformats.org/drawingml/2006/main" xmlns:r="http://schemas.openxmlformats.org/officeDocument/2006/relationships" xmlns:p="http://schemas.openxmlformats.org/presentationml/2006/main" show="0">
   <p:cSld>
@@ -5398,6 +7382,670 @@
     <p:extLst>
       <p:ext uri="{BB962C8B-B14F-4D97-AF65-F5344CB8AC3E}">
         <p14:creationId xmlns:p14="http://schemas.microsoft.com/office/powerpoint/2010/main" val="618338217"/>
+      </p:ext>
+    </p:extLst>
+  </p:cSld>
+  <p:clrMapOvr>
+    <a:masterClrMapping/>
+  </p:clrMapOvr>
+</p:sld>
+</file>
+
+<file path=ppt/slides/slide50.xml><?xml version="1.0" encoding="utf-8"?>
+<p:sld xmlns:a="http://schemas.openxmlformats.org/drawingml/2006/main" xmlns:r="http://schemas.openxmlformats.org/officeDocument/2006/relationships" xmlns:p="http://schemas.openxmlformats.org/presentationml/2006/main">
+  <p:cSld>
+    <p:spTree>
+      <p:nvGrpSpPr>
+        <p:cNvPr id="1" name=""/>
+        <p:cNvGrpSpPr/>
+        <p:nvPr/>
+      </p:nvGrpSpPr>
+      <p:grpSpPr>
+        <a:xfrm>
+          <a:off x="0" y="0"/>
+          <a:ext cx="0" cy="0"/>
+          <a:chOff x="0" y="0"/>
+          <a:chExt cx="0" cy="0"/>
+        </a:xfrm>
+      </p:grpSpPr>
+      <p:sp>
+        <p:nvSpPr>
+          <p:cNvPr id="3" name="コンテンツ プレースホルダー 2">
+            <a:extLst>
+              <a:ext uri="{FF2B5EF4-FFF2-40B4-BE49-F238E27FC236}">
+                <a16:creationId xmlns:a16="http://schemas.microsoft.com/office/drawing/2014/main" id="{C2114DFB-0173-46EA-B6AC-D191047C1DEA}"/>
+              </a:ext>
+            </a:extLst>
+          </p:cNvPr>
+          <p:cNvSpPr>
+            <a:spLocks noGrp="1"/>
+          </p:cNvSpPr>
+          <p:nvPr>
+            <p:ph idx="1"/>
+          </p:nvPr>
+        </p:nvSpPr>
+        <p:spPr>
+          <a:xfrm>
+            <a:off x="0" y="1119116"/>
+            <a:ext cx="12192000" cy="5738883"/>
+          </a:xfrm>
+        </p:spPr>
+        <p:txBody>
+          <a:bodyPr>
+            <a:normAutofit fontScale="92500" lnSpcReduction="10000"/>
+          </a:bodyPr>
+          <a:lstStyle/>
+          <a:p>
+            <a:pPr marL="0" indent="0" algn="ctr">
+              <a:buNone/>
+            </a:pPr>
+            <a:r>
+              <a:rPr kumimoji="1" lang="en-US" altLang="ja-JP" sz="23900" dirty="0">
+                <a:latin typeface="IPA Pゴシック" panose="020B0500000000000000" pitchFamily="50" charset="-128"/>
+                <a:ea typeface="IPA Pゴシック" panose="020B0500000000000000" pitchFamily="50" charset="-128"/>
+              </a:rPr>
+              <a:t>Web</a:t>
+            </a:r>
+          </a:p>
+          <a:p>
+            <a:pPr marL="0" indent="0" algn="ctr">
+              <a:buNone/>
+            </a:pPr>
+            <a:r>
+              <a:rPr kumimoji="1" lang="ja-JP" altLang="en-US" sz="23900" dirty="0">
+                <a:latin typeface="IPA Pゴシック" panose="020B0500000000000000" pitchFamily="50" charset="-128"/>
+                <a:ea typeface="IPA Pゴシック" panose="020B0500000000000000" pitchFamily="50" charset="-128"/>
+              </a:rPr>
+              <a:t>サイト</a:t>
+            </a:r>
+          </a:p>
+        </p:txBody>
+      </p:sp>
+    </p:spTree>
+    <p:extLst>
+      <p:ext uri="{BB962C8B-B14F-4D97-AF65-F5344CB8AC3E}">
+        <p14:creationId xmlns:p14="http://schemas.microsoft.com/office/powerpoint/2010/main" val="1245082339"/>
+      </p:ext>
+    </p:extLst>
+  </p:cSld>
+  <p:clrMapOvr>
+    <a:masterClrMapping/>
+  </p:clrMapOvr>
+</p:sld>
+</file>
+
+<file path=ppt/slides/slide51.xml><?xml version="1.0" encoding="utf-8"?>
+<p:sld xmlns:a="http://schemas.openxmlformats.org/drawingml/2006/main" xmlns:r="http://schemas.openxmlformats.org/officeDocument/2006/relationships" xmlns:p="http://schemas.openxmlformats.org/presentationml/2006/main">
+  <p:cSld>
+    <p:spTree>
+      <p:nvGrpSpPr>
+        <p:cNvPr id="1" name=""/>
+        <p:cNvGrpSpPr/>
+        <p:nvPr/>
+      </p:nvGrpSpPr>
+      <p:grpSpPr>
+        <a:xfrm>
+          <a:off x="0" y="0"/>
+          <a:ext cx="0" cy="0"/>
+          <a:chOff x="0" y="0"/>
+          <a:chExt cx="0" cy="0"/>
+        </a:xfrm>
+      </p:grpSpPr>
+      <p:sp>
+        <p:nvSpPr>
+          <p:cNvPr id="3" name="コンテンツ プレースホルダー 2">
+            <a:extLst>
+              <a:ext uri="{FF2B5EF4-FFF2-40B4-BE49-F238E27FC236}">
+                <a16:creationId xmlns:a16="http://schemas.microsoft.com/office/drawing/2014/main" id="{C2114DFB-0173-46EA-B6AC-D191047C1DEA}"/>
+              </a:ext>
+            </a:extLst>
+          </p:cNvPr>
+          <p:cNvSpPr>
+            <a:spLocks noGrp="1"/>
+          </p:cNvSpPr>
+          <p:nvPr>
+            <p:ph idx="1"/>
+          </p:nvPr>
+        </p:nvSpPr>
+        <p:spPr>
+          <a:xfrm>
+            <a:off x="0" y="1119116"/>
+            <a:ext cx="12192000" cy="5738883"/>
+          </a:xfrm>
+        </p:spPr>
+        <p:txBody>
+          <a:bodyPr>
+            <a:normAutofit fontScale="92500" lnSpcReduction="10000"/>
+          </a:bodyPr>
+          <a:lstStyle/>
+          <a:p>
+            <a:pPr marL="0" indent="0" algn="ctr">
+              <a:buNone/>
+            </a:pPr>
+            <a:r>
+              <a:rPr kumimoji="1" lang="en-US" altLang="ja-JP" sz="23900" dirty="0">
+                <a:latin typeface="IPA Pゴシック" panose="020B0500000000000000" pitchFamily="50" charset="-128"/>
+                <a:ea typeface="IPA Pゴシック" panose="020B0500000000000000" pitchFamily="50" charset="-128"/>
+              </a:rPr>
+              <a:t>Web</a:t>
+            </a:r>
+          </a:p>
+          <a:p>
+            <a:pPr marL="0" indent="0" algn="ctr">
+              <a:buNone/>
+            </a:pPr>
+            <a:r>
+              <a:rPr kumimoji="1" lang="ja-JP" altLang="en-US" sz="23900" dirty="0">
+                <a:latin typeface="IPA Pゴシック" panose="020B0500000000000000" pitchFamily="50" charset="-128"/>
+                <a:ea typeface="IPA Pゴシック" panose="020B0500000000000000" pitchFamily="50" charset="-128"/>
+              </a:rPr>
+              <a:t>サイト</a:t>
+            </a:r>
+          </a:p>
+        </p:txBody>
+      </p:sp>
+    </p:spTree>
+    <p:extLst>
+      <p:ext uri="{BB962C8B-B14F-4D97-AF65-F5344CB8AC3E}">
+        <p14:creationId xmlns:p14="http://schemas.microsoft.com/office/powerpoint/2010/main" val="510319452"/>
+      </p:ext>
+    </p:extLst>
+  </p:cSld>
+  <p:clrMapOvr>
+    <a:masterClrMapping/>
+  </p:clrMapOvr>
+</p:sld>
+</file>
+
+<file path=ppt/slides/slide52.xml><?xml version="1.0" encoding="utf-8"?>
+<p:sld xmlns:a="http://schemas.openxmlformats.org/drawingml/2006/main" xmlns:r="http://schemas.openxmlformats.org/officeDocument/2006/relationships" xmlns:p="http://schemas.openxmlformats.org/presentationml/2006/main">
+  <p:cSld>
+    <p:spTree>
+      <p:nvGrpSpPr>
+        <p:cNvPr id="1" name=""/>
+        <p:cNvGrpSpPr/>
+        <p:nvPr/>
+      </p:nvGrpSpPr>
+      <p:grpSpPr>
+        <a:xfrm>
+          <a:off x="0" y="0"/>
+          <a:ext cx="0" cy="0"/>
+          <a:chOff x="0" y="0"/>
+          <a:chExt cx="0" cy="0"/>
+        </a:xfrm>
+      </p:grpSpPr>
+      <p:sp>
+        <p:nvSpPr>
+          <p:cNvPr id="3" name="コンテンツ プレースホルダー 2">
+            <a:extLst>
+              <a:ext uri="{FF2B5EF4-FFF2-40B4-BE49-F238E27FC236}">
+                <a16:creationId xmlns:a16="http://schemas.microsoft.com/office/drawing/2014/main" id="{C2114DFB-0173-46EA-B6AC-D191047C1DEA}"/>
+              </a:ext>
+            </a:extLst>
+          </p:cNvPr>
+          <p:cNvSpPr>
+            <a:spLocks noGrp="1"/>
+          </p:cNvSpPr>
+          <p:nvPr>
+            <p:ph idx="1"/>
+          </p:nvPr>
+        </p:nvSpPr>
+        <p:spPr>
+          <a:xfrm>
+            <a:off x="0" y="1119116"/>
+            <a:ext cx="12192000" cy="5738883"/>
+          </a:xfrm>
+        </p:spPr>
+        <p:txBody>
+          <a:bodyPr>
+            <a:normAutofit fontScale="92500" lnSpcReduction="10000"/>
+          </a:bodyPr>
+          <a:lstStyle/>
+          <a:p>
+            <a:pPr marL="0" indent="0" algn="ctr">
+              <a:buNone/>
+            </a:pPr>
+            <a:r>
+              <a:rPr kumimoji="1" lang="en-US" altLang="ja-JP" sz="23900" dirty="0">
+                <a:latin typeface="IPA Pゴシック" panose="020B0500000000000000" pitchFamily="50" charset="-128"/>
+                <a:ea typeface="IPA Pゴシック" panose="020B0500000000000000" pitchFamily="50" charset="-128"/>
+              </a:rPr>
+              <a:t>Web</a:t>
+            </a:r>
+          </a:p>
+          <a:p>
+            <a:pPr marL="0" indent="0" algn="ctr">
+              <a:buNone/>
+            </a:pPr>
+            <a:r>
+              <a:rPr kumimoji="1" lang="ja-JP" altLang="en-US" sz="23900" dirty="0">
+                <a:latin typeface="IPA Pゴシック" panose="020B0500000000000000" pitchFamily="50" charset="-128"/>
+                <a:ea typeface="IPA Pゴシック" panose="020B0500000000000000" pitchFamily="50" charset="-128"/>
+              </a:rPr>
+              <a:t>サイト</a:t>
+            </a:r>
+          </a:p>
+        </p:txBody>
+      </p:sp>
+    </p:spTree>
+    <p:extLst>
+      <p:ext uri="{BB962C8B-B14F-4D97-AF65-F5344CB8AC3E}">
+        <p14:creationId xmlns:p14="http://schemas.microsoft.com/office/powerpoint/2010/main" val="2255093243"/>
+      </p:ext>
+    </p:extLst>
+  </p:cSld>
+  <p:clrMapOvr>
+    <a:masterClrMapping/>
+  </p:clrMapOvr>
+</p:sld>
+</file>
+
+<file path=ppt/slides/slide53.xml><?xml version="1.0" encoding="utf-8"?>
+<p:sld xmlns:a="http://schemas.openxmlformats.org/drawingml/2006/main" xmlns:r="http://schemas.openxmlformats.org/officeDocument/2006/relationships" xmlns:p="http://schemas.openxmlformats.org/presentationml/2006/main">
+  <p:cSld>
+    <p:spTree>
+      <p:nvGrpSpPr>
+        <p:cNvPr id="1" name=""/>
+        <p:cNvGrpSpPr/>
+        <p:nvPr/>
+      </p:nvGrpSpPr>
+      <p:grpSpPr>
+        <a:xfrm>
+          <a:off x="0" y="0"/>
+          <a:ext cx="0" cy="0"/>
+          <a:chOff x="0" y="0"/>
+          <a:chExt cx="0" cy="0"/>
+        </a:xfrm>
+      </p:grpSpPr>
+      <p:sp>
+        <p:nvSpPr>
+          <p:cNvPr id="3" name="コンテンツ プレースホルダー 2">
+            <a:extLst>
+              <a:ext uri="{FF2B5EF4-FFF2-40B4-BE49-F238E27FC236}">
+                <a16:creationId xmlns:a16="http://schemas.microsoft.com/office/drawing/2014/main" id="{C2114DFB-0173-46EA-B6AC-D191047C1DEA}"/>
+              </a:ext>
+            </a:extLst>
+          </p:cNvPr>
+          <p:cNvSpPr>
+            <a:spLocks noGrp="1"/>
+          </p:cNvSpPr>
+          <p:nvPr>
+            <p:ph idx="1"/>
+          </p:nvPr>
+        </p:nvSpPr>
+        <p:spPr>
+          <a:xfrm>
+            <a:off x="0" y="1119116"/>
+            <a:ext cx="12192000" cy="5738883"/>
+          </a:xfrm>
+        </p:spPr>
+        <p:txBody>
+          <a:bodyPr>
+            <a:normAutofit fontScale="92500" lnSpcReduction="10000"/>
+          </a:bodyPr>
+          <a:lstStyle/>
+          <a:p>
+            <a:pPr marL="0" indent="0" algn="ctr">
+              <a:buNone/>
+            </a:pPr>
+            <a:r>
+              <a:rPr kumimoji="1" lang="en-US" altLang="ja-JP" sz="23900" dirty="0">
+                <a:latin typeface="IPA Pゴシック" panose="020B0500000000000000" pitchFamily="50" charset="-128"/>
+                <a:ea typeface="IPA Pゴシック" panose="020B0500000000000000" pitchFamily="50" charset="-128"/>
+              </a:rPr>
+              <a:t>Web</a:t>
+            </a:r>
+          </a:p>
+          <a:p>
+            <a:pPr marL="0" indent="0" algn="ctr">
+              <a:buNone/>
+            </a:pPr>
+            <a:r>
+              <a:rPr kumimoji="1" lang="ja-JP" altLang="en-US" sz="23900" dirty="0">
+                <a:latin typeface="IPA Pゴシック" panose="020B0500000000000000" pitchFamily="50" charset="-128"/>
+                <a:ea typeface="IPA Pゴシック" panose="020B0500000000000000" pitchFamily="50" charset="-128"/>
+              </a:rPr>
+              <a:t>サイト</a:t>
+            </a:r>
+          </a:p>
+        </p:txBody>
+      </p:sp>
+    </p:spTree>
+    <p:extLst>
+      <p:ext uri="{BB962C8B-B14F-4D97-AF65-F5344CB8AC3E}">
+        <p14:creationId xmlns:p14="http://schemas.microsoft.com/office/powerpoint/2010/main" val="1759748774"/>
+      </p:ext>
+    </p:extLst>
+  </p:cSld>
+  <p:clrMapOvr>
+    <a:masterClrMapping/>
+  </p:clrMapOvr>
+</p:sld>
+</file>
+
+<file path=ppt/slides/slide54.xml><?xml version="1.0" encoding="utf-8"?>
+<p:sld xmlns:a="http://schemas.openxmlformats.org/drawingml/2006/main" xmlns:r="http://schemas.openxmlformats.org/officeDocument/2006/relationships" xmlns:p="http://schemas.openxmlformats.org/presentationml/2006/main">
+  <p:cSld>
+    <p:spTree>
+      <p:nvGrpSpPr>
+        <p:cNvPr id="1" name=""/>
+        <p:cNvGrpSpPr/>
+        <p:nvPr/>
+      </p:nvGrpSpPr>
+      <p:grpSpPr>
+        <a:xfrm>
+          <a:off x="0" y="0"/>
+          <a:ext cx="0" cy="0"/>
+          <a:chOff x="0" y="0"/>
+          <a:chExt cx="0" cy="0"/>
+        </a:xfrm>
+      </p:grpSpPr>
+      <p:sp>
+        <p:nvSpPr>
+          <p:cNvPr id="3" name="コンテンツ プレースホルダー 2">
+            <a:extLst>
+              <a:ext uri="{FF2B5EF4-FFF2-40B4-BE49-F238E27FC236}">
+                <a16:creationId xmlns:a16="http://schemas.microsoft.com/office/drawing/2014/main" id="{C2114DFB-0173-46EA-B6AC-D191047C1DEA}"/>
+              </a:ext>
+            </a:extLst>
+          </p:cNvPr>
+          <p:cNvSpPr>
+            <a:spLocks noGrp="1"/>
+          </p:cNvSpPr>
+          <p:nvPr>
+            <p:ph idx="1"/>
+          </p:nvPr>
+        </p:nvSpPr>
+        <p:spPr>
+          <a:xfrm>
+            <a:off x="0" y="1119116"/>
+            <a:ext cx="12192000" cy="5738883"/>
+          </a:xfrm>
+        </p:spPr>
+        <p:txBody>
+          <a:bodyPr>
+            <a:normAutofit fontScale="92500" lnSpcReduction="10000"/>
+          </a:bodyPr>
+          <a:lstStyle/>
+          <a:p>
+            <a:pPr marL="0" indent="0" algn="ctr">
+              <a:buNone/>
+            </a:pPr>
+            <a:r>
+              <a:rPr kumimoji="1" lang="en-US" altLang="ja-JP" sz="23900" dirty="0">
+                <a:latin typeface="IPA Pゴシック" panose="020B0500000000000000" pitchFamily="50" charset="-128"/>
+                <a:ea typeface="IPA Pゴシック" panose="020B0500000000000000" pitchFamily="50" charset="-128"/>
+              </a:rPr>
+              <a:t>Web</a:t>
+            </a:r>
+          </a:p>
+          <a:p>
+            <a:pPr marL="0" indent="0" algn="ctr">
+              <a:buNone/>
+            </a:pPr>
+            <a:r>
+              <a:rPr kumimoji="1" lang="ja-JP" altLang="en-US" sz="23900" dirty="0">
+                <a:latin typeface="IPA Pゴシック" panose="020B0500000000000000" pitchFamily="50" charset="-128"/>
+                <a:ea typeface="IPA Pゴシック" panose="020B0500000000000000" pitchFamily="50" charset="-128"/>
+              </a:rPr>
+              <a:t>サイト</a:t>
+            </a:r>
+          </a:p>
+        </p:txBody>
+      </p:sp>
+    </p:spTree>
+    <p:extLst>
+      <p:ext uri="{BB962C8B-B14F-4D97-AF65-F5344CB8AC3E}">
+        <p14:creationId xmlns:p14="http://schemas.microsoft.com/office/powerpoint/2010/main" val="2560908107"/>
+      </p:ext>
+    </p:extLst>
+  </p:cSld>
+  <p:clrMapOvr>
+    <a:masterClrMapping/>
+  </p:clrMapOvr>
+</p:sld>
+</file>
+
+<file path=ppt/slides/slide55.xml><?xml version="1.0" encoding="utf-8"?>
+<p:sld xmlns:a="http://schemas.openxmlformats.org/drawingml/2006/main" xmlns:r="http://schemas.openxmlformats.org/officeDocument/2006/relationships" xmlns:p="http://schemas.openxmlformats.org/presentationml/2006/main">
+  <p:cSld>
+    <p:spTree>
+      <p:nvGrpSpPr>
+        <p:cNvPr id="1" name=""/>
+        <p:cNvGrpSpPr/>
+        <p:nvPr/>
+      </p:nvGrpSpPr>
+      <p:grpSpPr>
+        <a:xfrm>
+          <a:off x="0" y="0"/>
+          <a:ext cx="0" cy="0"/>
+          <a:chOff x="0" y="0"/>
+          <a:chExt cx="0" cy="0"/>
+        </a:xfrm>
+      </p:grpSpPr>
+      <p:sp>
+        <p:nvSpPr>
+          <p:cNvPr id="3" name="コンテンツ プレースホルダー 2">
+            <a:extLst>
+              <a:ext uri="{FF2B5EF4-FFF2-40B4-BE49-F238E27FC236}">
+                <a16:creationId xmlns:a16="http://schemas.microsoft.com/office/drawing/2014/main" id="{C2114DFB-0173-46EA-B6AC-D191047C1DEA}"/>
+              </a:ext>
+            </a:extLst>
+          </p:cNvPr>
+          <p:cNvSpPr>
+            <a:spLocks noGrp="1"/>
+          </p:cNvSpPr>
+          <p:nvPr>
+            <p:ph idx="1"/>
+          </p:nvPr>
+        </p:nvSpPr>
+        <p:spPr>
+          <a:xfrm>
+            <a:off x="0" y="1119116"/>
+            <a:ext cx="12192000" cy="5738883"/>
+          </a:xfrm>
+        </p:spPr>
+        <p:txBody>
+          <a:bodyPr>
+            <a:normAutofit fontScale="92500" lnSpcReduction="10000"/>
+          </a:bodyPr>
+          <a:lstStyle/>
+          <a:p>
+            <a:pPr marL="0" indent="0" algn="ctr">
+              <a:buNone/>
+            </a:pPr>
+            <a:r>
+              <a:rPr kumimoji="1" lang="en-US" altLang="ja-JP" sz="23900" dirty="0">
+                <a:latin typeface="IPA Pゴシック" panose="020B0500000000000000" pitchFamily="50" charset="-128"/>
+                <a:ea typeface="IPA Pゴシック" panose="020B0500000000000000" pitchFamily="50" charset="-128"/>
+              </a:rPr>
+              <a:t>Web</a:t>
+            </a:r>
+          </a:p>
+          <a:p>
+            <a:pPr marL="0" indent="0" algn="ctr">
+              <a:buNone/>
+            </a:pPr>
+            <a:r>
+              <a:rPr kumimoji="1" lang="ja-JP" altLang="en-US" sz="23900" dirty="0">
+                <a:latin typeface="IPA Pゴシック" panose="020B0500000000000000" pitchFamily="50" charset="-128"/>
+                <a:ea typeface="IPA Pゴシック" panose="020B0500000000000000" pitchFamily="50" charset="-128"/>
+              </a:rPr>
+              <a:t>サイト</a:t>
+            </a:r>
+          </a:p>
+        </p:txBody>
+      </p:sp>
+    </p:spTree>
+    <p:extLst>
+      <p:ext uri="{BB962C8B-B14F-4D97-AF65-F5344CB8AC3E}">
+        <p14:creationId xmlns:p14="http://schemas.microsoft.com/office/powerpoint/2010/main" val="2548055642"/>
+      </p:ext>
+    </p:extLst>
+  </p:cSld>
+  <p:clrMapOvr>
+    <a:masterClrMapping/>
+  </p:clrMapOvr>
+</p:sld>
+</file>
+
+<file path=ppt/slides/slide56.xml><?xml version="1.0" encoding="utf-8"?>
+<p:sld xmlns:a="http://schemas.openxmlformats.org/drawingml/2006/main" xmlns:r="http://schemas.openxmlformats.org/officeDocument/2006/relationships" xmlns:p="http://schemas.openxmlformats.org/presentationml/2006/main">
+  <p:cSld>
+    <p:spTree>
+      <p:nvGrpSpPr>
+        <p:cNvPr id="1" name=""/>
+        <p:cNvGrpSpPr/>
+        <p:nvPr/>
+      </p:nvGrpSpPr>
+      <p:grpSpPr>
+        <a:xfrm>
+          <a:off x="0" y="0"/>
+          <a:ext cx="0" cy="0"/>
+          <a:chOff x="0" y="0"/>
+          <a:chExt cx="0" cy="0"/>
+        </a:xfrm>
+      </p:grpSpPr>
+      <p:sp>
+        <p:nvSpPr>
+          <p:cNvPr id="3" name="コンテンツ プレースホルダー 2">
+            <a:extLst>
+              <a:ext uri="{FF2B5EF4-FFF2-40B4-BE49-F238E27FC236}">
+                <a16:creationId xmlns:a16="http://schemas.microsoft.com/office/drawing/2014/main" id="{C2114DFB-0173-46EA-B6AC-D191047C1DEA}"/>
+              </a:ext>
+            </a:extLst>
+          </p:cNvPr>
+          <p:cNvSpPr>
+            <a:spLocks noGrp="1"/>
+          </p:cNvSpPr>
+          <p:nvPr>
+            <p:ph idx="1"/>
+          </p:nvPr>
+        </p:nvSpPr>
+        <p:spPr>
+          <a:xfrm>
+            <a:off x="0" y="1119116"/>
+            <a:ext cx="12192000" cy="5738883"/>
+          </a:xfrm>
+        </p:spPr>
+        <p:txBody>
+          <a:bodyPr>
+            <a:normAutofit fontScale="92500" lnSpcReduction="10000"/>
+          </a:bodyPr>
+          <a:lstStyle/>
+          <a:p>
+            <a:pPr marL="0" indent="0" algn="ctr">
+              <a:buNone/>
+            </a:pPr>
+            <a:r>
+              <a:rPr kumimoji="1" lang="en-US" altLang="ja-JP" sz="23900" dirty="0">
+                <a:latin typeface="IPA Pゴシック" panose="020B0500000000000000" pitchFamily="50" charset="-128"/>
+                <a:ea typeface="IPA Pゴシック" panose="020B0500000000000000" pitchFamily="50" charset="-128"/>
+              </a:rPr>
+              <a:t>Web</a:t>
+            </a:r>
+          </a:p>
+          <a:p>
+            <a:pPr marL="0" indent="0" algn="ctr">
+              <a:buNone/>
+            </a:pPr>
+            <a:r>
+              <a:rPr kumimoji="1" lang="ja-JP" altLang="en-US" sz="23900" dirty="0">
+                <a:latin typeface="IPA Pゴシック" panose="020B0500000000000000" pitchFamily="50" charset="-128"/>
+                <a:ea typeface="IPA Pゴシック" panose="020B0500000000000000" pitchFamily="50" charset="-128"/>
+              </a:rPr>
+              <a:t>サイト</a:t>
+            </a:r>
+          </a:p>
+        </p:txBody>
+      </p:sp>
+    </p:spTree>
+    <p:extLst>
+      <p:ext uri="{BB962C8B-B14F-4D97-AF65-F5344CB8AC3E}">
+        <p14:creationId xmlns:p14="http://schemas.microsoft.com/office/powerpoint/2010/main" val="3229966675"/>
+      </p:ext>
+    </p:extLst>
+  </p:cSld>
+  <p:clrMapOvr>
+    <a:masterClrMapping/>
+  </p:clrMapOvr>
+</p:sld>
+</file>
+
+<file path=ppt/slides/slide57.xml><?xml version="1.0" encoding="utf-8"?>
+<p:sld xmlns:a="http://schemas.openxmlformats.org/drawingml/2006/main" xmlns:r="http://schemas.openxmlformats.org/officeDocument/2006/relationships" xmlns:p="http://schemas.openxmlformats.org/presentationml/2006/main">
+  <p:cSld>
+    <p:spTree>
+      <p:nvGrpSpPr>
+        <p:cNvPr id="1" name=""/>
+        <p:cNvGrpSpPr/>
+        <p:nvPr/>
+      </p:nvGrpSpPr>
+      <p:grpSpPr>
+        <a:xfrm>
+          <a:off x="0" y="0"/>
+          <a:ext cx="0" cy="0"/>
+          <a:chOff x="0" y="0"/>
+          <a:chExt cx="0" cy="0"/>
+        </a:xfrm>
+      </p:grpSpPr>
+      <p:sp>
+        <p:nvSpPr>
+          <p:cNvPr id="3" name="コンテンツ プレースホルダー 2">
+            <a:extLst>
+              <a:ext uri="{FF2B5EF4-FFF2-40B4-BE49-F238E27FC236}">
+                <a16:creationId xmlns:a16="http://schemas.microsoft.com/office/drawing/2014/main" id="{C2114DFB-0173-46EA-B6AC-D191047C1DEA}"/>
+              </a:ext>
+            </a:extLst>
+          </p:cNvPr>
+          <p:cNvSpPr>
+            <a:spLocks noGrp="1"/>
+          </p:cNvSpPr>
+          <p:nvPr>
+            <p:ph idx="1"/>
+          </p:nvPr>
+        </p:nvSpPr>
+        <p:spPr>
+          <a:xfrm>
+            <a:off x="0" y="1119116"/>
+            <a:ext cx="12192000" cy="5738883"/>
+          </a:xfrm>
+        </p:spPr>
+        <p:txBody>
+          <a:bodyPr>
+            <a:normAutofit fontScale="92500" lnSpcReduction="10000"/>
+          </a:bodyPr>
+          <a:lstStyle/>
+          <a:p>
+            <a:pPr marL="0" indent="0" algn="ctr">
+              <a:buNone/>
+            </a:pPr>
+            <a:r>
+              <a:rPr kumimoji="1" lang="en-US" altLang="ja-JP" sz="23900" dirty="0">
+                <a:latin typeface="IPA Pゴシック" panose="020B0500000000000000" pitchFamily="50" charset="-128"/>
+                <a:ea typeface="IPA Pゴシック" panose="020B0500000000000000" pitchFamily="50" charset="-128"/>
+              </a:rPr>
+              <a:t>Web</a:t>
+            </a:r>
+          </a:p>
+          <a:p>
+            <a:pPr marL="0" indent="0" algn="ctr">
+              <a:buNone/>
+            </a:pPr>
+            <a:r>
+              <a:rPr kumimoji="1" lang="ja-JP" altLang="en-US" sz="23900" dirty="0">
+                <a:latin typeface="IPA Pゴシック" panose="020B0500000000000000" pitchFamily="50" charset="-128"/>
+                <a:ea typeface="IPA Pゴシック" panose="020B0500000000000000" pitchFamily="50" charset="-128"/>
+              </a:rPr>
+              <a:t>サイト</a:t>
+            </a:r>
+          </a:p>
+        </p:txBody>
+      </p:sp>
+    </p:spTree>
+    <p:extLst>
+      <p:ext uri="{BB962C8B-B14F-4D97-AF65-F5344CB8AC3E}">
+        <p14:creationId xmlns:p14="http://schemas.microsoft.com/office/powerpoint/2010/main" val="462953920"/>
       </p:ext>
     </p:extLst>
   </p:cSld>
